--- a/Lectures/Lecture-1-3.pptx
+++ b/Lectures/Lecture-1-3.pptx
@@ -1,6 +1,6 @@
 
 <file path=ppt/presentation.xml><?xml version="1.0" encoding="utf-8"?>
-<p:presentation xmlns:a="http://schemas.openxmlformats.org/drawingml/2006/main" xmlns:r="http://schemas.openxmlformats.org/officeDocument/2006/relationships" xmlns:p="http://schemas.openxmlformats.org/presentationml/2006/main">
+<p:presentation xmlns:a="http://schemas.openxmlformats.org/drawingml/2006/main" xmlns:r="http://schemas.openxmlformats.org/officeDocument/2006/relationships" xmlns:p="http://schemas.openxmlformats.org/presentationml/2006/main" xmlns:m="http://schemas.openxmlformats.org/officeDocument/2006/math" xmlns:a14="http://schemas.microsoft.com/office/drawing/2010/main">
   <p:sldMasterIdLst>
     <p:sldMasterId id="2147483648" r:id="rId5"/>
   </p:sldMasterIdLst>
@@ -31,7 +31,7 @@
     <p:sldId id="276" r:id="rId28"/>
     <p:sldId id="277" r:id="rId29"/>
   </p:sldIdLst>
-  <p:sldSz cx="10071100" cy="7556500"/>
+  <p:sldSz cx="13004800" cy="9753600"/>
   <p:notesSz cx="6858000" cy="9144000"/>
   <p:defaultTextStyle>
     <a:defPPr marL="0" marR="0" indent="0" algn="l" defTabSz="914400" rtl="0" fontAlgn="auto" latinLnBrk="1" hangingPunct="0">
@@ -60,7 +60,7 @@
         <a:uFillTx/>
       </a:defRPr>
     </a:defPPr>
-    <a:lvl1pPr marL="0" marR="0" indent="0" algn="l" defTabSz="914400" rtl="0" fontAlgn="auto" latinLnBrk="0" hangingPunct="0">
+    <a:lvl1pPr marL="0" marR="0" indent="0" algn="ctr" defTabSz="584200" rtl="0" fontAlgn="auto" latinLnBrk="0" hangingPunct="0">
       <a:lnSpc>
         <a:spcPct val="100000"/>
       </a:lnSpc>
@@ -75,22 +75,22 @@
       <a:buFontTx/>
       <a:buNone/>
       <a:tabLst/>
-      <a:defRPr b="0" baseline="0" cap="none" i="0" spc="0" strike="noStrike" sz="1800" u="none" kumimoji="0" normalizeH="0">
+      <a:defRPr b="0" baseline="0" cap="none" i="0" spc="0" strike="noStrike" sz="3800" u="none" kumimoji="0" normalizeH="0">
         <a:ln>
           <a:noFill/>
         </a:ln>
         <a:solidFill>
-          <a:srgbClr val="000000"/>
+          <a:srgbClr val="FFFFFF"/>
         </a:solidFill>
         <a:effectLst/>
         <a:uFillTx/>
-        <a:latin typeface="Arial"/>
-        <a:ea typeface="Arial"/>
-        <a:cs typeface="Arial"/>
-        <a:sym typeface="Arial"/>
+        <a:latin typeface="+mn-lt"/>
+        <a:ea typeface="+mn-ea"/>
+        <a:cs typeface="+mn-cs"/>
+        <a:sym typeface="Helvetica Light"/>
       </a:defRPr>
     </a:lvl1pPr>
-    <a:lvl2pPr marL="0" marR="0" indent="0" algn="l" defTabSz="914400" rtl="0" fontAlgn="auto" latinLnBrk="0" hangingPunct="0">
+    <a:lvl2pPr marL="0" marR="0" indent="0" algn="ctr" defTabSz="584200" rtl="0" fontAlgn="auto" latinLnBrk="0" hangingPunct="0">
       <a:lnSpc>
         <a:spcPct val="100000"/>
       </a:lnSpc>
@@ -105,22 +105,22 @@
       <a:buFontTx/>
       <a:buNone/>
       <a:tabLst/>
-      <a:defRPr b="0" baseline="0" cap="none" i="0" spc="0" strike="noStrike" sz="1800" u="none" kumimoji="0" normalizeH="0">
+      <a:defRPr b="0" baseline="0" cap="none" i="0" spc="0" strike="noStrike" sz="3800" u="none" kumimoji="0" normalizeH="0">
         <a:ln>
           <a:noFill/>
         </a:ln>
         <a:solidFill>
-          <a:srgbClr val="000000"/>
+          <a:srgbClr val="FFFFFF"/>
         </a:solidFill>
         <a:effectLst/>
         <a:uFillTx/>
-        <a:latin typeface="Arial"/>
-        <a:ea typeface="Arial"/>
-        <a:cs typeface="Arial"/>
-        <a:sym typeface="Arial"/>
+        <a:latin typeface="+mn-lt"/>
+        <a:ea typeface="+mn-ea"/>
+        <a:cs typeface="+mn-cs"/>
+        <a:sym typeface="Helvetica Light"/>
       </a:defRPr>
     </a:lvl2pPr>
-    <a:lvl3pPr marL="0" marR="0" indent="0" algn="l" defTabSz="914400" rtl="0" fontAlgn="auto" latinLnBrk="0" hangingPunct="0">
+    <a:lvl3pPr marL="0" marR="0" indent="0" algn="ctr" defTabSz="584200" rtl="0" fontAlgn="auto" latinLnBrk="0" hangingPunct="0">
       <a:lnSpc>
         <a:spcPct val="100000"/>
       </a:lnSpc>
@@ -135,22 +135,22 @@
       <a:buFontTx/>
       <a:buNone/>
       <a:tabLst/>
-      <a:defRPr b="0" baseline="0" cap="none" i="0" spc="0" strike="noStrike" sz="1800" u="none" kumimoji="0" normalizeH="0">
+      <a:defRPr b="0" baseline="0" cap="none" i="0" spc="0" strike="noStrike" sz="3800" u="none" kumimoji="0" normalizeH="0">
         <a:ln>
           <a:noFill/>
         </a:ln>
         <a:solidFill>
-          <a:srgbClr val="000000"/>
+          <a:srgbClr val="FFFFFF"/>
         </a:solidFill>
         <a:effectLst/>
         <a:uFillTx/>
-        <a:latin typeface="Arial"/>
-        <a:ea typeface="Arial"/>
-        <a:cs typeface="Arial"/>
-        <a:sym typeface="Arial"/>
+        <a:latin typeface="+mn-lt"/>
+        <a:ea typeface="+mn-ea"/>
+        <a:cs typeface="+mn-cs"/>
+        <a:sym typeface="Helvetica Light"/>
       </a:defRPr>
     </a:lvl3pPr>
-    <a:lvl4pPr marL="0" marR="0" indent="0" algn="l" defTabSz="914400" rtl="0" fontAlgn="auto" latinLnBrk="0" hangingPunct="0">
+    <a:lvl4pPr marL="0" marR="0" indent="0" algn="ctr" defTabSz="584200" rtl="0" fontAlgn="auto" latinLnBrk="0" hangingPunct="0">
       <a:lnSpc>
         <a:spcPct val="100000"/>
       </a:lnSpc>
@@ -165,22 +165,22 @@
       <a:buFontTx/>
       <a:buNone/>
       <a:tabLst/>
-      <a:defRPr b="0" baseline="0" cap="none" i="0" spc="0" strike="noStrike" sz="1800" u="none" kumimoji="0" normalizeH="0">
+      <a:defRPr b="0" baseline="0" cap="none" i="0" spc="0" strike="noStrike" sz="3800" u="none" kumimoji="0" normalizeH="0">
         <a:ln>
           <a:noFill/>
         </a:ln>
         <a:solidFill>
-          <a:srgbClr val="000000"/>
+          <a:srgbClr val="FFFFFF"/>
         </a:solidFill>
         <a:effectLst/>
         <a:uFillTx/>
-        <a:latin typeface="Arial"/>
-        <a:ea typeface="Arial"/>
-        <a:cs typeface="Arial"/>
-        <a:sym typeface="Arial"/>
+        <a:latin typeface="+mn-lt"/>
+        <a:ea typeface="+mn-ea"/>
+        <a:cs typeface="+mn-cs"/>
+        <a:sym typeface="Helvetica Light"/>
       </a:defRPr>
     </a:lvl4pPr>
-    <a:lvl5pPr marL="0" marR="0" indent="0" algn="l" defTabSz="914400" rtl="0" fontAlgn="auto" latinLnBrk="0" hangingPunct="0">
+    <a:lvl5pPr marL="0" marR="0" indent="0" algn="ctr" defTabSz="584200" rtl="0" fontAlgn="auto" latinLnBrk="0" hangingPunct="0">
       <a:lnSpc>
         <a:spcPct val="100000"/>
       </a:lnSpc>
@@ -195,22 +195,22 @@
       <a:buFontTx/>
       <a:buNone/>
       <a:tabLst/>
-      <a:defRPr b="0" baseline="0" cap="none" i="0" spc="0" strike="noStrike" sz="1800" u="none" kumimoji="0" normalizeH="0">
+      <a:defRPr b="0" baseline="0" cap="none" i="0" spc="0" strike="noStrike" sz="3800" u="none" kumimoji="0" normalizeH="0">
         <a:ln>
           <a:noFill/>
         </a:ln>
         <a:solidFill>
-          <a:srgbClr val="000000"/>
+          <a:srgbClr val="FFFFFF"/>
         </a:solidFill>
         <a:effectLst/>
         <a:uFillTx/>
-        <a:latin typeface="Arial"/>
-        <a:ea typeface="Arial"/>
-        <a:cs typeface="Arial"/>
-        <a:sym typeface="Arial"/>
+        <a:latin typeface="+mn-lt"/>
+        <a:ea typeface="+mn-ea"/>
+        <a:cs typeface="+mn-cs"/>
+        <a:sym typeface="Helvetica Light"/>
       </a:defRPr>
     </a:lvl5pPr>
-    <a:lvl6pPr marL="0" marR="0" indent="0" algn="l" defTabSz="914400" rtl="0" fontAlgn="auto" latinLnBrk="0" hangingPunct="0">
+    <a:lvl6pPr marL="0" marR="0" indent="0" algn="ctr" defTabSz="584200" rtl="0" fontAlgn="auto" latinLnBrk="0" hangingPunct="0">
       <a:lnSpc>
         <a:spcPct val="100000"/>
       </a:lnSpc>
@@ -225,22 +225,22 @@
       <a:buFontTx/>
       <a:buNone/>
       <a:tabLst/>
-      <a:defRPr b="0" baseline="0" cap="none" i="0" spc="0" strike="noStrike" sz="1800" u="none" kumimoji="0" normalizeH="0">
+      <a:defRPr b="0" baseline="0" cap="none" i="0" spc="0" strike="noStrike" sz="3800" u="none" kumimoji="0" normalizeH="0">
         <a:ln>
           <a:noFill/>
         </a:ln>
         <a:solidFill>
-          <a:srgbClr val="000000"/>
+          <a:srgbClr val="FFFFFF"/>
         </a:solidFill>
         <a:effectLst/>
         <a:uFillTx/>
-        <a:latin typeface="Arial"/>
-        <a:ea typeface="Arial"/>
-        <a:cs typeface="Arial"/>
-        <a:sym typeface="Arial"/>
+        <a:latin typeface="+mn-lt"/>
+        <a:ea typeface="+mn-ea"/>
+        <a:cs typeface="+mn-cs"/>
+        <a:sym typeface="Helvetica Light"/>
       </a:defRPr>
     </a:lvl6pPr>
-    <a:lvl7pPr marL="0" marR="0" indent="0" algn="l" defTabSz="914400" rtl="0" fontAlgn="auto" latinLnBrk="0" hangingPunct="0">
+    <a:lvl7pPr marL="0" marR="0" indent="0" algn="ctr" defTabSz="584200" rtl="0" fontAlgn="auto" latinLnBrk="0" hangingPunct="0">
       <a:lnSpc>
         <a:spcPct val="100000"/>
       </a:lnSpc>
@@ -255,22 +255,22 @@
       <a:buFontTx/>
       <a:buNone/>
       <a:tabLst/>
-      <a:defRPr b="0" baseline="0" cap="none" i="0" spc="0" strike="noStrike" sz="1800" u="none" kumimoji="0" normalizeH="0">
+      <a:defRPr b="0" baseline="0" cap="none" i="0" spc="0" strike="noStrike" sz="3800" u="none" kumimoji="0" normalizeH="0">
         <a:ln>
           <a:noFill/>
         </a:ln>
         <a:solidFill>
-          <a:srgbClr val="000000"/>
+          <a:srgbClr val="FFFFFF"/>
         </a:solidFill>
         <a:effectLst/>
         <a:uFillTx/>
-        <a:latin typeface="Arial"/>
-        <a:ea typeface="Arial"/>
-        <a:cs typeface="Arial"/>
-        <a:sym typeface="Arial"/>
+        <a:latin typeface="+mn-lt"/>
+        <a:ea typeface="+mn-ea"/>
+        <a:cs typeface="+mn-cs"/>
+        <a:sym typeface="Helvetica Light"/>
       </a:defRPr>
     </a:lvl7pPr>
-    <a:lvl8pPr marL="0" marR="0" indent="0" algn="l" defTabSz="914400" rtl="0" fontAlgn="auto" latinLnBrk="0" hangingPunct="0">
+    <a:lvl8pPr marL="0" marR="0" indent="0" algn="ctr" defTabSz="584200" rtl="0" fontAlgn="auto" latinLnBrk="0" hangingPunct="0">
       <a:lnSpc>
         <a:spcPct val="100000"/>
       </a:lnSpc>
@@ -285,22 +285,22 @@
       <a:buFontTx/>
       <a:buNone/>
       <a:tabLst/>
-      <a:defRPr b="0" baseline="0" cap="none" i="0" spc="0" strike="noStrike" sz="1800" u="none" kumimoji="0" normalizeH="0">
+      <a:defRPr b="0" baseline="0" cap="none" i="0" spc="0" strike="noStrike" sz="3800" u="none" kumimoji="0" normalizeH="0">
         <a:ln>
           <a:noFill/>
         </a:ln>
         <a:solidFill>
-          <a:srgbClr val="000000"/>
+          <a:srgbClr val="FFFFFF"/>
         </a:solidFill>
         <a:effectLst/>
         <a:uFillTx/>
-        <a:latin typeface="Arial"/>
-        <a:ea typeface="Arial"/>
-        <a:cs typeface="Arial"/>
-        <a:sym typeface="Arial"/>
+        <a:latin typeface="+mn-lt"/>
+        <a:ea typeface="+mn-ea"/>
+        <a:cs typeface="+mn-cs"/>
+        <a:sym typeface="Helvetica Light"/>
       </a:defRPr>
     </a:lvl8pPr>
-    <a:lvl9pPr marL="0" marR="0" indent="0" algn="l" defTabSz="914400" rtl="0" fontAlgn="auto" latinLnBrk="0" hangingPunct="0">
+    <a:lvl9pPr marL="0" marR="0" indent="0" algn="ctr" defTabSz="584200" rtl="0" fontAlgn="auto" latinLnBrk="0" hangingPunct="0">
       <a:lnSpc>
         <a:spcPct val="100000"/>
       </a:lnSpc>
@@ -315,19 +315,19 @@
       <a:buFontTx/>
       <a:buNone/>
       <a:tabLst/>
-      <a:defRPr b="0" baseline="0" cap="none" i="0" spc="0" strike="noStrike" sz="1800" u="none" kumimoji="0" normalizeH="0">
+      <a:defRPr b="0" baseline="0" cap="none" i="0" spc="0" strike="noStrike" sz="3800" u="none" kumimoji="0" normalizeH="0">
         <a:ln>
           <a:noFill/>
         </a:ln>
         <a:solidFill>
-          <a:srgbClr val="000000"/>
+          <a:srgbClr val="FFFFFF"/>
         </a:solidFill>
         <a:effectLst/>
         <a:uFillTx/>
-        <a:latin typeface="Arial"/>
-        <a:ea typeface="Arial"/>
-        <a:cs typeface="Arial"/>
-        <a:sym typeface="Arial"/>
+        <a:latin typeface="+mn-lt"/>
+        <a:ea typeface="+mn-ea"/>
+        <a:cs typeface="+mn-cs"/>
+        <a:sym typeface="Helvetica Light"/>
       </a:defRPr>
     </a:lvl9pPr>
   </p:defaultTextStyle>
@@ -335,11 +335,11 @@
 </file>
 
 <file path=ppt/commentAuthors.xml><?xml version="1.0" encoding="utf-8"?>
-<p:cmAuthorLst xmlns:a="http://schemas.openxmlformats.org/drawingml/2006/main" xmlns:r="http://schemas.openxmlformats.org/officeDocument/2006/relationships" xmlns:p="http://schemas.openxmlformats.org/presentationml/2006/main"/>
+<p:cmAuthorLst xmlns:a="http://schemas.openxmlformats.org/drawingml/2006/main" xmlns:r="http://schemas.openxmlformats.org/officeDocument/2006/relationships" xmlns:p="http://schemas.openxmlformats.org/presentationml/2006/main" xmlns:m="http://schemas.openxmlformats.org/officeDocument/2006/math" xmlns:a14="http://schemas.microsoft.com/office/drawing/2010/main"/>
 </file>
 
 <file path=ppt/notesMasters/notesMaster1.xml><?xml version="1.0" encoding="utf-8"?>
-<p:notesMaster xmlns:a="http://schemas.openxmlformats.org/drawingml/2006/main" xmlns:r="http://schemas.openxmlformats.org/officeDocument/2006/relationships" xmlns:p="http://schemas.openxmlformats.org/presentationml/2006/main">
+<p:notesMaster xmlns:a="http://schemas.openxmlformats.org/drawingml/2006/main" xmlns:r="http://schemas.openxmlformats.org/officeDocument/2006/relationships" xmlns:p="http://schemas.openxmlformats.org/presentationml/2006/main" xmlns:m="http://schemas.openxmlformats.org/officeDocument/2006/math" xmlns:a14="http://schemas.microsoft.com/office/drawing/2010/main">
   <p:cSld>
     <p:spTree>
       <p:nvGrpSpPr>
@@ -357,7 +357,7 @@
       </p:grpSpPr>
       <p:sp>
         <p:nvSpPr>
-          <p:cNvPr id="130" name="Shape 130"/>
+          <p:cNvPr id="116" name="Shape 116"/>
           <p:cNvSpPr/>
           <p:nvPr>
             <p:ph type="sldImg"/>
@@ -382,7 +382,7 @@
       </p:sp>
       <p:sp>
         <p:nvSpPr>
-          <p:cNvPr id="131" name="Shape 131"/>
+          <p:cNvPr id="117" name="Shape 117"/>
           <p:cNvSpPr/>
           <p:nvPr>
             <p:ph type="body" sz="quarter" idx="1"/>
@@ -409,75 +409,102 @@
   </p:cSld>
   <p:clrMap bg1="lt1" tx1="dk1" bg2="lt2" tx2="dk2" accent1="accent1" accent2="accent2" accent3="accent3" accent4="accent4" accent5="accent5" accent6="accent6" hlink="hlink" folHlink="folHlink"/>
   <p:notesStyle>
-    <a:lvl1pPr latinLnBrk="0">
-      <a:defRPr sz="1200">
-        <a:latin typeface="+mj-lt"/>
-        <a:ea typeface="+mj-ea"/>
-        <a:cs typeface="+mj-cs"/>
+    <a:lvl1pPr defTabSz="457200" latinLnBrk="0">
+      <a:lnSpc>
+        <a:spcPct val="117999"/>
+      </a:lnSpc>
+      <a:defRPr sz="2200">
+        <a:latin typeface="Helvetica Neue"/>
+        <a:ea typeface="Helvetica Neue"/>
+        <a:cs typeface="Helvetica Neue"/>
         <a:sym typeface="Helvetica Neue"/>
       </a:defRPr>
     </a:lvl1pPr>
-    <a:lvl2pPr indent="228600" latinLnBrk="0">
-      <a:defRPr sz="1200">
-        <a:latin typeface="+mj-lt"/>
-        <a:ea typeface="+mj-ea"/>
-        <a:cs typeface="+mj-cs"/>
+    <a:lvl2pPr indent="228600" defTabSz="457200" latinLnBrk="0">
+      <a:lnSpc>
+        <a:spcPct val="117999"/>
+      </a:lnSpc>
+      <a:defRPr sz="2200">
+        <a:latin typeface="Helvetica Neue"/>
+        <a:ea typeface="Helvetica Neue"/>
+        <a:cs typeface="Helvetica Neue"/>
         <a:sym typeface="Helvetica Neue"/>
       </a:defRPr>
     </a:lvl2pPr>
-    <a:lvl3pPr indent="457200" latinLnBrk="0">
-      <a:defRPr sz="1200">
-        <a:latin typeface="+mj-lt"/>
-        <a:ea typeface="+mj-ea"/>
-        <a:cs typeface="+mj-cs"/>
+    <a:lvl3pPr indent="457200" defTabSz="457200" latinLnBrk="0">
+      <a:lnSpc>
+        <a:spcPct val="117999"/>
+      </a:lnSpc>
+      <a:defRPr sz="2200">
+        <a:latin typeface="Helvetica Neue"/>
+        <a:ea typeface="Helvetica Neue"/>
+        <a:cs typeface="Helvetica Neue"/>
         <a:sym typeface="Helvetica Neue"/>
       </a:defRPr>
     </a:lvl3pPr>
-    <a:lvl4pPr indent="685800" latinLnBrk="0">
-      <a:defRPr sz="1200">
-        <a:latin typeface="+mj-lt"/>
-        <a:ea typeface="+mj-ea"/>
-        <a:cs typeface="+mj-cs"/>
+    <a:lvl4pPr indent="685800" defTabSz="457200" latinLnBrk="0">
+      <a:lnSpc>
+        <a:spcPct val="117999"/>
+      </a:lnSpc>
+      <a:defRPr sz="2200">
+        <a:latin typeface="Helvetica Neue"/>
+        <a:ea typeface="Helvetica Neue"/>
+        <a:cs typeface="Helvetica Neue"/>
         <a:sym typeface="Helvetica Neue"/>
       </a:defRPr>
     </a:lvl4pPr>
-    <a:lvl5pPr indent="914400" latinLnBrk="0">
-      <a:defRPr sz="1200">
-        <a:latin typeface="+mj-lt"/>
-        <a:ea typeface="+mj-ea"/>
-        <a:cs typeface="+mj-cs"/>
+    <a:lvl5pPr indent="914400" defTabSz="457200" latinLnBrk="0">
+      <a:lnSpc>
+        <a:spcPct val="117999"/>
+      </a:lnSpc>
+      <a:defRPr sz="2200">
+        <a:latin typeface="Helvetica Neue"/>
+        <a:ea typeface="Helvetica Neue"/>
+        <a:cs typeface="Helvetica Neue"/>
         <a:sym typeface="Helvetica Neue"/>
       </a:defRPr>
     </a:lvl5pPr>
-    <a:lvl6pPr indent="1143000" latinLnBrk="0">
-      <a:defRPr sz="1200">
-        <a:latin typeface="+mj-lt"/>
-        <a:ea typeface="+mj-ea"/>
-        <a:cs typeface="+mj-cs"/>
+    <a:lvl6pPr indent="1143000" defTabSz="457200" latinLnBrk="0">
+      <a:lnSpc>
+        <a:spcPct val="117999"/>
+      </a:lnSpc>
+      <a:defRPr sz="2200">
+        <a:latin typeface="Helvetica Neue"/>
+        <a:ea typeface="Helvetica Neue"/>
+        <a:cs typeface="Helvetica Neue"/>
         <a:sym typeface="Helvetica Neue"/>
       </a:defRPr>
     </a:lvl6pPr>
-    <a:lvl7pPr indent="1371600" latinLnBrk="0">
-      <a:defRPr sz="1200">
-        <a:latin typeface="+mj-lt"/>
-        <a:ea typeface="+mj-ea"/>
-        <a:cs typeface="+mj-cs"/>
+    <a:lvl7pPr indent="1371600" defTabSz="457200" latinLnBrk="0">
+      <a:lnSpc>
+        <a:spcPct val="117999"/>
+      </a:lnSpc>
+      <a:defRPr sz="2200">
+        <a:latin typeface="Helvetica Neue"/>
+        <a:ea typeface="Helvetica Neue"/>
+        <a:cs typeface="Helvetica Neue"/>
         <a:sym typeface="Helvetica Neue"/>
       </a:defRPr>
     </a:lvl7pPr>
-    <a:lvl8pPr indent="1600200" latinLnBrk="0">
-      <a:defRPr sz="1200">
-        <a:latin typeface="+mj-lt"/>
-        <a:ea typeface="+mj-ea"/>
-        <a:cs typeface="+mj-cs"/>
+    <a:lvl8pPr indent="1600200" defTabSz="457200" latinLnBrk="0">
+      <a:lnSpc>
+        <a:spcPct val="117999"/>
+      </a:lnSpc>
+      <a:defRPr sz="2200">
+        <a:latin typeface="Helvetica Neue"/>
+        <a:ea typeface="Helvetica Neue"/>
+        <a:cs typeface="Helvetica Neue"/>
         <a:sym typeface="Helvetica Neue"/>
       </a:defRPr>
     </a:lvl8pPr>
-    <a:lvl9pPr indent="1828800" latinLnBrk="0">
-      <a:defRPr sz="1200">
-        <a:latin typeface="+mj-lt"/>
-        <a:ea typeface="+mj-ea"/>
-        <a:cs typeface="+mj-cs"/>
+    <a:lvl9pPr indent="1828800" defTabSz="457200" latinLnBrk="0">
+      <a:lnSpc>
+        <a:spcPct val="117999"/>
+      </a:lnSpc>
+      <a:defRPr sz="2200">
+        <a:latin typeface="Helvetica Neue"/>
+        <a:ea typeface="Helvetica Neue"/>
+        <a:cs typeface="Helvetica Neue"/>
         <a:sym typeface="Helvetica Neue"/>
       </a:defRPr>
     </a:lvl9pPr>
@@ -486,8 +513,8 @@
 </file>
 
 <file path=ppt/slideLayouts/slideLayout1.xml><?xml version="1.0" encoding="utf-8"?>
-<p:sldLayout xmlns:a="http://schemas.openxmlformats.org/drawingml/2006/main" xmlns:r="http://schemas.openxmlformats.org/officeDocument/2006/relationships" xmlns:p="http://schemas.openxmlformats.org/presentationml/2006/main" type="tx" showMasterSp="1" showMasterPhAnim="1">
-  <p:cSld name="Blank Slide">
+<p:sldLayout xmlns:a="http://schemas.openxmlformats.org/drawingml/2006/main" xmlns:r="http://schemas.openxmlformats.org/officeDocument/2006/relationships" xmlns:p="http://schemas.openxmlformats.org/presentationml/2006/main" xmlns:m="http://schemas.openxmlformats.org/officeDocument/2006/math" xmlns:a14="http://schemas.microsoft.com/office/drawing/2010/main" type="title" showMasterSp="1" showMasterPhAnim="1">
+  <p:cSld name="Title &amp; Subtitle">
     <p:spTree>
       <p:nvGrpSpPr>
         <p:cNvPr id="1" name=""/>
@@ -504,19 +531,144 @@
       </p:grpSpPr>
       <p:sp>
         <p:nvSpPr>
-          <p:cNvPr id="11" name="Slide Number"/>
+          <p:cNvPr id="11" name="Title Text"/>
+          <p:cNvSpPr txBox="1"/>
+          <p:nvPr>
+            <p:ph type="title"/>
+          </p:nvPr>
+        </p:nvSpPr>
+        <p:spPr>
+          <a:xfrm>
+            <a:off x="1270000" y="1638300"/>
+            <a:ext cx="10464800" cy="3302000"/>
+          </a:xfrm>
+          <a:prstGeom prst="rect">
+            <a:avLst/>
+          </a:prstGeom>
+        </p:spPr>
+        <p:txBody>
+          <a:bodyPr anchor="b"/>
+          <a:lstStyle/>
+          <a:p>
+            <a:pPr/>
+            <a:r>
+              <a:t>Title Text</a:t>
+            </a:r>
+          </a:p>
+        </p:txBody>
+      </p:sp>
+      <p:sp>
+        <p:nvSpPr>
+          <p:cNvPr id="12" name="Body Level One…"/>
+          <p:cNvSpPr txBox="1"/>
+          <p:nvPr>
+            <p:ph type="body" sz="quarter" idx="1"/>
+          </p:nvPr>
+        </p:nvSpPr>
+        <p:spPr>
+          <a:xfrm>
+            <a:off x="1270000" y="5029200"/>
+            <a:ext cx="10464800" cy="1130300"/>
+          </a:xfrm>
+          <a:prstGeom prst="rect">
+            <a:avLst/>
+          </a:prstGeom>
+        </p:spPr>
+        <p:txBody>
+          <a:bodyPr anchor="t"/>
+          <a:lstStyle>
+            <a:lvl1pPr marL="0" indent="0" algn="ctr">
+              <a:spcBef>
+                <a:spcPts val="0"/>
+              </a:spcBef>
+              <a:buSzTx/>
+              <a:buNone/>
+              <a:defRPr sz="3200"/>
+            </a:lvl1pPr>
+            <a:lvl2pPr marL="0" indent="0" algn="ctr">
+              <a:spcBef>
+                <a:spcPts val="0"/>
+              </a:spcBef>
+              <a:buSzTx/>
+              <a:buNone/>
+              <a:defRPr sz="3200"/>
+            </a:lvl2pPr>
+            <a:lvl3pPr marL="0" indent="0" algn="ctr">
+              <a:spcBef>
+                <a:spcPts val="0"/>
+              </a:spcBef>
+              <a:buSzTx/>
+              <a:buNone/>
+              <a:defRPr sz="3200"/>
+            </a:lvl3pPr>
+            <a:lvl4pPr marL="0" indent="0" algn="ctr">
+              <a:spcBef>
+                <a:spcPts val="0"/>
+              </a:spcBef>
+              <a:buSzTx/>
+              <a:buNone/>
+              <a:defRPr sz="3200"/>
+            </a:lvl4pPr>
+            <a:lvl5pPr marL="0" indent="0" algn="ctr">
+              <a:spcBef>
+                <a:spcPts val="0"/>
+              </a:spcBef>
+              <a:buSzTx/>
+              <a:buNone/>
+              <a:defRPr sz="3200"/>
+            </a:lvl5pPr>
+          </a:lstStyle>
+          <a:p>
+            <a:pPr/>
+            <a:r>
+              <a:t>Body Level One</a:t>
+            </a:r>
+          </a:p>
+          <a:p>
+            <a:pPr lvl="1"/>
+            <a:r>
+              <a:t>Body Level Two</a:t>
+            </a:r>
+          </a:p>
+          <a:p>
+            <a:pPr lvl="2"/>
+            <a:r>
+              <a:t>Body Level Three</a:t>
+            </a:r>
+          </a:p>
+          <a:p>
+            <a:pPr lvl="3"/>
+            <a:r>
+              <a:t>Body Level Four</a:t>
+            </a:r>
+          </a:p>
+          <a:p>
+            <a:pPr lvl="4"/>
+            <a:r>
+              <a:t>Body Level Five</a:t>
+            </a:r>
+          </a:p>
+        </p:txBody>
+      </p:sp>
+      <p:sp>
+        <p:nvSpPr>
+          <p:cNvPr id="13" name="Slide Number"/>
           <p:cNvSpPr txBox="1"/>
           <p:nvPr>
             <p:ph type="sldNum" sz="quarter" idx="2"/>
           </p:nvPr>
         </p:nvSpPr>
         <p:spPr>
+          <a:xfrm>
+            <a:off x="6311798" y="9245600"/>
+            <a:ext cx="368504" cy="381000"/>
+          </a:xfrm>
           <a:prstGeom prst="rect">
             <a:avLst/>
           </a:prstGeom>
         </p:spPr>
         <p:txBody>
-          <a:bodyPr/>
+          <a:bodyPr anchor="t"/>
           <a:lstStyle/>
           <a:p>
             <a:pPr/>
@@ -534,8 +686,8 @@
 </file>
 
 <file path=ppt/slideLayouts/slideLayout10.xml><?xml version="1.0" encoding="utf-8"?>
-<p:sldLayout xmlns:a="http://schemas.openxmlformats.org/drawingml/2006/main" xmlns:r="http://schemas.openxmlformats.org/officeDocument/2006/relationships" xmlns:p="http://schemas.openxmlformats.org/presentationml/2006/main" type="tx" showMasterSp="1" showMasterPhAnim="1">
-  <p:cSld name="Title, Content over Content">
+<p:sldLayout xmlns:a="http://schemas.openxmlformats.org/drawingml/2006/main" xmlns:r="http://schemas.openxmlformats.org/officeDocument/2006/relationships" xmlns:p="http://schemas.openxmlformats.org/presentationml/2006/main" xmlns:m="http://schemas.openxmlformats.org/officeDocument/2006/math" xmlns:a14="http://schemas.microsoft.com/office/drawing/2010/main" type="tx" showMasterSp="1" showMasterPhAnim="1">
+  <p:cSld name="Quote">
     <p:spTree>
       <p:nvGrpSpPr>
         <p:cNvPr id="1" name=""/>
@@ -552,16 +704,60 @@
       </p:grpSpPr>
       <p:sp>
         <p:nvSpPr>
-          <p:cNvPr id="95" name="Title Text"/>
+          <p:cNvPr id="93" name="–Johnny Appleseed"/>
           <p:cNvSpPr txBox="1"/>
           <p:nvPr>
-            <p:ph type="title"/>
+            <p:ph type="body" sz="quarter" idx="13"/>
           </p:nvPr>
         </p:nvSpPr>
         <p:spPr>
           <a:xfrm>
-            <a:off x="504000" y="301320"/>
-            <a:ext cx="9071641" cy="1262160"/>
+            <a:off x="1270000" y="6362700"/>
+            <a:ext cx="10464800" cy="533400"/>
+          </a:xfrm>
+          <a:prstGeom prst="rect">
+            <a:avLst/>
+          </a:prstGeom>
+        </p:spPr>
+        <p:txBody>
+          <a:bodyPr anchor="t">
+            <a:spAutoFit/>
+          </a:bodyPr>
+          <a:lstStyle>
+            <a:lvl1pPr marL="0" indent="0" algn="ctr">
+              <a:spcBef>
+                <a:spcPts val="0"/>
+              </a:spcBef>
+              <a:buSzTx/>
+              <a:buNone/>
+              <a:defRPr b="1" sz="2800">
+                <a:latin typeface="Helvetica"/>
+                <a:ea typeface="Helvetica"/>
+                <a:cs typeface="Helvetica"/>
+                <a:sym typeface="Helvetica"/>
+              </a:defRPr>
+            </a:lvl1pPr>
+          </a:lstStyle>
+          <a:p>
+            <a:pPr/>
+            <a:r>
+              <a:t>–Johnny Appleseed</a:t>
+            </a:r>
+          </a:p>
+        </p:txBody>
+      </p:sp>
+      <p:sp>
+        <p:nvSpPr>
+          <p:cNvPr id="94" name="“Type a quote here.”"/>
+          <p:cNvSpPr txBox="1"/>
+          <p:nvPr>
+            <p:ph type="body" sz="quarter" idx="14"/>
+          </p:nvPr>
+        </p:nvSpPr>
+        <p:spPr>
+          <a:xfrm>
+            <a:off x="1270000" y="4254500"/>
+            <a:ext cx="10464800" cy="711200"/>
           </a:xfrm>
           <a:prstGeom prst="rect">
             <a:avLst/>
@@ -569,111 +765,45 @@
         </p:spPr>
         <p:txBody>
           <a:bodyPr>
-            <a:normAutofit fontScale="100000" lnSpcReduction="0"/>
+            <a:spAutoFit/>
           </a:bodyPr>
-          <a:lstStyle/>
+          <a:lstStyle>
+            <a:lvl1pPr marL="0" indent="0" algn="ctr">
+              <a:spcBef>
+                <a:spcPts val="2400"/>
+              </a:spcBef>
+              <a:buSzTx/>
+              <a:buNone/>
+              <a:defRPr sz="4000"/>
+            </a:lvl1pPr>
+          </a:lstStyle>
           <a:p>
             <a:pPr/>
             <a:r>
-              <a:t>Title Text</a:t>
+              <a:t>“Type a quote here.”</a:t>
             </a:r>
           </a:p>
         </p:txBody>
       </p:sp>
       <p:sp>
         <p:nvSpPr>
-          <p:cNvPr id="96" name="Body Level One…"/>
+          <p:cNvPr id="95" name="Slide Number"/>
           <p:cNvSpPr txBox="1"/>
           <p:nvPr>
-            <p:ph type="body" sz="half" idx="1"/>
+            <p:ph type="sldNum" sz="quarter" idx="2"/>
           </p:nvPr>
         </p:nvSpPr>
         <p:spPr>
           <a:xfrm>
-            <a:off x="504000" y="1769040"/>
-            <a:ext cx="9071641" cy="2091241"/>
+            <a:off x="6311798" y="9245600"/>
+            <a:ext cx="368504" cy="381000"/>
           </a:xfrm>
           <a:prstGeom prst="rect">
             <a:avLst/>
           </a:prstGeom>
         </p:spPr>
         <p:txBody>
-          <a:bodyPr/>
-          <a:lstStyle/>
-          <a:p>
-            <a:pPr/>
-            <a:r>
-              <a:t>Body Level One</a:t>
-            </a:r>
-          </a:p>
-          <a:p>
-            <a:pPr lvl="1"/>
-            <a:r>
-              <a:t>Body Level Two</a:t>
-            </a:r>
-          </a:p>
-          <a:p>
-            <a:pPr lvl="2"/>
-            <a:r>
-              <a:t>Body Level Three</a:t>
-            </a:r>
-          </a:p>
-          <a:p>
-            <a:pPr lvl="3"/>
-            <a:r>
-              <a:t>Body Level Four</a:t>
-            </a:r>
-          </a:p>
-          <a:p>
-            <a:pPr lvl="4"/>
-            <a:r>
-              <a:t>Body Level Five</a:t>
-            </a:r>
-          </a:p>
-        </p:txBody>
-      </p:sp>
-      <p:sp>
-        <p:nvSpPr>
-          <p:cNvPr id="97" name="PlaceHolder 3"/>
-          <p:cNvSpPr/>
-          <p:nvPr>
-            <p:ph type="body" sz="half" idx="13"/>
-          </p:nvPr>
-        </p:nvSpPr>
-        <p:spPr>
-          <a:xfrm>
-            <a:off x="503999" y="4059359"/>
-            <a:ext cx="9071642" cy="2091241"/>
-          </a:xfrm>
-          <a:prstGeom prst="rect">
-            <a:avLst/>
-          </a:prstGeom>
-        </p:spPr>
-        <p:txBody>
-          <a:bodyPr/>
-          <a:lstStyle/>
-          <a:p>
-            <a:pPr>
-              <a:defRPr spc="-100"/>
-            </a:pPr>
-          </a:p>
-        </p:txBody>
-      </p:sp>
-      <p:sp>
-        <p:nvSpPr>
-          <p:cNvPr id="98" name="Slide Number"/>
-          <p:cNvSpPr txBox="1"/>
-          <p:nvPr>
-            <p:ph type="sldNum" sz="quarter" idx="2"/>
-          </p:nvPr>
-        </p:nvSpPr>
-        <p:spPr>
-          <a:prstGeom prst="rect">
-            <a:avLst/>
-          </a:prstGeom>
-        </p:spPr>
-        <p:txBody>
-          <a:bodyPr/>
+          <a:bodyPr anchor="t"/>
           <a:lstStyle/>
           <a:p>
             <a:pPr/>
@@ -691,8 +821,8 @@
 </file>
 
 <file path=ppt/slideLayouts/slideLayout11.xml><?xml version="1.0" encoding="utf-8"?>
-<p:sldLayout xmlns:a="http://schemas.openxmlformats.org/drawingml/2006/main" xmlns:r="http://schemas.openxmlformats.org/officeDocument/2006/relationships" xmlns:p="http://schemas.openxmlformats.org/presentationml/2006/main" type="tx" showMasterSp="1" showMasterPhAnim="1">
-  <p:cSld name="Title, 4 Content">
+<p:sldLayout xmlns:a="http://schemas.openxmlformats.org/drawingml/2006/main" xmlns:r="http://schemas.openxmlformats.org/officeDocument/2006/relationships" xmlns:p="http://schemas.openxmlformats.org/presentationml/2006/main" xmlns:m="http://schemas.openxmlformats.org/officeDocument/2006/math" xmlns:a14="http://schemas.microsoft.com/office/drawing/2010/main" type="tx" showMasterSp="1" showMasterPhAnim="1">
+  <p:cSld name="Photo">
     <p:spTree>
       <p:nvGrpSpPr>
         <p:cNvPr id="1" name=""/>
@@ -709,204 +839,50 @@
       </p:grpSpPr>
       <p:sp>
         <p:nvSpPr>
-          <p:cNvPr id="105" name="Title Text"/>
-          <p:cNvSpPr txBox="1"/>
+          <p:cNvPr id="102" name="Image"/>
+          <p:cNvSpPr/>
           <p:nvPr>
-            <p:ph type="title"/>
+            <p:ph type="pic" idx="13"/>
           </p:nvPr>
         </p:nvSpPr>
         <p:spPr>
           <a:xfrm>
-            <a:off x="504000" y="301320"/>
-            <a:ext cx="9071641" cy="1262160"/>
+            <a:off x="0" y="0"/>
+            <a:ext cx="13004800" cy="9753600"/>
           </a:xfrm>
           <a:prstGeom prst="rect">
             <a:avLst/>
           </a:prstGeom>
         </p:spPr>
         <p:txBody>
-          <a:bodyPr>
-            <a:normAutofit fontScale="100000" lnSpcReduction="0"/>
+          <a:bodyPr lIns="91439" tIns="45719" rIns="91439" bIns="45719" anchor="t">
+            <a:noAutofit/>
           </a:bodyPr>
           <a:lstStyle/>
           <a:p>
             <a:pPr/>
-            <a:r>
-              <a:t>Title Text</a:t>
-            </a:r>
           </a:p>
         </p:txBody>
       </p:sp>
       <p:sp>
         <p:nvSpPr>
-          <p:cNvPr id="106" name="Body Level One…"/>
+          <p:cNvPr id="103" name="Slide Number"/>
           <p:cNvSpPr txBox="1"/>
           <p:nvPr>
-            <p:ph type="body" sz="quarter" idx="1"/>
+            <p:ph type="sldNum" sz="quarter" idx="2"/>
           </p:nvPr>
         </p:nvSpPr>
         <p:spPr>
           <a:xfrm>
-            <a:off x="504000" y="1769040"/>
-            <a:ext cx="4426921" cy="2091241"/>
+            <a:off x="6311798" y="9245600"/>
+            <a:ext cx="368504" cy="381000"/>
           </a:xfrm>
           <a:prstGeom prst="rect">
             <a:avLst/>
           </a:prstGeom>
         </p:spPr>
         <p:txBody>
-          <a:bodyPr/>
-          <a:lstStyle/>
-          <a:p>
-            <a:pPr/>
-            <a:r>
-              <a:t>Body Level One</a:t>
-            </a:r>
-          </a:p>
-          <a:p>
-            <a:pPr lvl="1"/>
-            <a:r>
-              <a:t>Body Level Two</a:t>
-            </a:r>
-          </a:p>
-          <a:p>
-            <a:pPr lvl="2"/>
-            <a:r>
-              <a:t>Body Level Three</a:t>
-            </a:r>
-          </a:p>
-          <a:p>
-            <a:pPr lvl="3"/>
-            <a:r>
-              <a:t>Body Level Four</a:t>
-            </a:r>
-          </a:p>
-          <a:p>
-            <a:pPr lvl="4"/>
-            <a:r>
-              <a:t>Body Level Five</a:t>
-            </a:r>
-          </a:p>
-        </p:txBody>
-      </p:sp>
-      <p:sp>
-        <p:nvSpPr>
-          <p:cNvPr id="107" name="PlaceHolder 3"/>
-          <p:cNvSpPr/>
-          <p:nvPr/>
-        </p:nvSpPr>
-        <p:spPr>
-          <a:xfrm>
-            <a:off x="5152680" y="1769040"/>
-            <a:ext cx="4426921" cy="2091241"/>
-          </a:xfrm>
-          <a:prstGeom prst="rect">
-            <a:avLst/>
-          </a:prstGeom>
-          <a:ln w="12700">
-            <a:miter lim="400000"/>
-          </a:ln>
-        </p:spPr>
-        <p:txBody>
-          <a:bodyPr lIns="0" tIns="0" rIns="0" bIns="0">
-            <a:normAutofit fontScale="100000" lnSpcReduction="0"/>
-          </a:bodyPr>
-          <a:lstStyle/>
-          <a:p>
-            <a:pPr marL="431999" indent="-323999">
-              <a:spcBef>
-                <a:spcPts val="1400"/>
-              </a:spcBef>
-              <a:buClr>
-                <a:srgbClr val="000000"/>
-              </a:buClr>
-              <a:buSzPct val="45000"/>
-              <a:buChar char="●"/>
-              <a:defRPr spc="-100" sz="3200"/>
-            </a:pPr>
-          </a:p>
-        </p:txBody>
-      </p:sp>
-      <p:sp>
-        <p:nvSpPr>
-          <p:cNvPr id="108" name="PlaceHolder 4"/>
-          <p:cNvSpPr/>
-          <p:nvPr/>
-        </p:nvSpPr>
-        <p:spPr>
-          <a:xfrm>
-            <a:off x="503999" y="4059359"/>
-            <a:ext cx="4426922" cy="2091241"/>
-          </a:xfrm>
-          <a:prstGeom prst="rect">
-            <a:avLst/>
-          </a:prstGeom>
-          <a:ln w="12700">
-            <a:miter lim="400000"/>
-          </a:ln>
-        </p:spPr>
-        <p:txBody>
-          <a:bodyPr lIns="0" tIns="0" rIns="0" bIns="0">
-            <a:normAutofit fontScale="100000" lnSpcReduction="0"/>
-          </a:bodyPr>
-          <a:lstStyle/>
-          <a:p>
-            <a:pPr marL="431999" indent="-323999">
-              <a:spcBef>
-                <a:spcPts val="1400"/>
-              </a:spcBef>
-              <a:buClr>
-                <a:srgbClr val="000000"/>
-              </a:buClr>
-              <a:buSzPct val="45000"/>
-              <a:buChar char="●"/>
-              <a:defRPr spc="-100" sz="3200"/>
-            </a:pPr>
-          </a:p>
-        </p:txBody>
-      </p:sp>
-      <p:sp>
-        <p:nvSpPr>
-          <p:cNvPr id="109" name="PlaceHolder 5"/>
-          <p:cNvSpPr/>
-          <p:nvPr>
-            <p:ph type="body" sz="quarter" idx="13"/>
-          </p:nvPr>
-        </p:nvSpPr>
-        <p:spPr>
-          <a:xfrm>
-            <a:off x="5152680" y="4059359"/>
-            <a:ext cx="4426921" cy="2091241"/>
-          </a:xfrm>
-          <a:prstGeom prst="rect">
-            <a:avLst/>
-          </a:prstGeom>
-        </p:spPr>
-        <p:txBody>
-          <a:bodyPr/>
-          <a:lstStyle/>
-          <a:p>
-            <a:pPr>
-              <a:defRPr spc="-100"/>
-            </a:pPr>
-          </a:p>
-        </p:txBody>
-      </p:sp>
-      <p:sp>
-        <p:nvSpPr>
-          <p:cNvPr id="110" name="Slide Number"/>
-          <p:cNvSpPr txBox="1"/>
-          <p:nvPr>
-            <p:ph type="sldNum" sz="quarter" idx="2"/>
-          </p:nvPr>
-        </p:nvSpPr>
-        <p:spPr>
-          <a:prstGeom prst="rect">
-            <a:avLst/>
-          </a:prstGeom>
-        </p:spPr>
-        <p:txBody>
-          <a:bodyPr/>
+          <a:bodyPr anchor="t"/>
           <a:lstStyle/>
           <a:p>
             <a:pPr/>
@@ -924,8 +900,8 @@
 </file>
 
 <file path=ppt/slideLayouts/slideLayout12.xml><?xml version="1.0" encoding="utf-8"?>
-<p:sldLayout xmlns:a="http://schemas.openxmlformats.org/drawingml/2006/main" xmlns:r="http://schemas.openxmlformats.org/officeDocument/2006/relationships" xmlns:p="http://schemas.openxmlformats.org/presentationml/2006/main" type="tx" showMasterSp="1" showMasterPhAnim="1">
-  <p:cSld name="Title, 6 Content">
+<p:sldLayout xmlns:a="http://schemas.openxmlformats.org/drawingml/2006/main" xmlns:r="http://schemas.openxmlformats.org/officeDocument/2006/relationships" xmlns:p="http://schemas.openxmlformats.org/presentationml/2006/main" xmlns:m="http://schemas.openxmlformats.org/officeDocument/2006/math" xmlns:a14="http://schemas.microsoft.com/office/drawing/2010/main" type="tx" showMasterSp="1" showMasterPhAnim="1">
+  <p:cSld name="Blank">
     <p:spTree>
       <p:nvGrpSpPr>
         <p:cNvPr id="1" name=""/>
@@ -942,280 +918,23 @@
       </p:grpSpPr>
       <p:sp>
         <p:nvSpPr>
-          <p:cNvPr id="117" name="Title Text"/>
+          <p:cNvPr id="110" name="Slide Number"/>
           <p:cNvSpPr txBox="1"/>
           <p:nvPr>
-            <p:ph type="title"/>
+            <p:ph type="sldNum" sz="quarter" idx="2"/>
           </p:nvPr>
         </p:nvSpPr>
         <p:spPr>
           <a:xfrm>
-            <a:off x="504000" y="301320"/>
-            <a:ext cx="9071641" cy="1262160"/>
+            <a:off x="6311798" y="9245600"/>
+            <a:ext cx="368504" cy="381000"/>
           </a:xfrm>
           <a:prstGeom prst="rect">
             <a:avLst/>
           </a:prstGeom>
         </p:spPr>
         <p:txBody>
-          <a:bodyPr>
-            <a:normAutofit fontScale="100000" lnSpcReduction="0"/>
-          </a:bodyPr>
-          <a:lstStyle/>
-          <a:p>
-            <a:pPr/>
-            <a:r>
-              <a:t>Title Text</a:t>
-            </a:r>
-          </a:p>
-        </p:txBody>
-      </p:sp>
-      <p:sp>
-        <p:nvSpPr>
-          <p:cNvPr id="118" name="Body Level One…"/>
-          <p:cNvSpPr txBox="1"/>
-          <p:nvPr>
-            <p:ph type="body" sz="quarter" idx="1"/>
-          </p:nvPr>
-        </p:nvSpPr>
-        <p:spPr>
-          <a:xfrm>
-            <a:off x="504000" y="1769040"/>
-            <a:ext cx="2920681" cy="2091241"/>
-          </a:xfrm>
-          <a:prstGeom prst="rect">
-            <a:avLst/>
-          </a:prstGeom>
-        </p:spPr>
-        <p:txBody>
-          <a:bodyPr/>
-          <a:lstStyle/>
-          <a:p>
-            <a:pPr/>
-            <a:r>
-              <a:t>Body Level One</a:t>
-            </a:r>
-          </a:p>
-          <a:p>
-            <a:pPr lvl="1"/>
-            <a:r>
-              <a:t>Body Level Two</a:t>
-            </a:r>
-          </a:p>
-          <a:p>
-            <a:pPr lvl="2"/>
-            <a:r>
-              <a:t>Body Level Three</a:t>
-            </a:r>
-          </a:p>
-          <a:p>
-            <a:pPr lvl="3"/>
-            <a:r>
-              <a:t>Body Level Four</a:t>
-            </a:r>
-          </a:p>
-          <a:p>
-            <a:pPr lvl="4"/>
-            <a:r>
-              <a:t>Body Level Five</a:t>
-            </a:r>
-          </a:p>
-        </p:txBody>
-      </p:sp>
-      <p:sp>
-        <p:nvSpPr>
-          <p:cNvPr id="119" name="PlaceHolder 3"/>
-          <p:cNvSpPr/>
-          <p:nvPr/>
-        </p:nvSpPr>
-        <p:spPr>
-          <a:xfrm>
-            <a:off x="3571199" y="1769040"/>
-            <a:ext cx="2920681" cy="2091241"/>
-          </a:xfrm>
-          <a:prstGeom prst="rect">
-            <a:avLst/>
-          </a:prstGeom>
-          <a:ln w="12700">
-            <a:miter lim="400000"/>
-          </a:ln>
-        </p:spPr>
-        <p:txBody>
-          <a:bodyPr lIns="0" tIns="0" rIns="0" bIns="0">
-            <a:normAutofit fontScale="100000" lnSpcReduction="0"/>
-          </a:bodyPr>
-          <a:lstStyle/>
-          <a:p>
-            <a:pPr marL="431999" indent="-323999">
-              <a:spcBef>
-                <a:spcPts val="1400"/>
-              </a:spcBef>
-              <a:buClr>
-                <a:srgbClr val="000000"/>
-              </a:buClr>
-              <a:buSzPct val="45000"/>
-              <a:buChar char="●"/>
-              <a:defRPr spc="-100" sz="3200"/>
-            </a:pPr>
-          </a:p>
-        </p:txBody>
-      </p:sp>
-      <p:sp>
-        <p:nvSpPr>
-          <p:cNvPr id="120" name="PlaceHolder 4"/>
-          <p:cNvSpPr/>
-          <p:nvPr/>
-        </p:nvSpPr>
-        <p:spPr>
-          <a:xfrm>
-            <a:off x="6638039" y="1769040"/>
-            <a:ext cx="2920681" cy="2091241"/>
-          </a:xfrm>
-          <a:prstGeom prst="rect">
-            <a:avLst/>
-          </a:prstGeom>
-          <a:ln w="12700">
-            <a:miter lim="400000"/>
-          </a:ln>
-        </p:spPr>
-        <p:txBody>
-          <a:bodyPr lIns="0" tIns="0" rIns="0" bIns="0">
-            <a:normAutofit fontScale="100000" lnSpcReduction="0"/>
-          </a:bodyPr>
-          <a:lstStyle/>
-          <a:p>
-            <a:pPr marL="431999" indent="-323999">
-              <a:spcBef>
-                <a:spcPts val="1400"/>
-              </a:spcBef>
-              <a:buClr>
-                <a:srgbClr val="000000"/>
-              </a:buClr>
-              <a:buSzPct val="45000"/>
-              <a:buChar char="●"/>
-              <a:defRPr spc="-100" sz="3200"/>
-            </a:pPr>
-          </a:p>
-        </p:txBody>
-      </p:sp>
-      <p:sp>
-        <p:nvSpPr>
-          <p:cNvPr id="121" name="PlaceHolder 5"/>
-          <p:cNvSpPr/>
-          <p:nvPr/>
-        </p:nvSpPr>
-        <p:spPr>
-          <a:xfrm>
-            <a:off x="503999" y="4059359"/>
-            <a:ext cx="2920682" cy="2091241"/>
-          </a:xfrm>
-          <a:prstGeom prst="rect">
-            <a:avLst/>
-          </a:prstGeom>
-          <a:ln w="12700">
-            <a:miter lim="400000"/>
-          </a:ln>
-        </p:spPr>
-        <p:txBody>
-          <a:bodyPr lIns="0" tIns="0" rIns="0" bIns="0">
-            <a:normAutofit fontScale="100000" lnSpcReduction="0"/>
-          </a:bodyPr>
-          <a:lstStyle/>
-          <a:p>
-            <a:pPr marL="431999" indent="-323999">
-              <a:spcBef>
-                <a:spcPts val="1400"/>
-              </a:spcBef>
-              <a:buClr>
-                <a:srgbClr val="000000"/>
-              </a:buClr>
-              <a:buSzPct val="45000"/>
-              <a:buChar char="●"/>
-              <a:defRPr spc="-100" sz="3200"/>
-            </a:pPr>
-          </a:p>
-        </p:txBody>
-      </p:sp>
-      <p:sp>
-        <p:nvSpPr>
-          <p:cNvPr id="122" name="PlaceHolder 6"/>
-          <p:cNvSpPr/>
-          <p:nvPr/>
-        </p:nvSpPr>
-        <p:spPr>
-          <a:xfrm>
-            <a:off x="3571199" y="4059359"/>
-            <a:ext cx="2920681" cy="2091241"/>
-          </a:xfrm>
-          <a:prstGeom prst="rect">
-            <a:avLst/>
-          </a:prstGeom>
-          <a:ln w="12700">
-            <a:miter lim="400000"/>
-          </a:ln>
-        </p:spPr>
-        <p:txBody>
-          <a:bodyPr lIns="0" tIns="0" rIns="0" bIns="0">
-            <a:normAutofit fontScale="100000" lnSpcReduction="0"/>
-          </a:bodyPr>
-          <a:lstStyle/>
-          <a:p>
-            <a:pPr marL="431999" indent="-323999">
-              <a:spcBef>
-                <a:spcPts val="1400"/>
-              </a:spcBef>
-              <a:buClr>
-                <a:srgbClr val="000000"/>
-              </a:buClr>
-              <a:buSzPct val="45000"/>
-              <a:buChar char="●"/>
-              <a:defRPr spc="-100" sz="3200"/>
-            </a:pPr>
-          </a:p>
-        </p:txBody>
-      </p:sp>
-      <p:sp>
-        <p:nvSpPr>
-          <p:cNvPr id="123" name="PlaceHolder 7"/>
-          <p:cNvSpPr/>
-          <p:nvPr>
-            <p:ph type="body" sz="quarter" idx="13"/>
-          </p:nvPr>
-        </p:nvSpPr>
-        <p:spPr>
-          <a:xfrm>
-            <a:off x="6638039" y="4059359"/>
-            <a:ext cx="2920681" cy="2091241"/>
-          </a:xfrm>
-          <a:prstGeom prst="rect">
-            <a:avLst/>
-          </a:prstGeom>
-        </p:spPr>
-        <p:txBody>
-          <a:bodyPr/>
-          <a:lstStyle/>
-          <a:p>
-            <a:pPr>
-              <a:defRPr spc="-100"/>
-            </a:pPr>
-          </a:p>
-        </p:txBody>
-      </p:sp>
-      <p:sp>
-        <p:nvSpPr>
-          <p:cNvPr id="124" name="Slide Number"/>
-          <p:cNvSpPr txBox="1"/>
-          <p:nvPr>
-            <p:ph type="sldNum" sz="quarter" idx="2"/>
-          </p:nvPr>
-        </p:nvSpPr>
-        <p:spPr>
-          <a:prstGeom prst="rect">
-            <a:avLst/>
-          </a:prstGeom>
-        </p:spPr>
-        <p:txBody>
-          <a:bodyPr/>
+          <a:bodyPr anchor="t"/>
           <a:lstStyle/>
           <a:p>
             <a:pPr/>
@@ -1233,15 +952,8 @@
 </file>
 
 <file path=ppt/slideLayouts/slideLayout2.xml><?xml version="1.0" encoding="utf-8"?>
-<p:sldLayout xmlns:a="http://schemas.openxmlformats.org/drawingml/2006/main" xmlns:r="http://schemas.openxmlformats.org/officeDocument/2006/relationships" xmlns:p="http://schemas.openxmlformats.org/presentationml/2006/main" type="tx" showMasterSp="1" showMasterPhAnim="1">
-  <p:cSld name="Title Slide">
-    <p:bg>
-      <p:bgPr>
-        <a:solidFill>
-          <a:srgbClr val="FFFFFF"/>
-        </a:solidFill>
-      </p:bgPr>
-    </p:bg>
+<p:sldLayout xmlns:a="http://schemas.openxmlformats.org/drawingml/2006/main" xmlns:r="http://schemas.openxmlformats.org/officeDocument/2006/relationships" xmlns:p="http://schemas.openxmlformats.org/presentationml/2006/main" xmlns:m="http://schemas.openxmlformats.org/officeDocument/2006/math" xmlns:a14="http://schemas.microsoft.com/office/drawing/2010/main" type="tx" showMasterSp="1" showMasterPhAnim="1">
+  <p:cSld name="Photo - Horizontal">
     <p:spTree>
       <p:nvGrpSpPr>
         <p:cNvPr id="1" name=""/>
@@ -1258,7 +970,34 @@
       </p:grpSpPr>
       <p:sp>
         <p:nvSpPr>
-          <p:cNvPr id="18" name="Title Text"/>
+          <p:cNvPr id="20" name="Image"/>
+          <p:cNvSpPr/>
+          <p:nvPr>
+            <p:ph type="pic" idx="13"/>
+          </p:nvPr>
+        </p:nvSpPr>
+        <p:spPr>
+          <a:xfrm>
+            <a:off x="1600200" y="635000"/>
+            <a:ext cx="9779000" cy="5918200"/>
+          </a:xfrm>
+          <a:prstGeom prst="rect">
+            <a:avLst/>
+          </a:prstGeom>
+        </p:spPr>
+        <p:txBody>
+          <a:bodyPr lIns="91439" tIns="45719" rIns="91439" bIns="45719" anchor="t">
+            <a:noAutofit/>
+          </a:bodyPr>
+          <a:lstStyle/>
+          <a:p>
+            <a:pPr/>
+          </a:p>
+        </p:txBody>
+      </p:sp>
+      <p:sp>
+        <p:nvSpPr>
+          <p:cNvPr id="21" name="Title Text"/>
           <p:cNvSpPr txBox="1"/>
           <p:nvPr>
             <p:ph type="title"/>
@@ -1266,17 +1005,15 @@
         </p:nvSpPr>
         <p:spPr>
           <a:xfrm>
-            <a:off x="504000" y="301320"/>
-            <a:ext cx="9071641" cy="1262160"/>
+            <a:off x="1270000" y="6718300"/>
+            <a:ext cx="10464800" cy="1422400"/>
           </a:xfrm>
           <a:prstGeom prst="rect">
             <a:avLst/>
           </a:prstGeom>
         </p:spPr>
         <p:txBody>
-          <a:bodyPr>
-            <a:normAutofit fontScale="100000" lnSpcReduction="0"/>
-          </a:bodyPr>
+          <a:bodyPr anchor="b"/>
           <a:lstStyle/>
           <a:p>
             <a:pPr/>
@@ -1288,24 +1025,65 @@
       </p:sp>
       <p:sp>
         <p:nvSpPr>
-          <p:cNvPr id="19" name="Body Level One…"/>
+          <p:cNvPr id="22" name="Body Level One…"/>
           <p:cNvSpPr txBox="1"/>
           <p:nvPr>
-            <p:ph type="body" idx="1"/>
+            <p:ph type="body" sz="quarter" idx="1"/>
           </p:nvPr>
         </p:nvSpPr>
         <p:spPr>
           <a:xfrm>
-            <a:off x="504000" y="1769040"/>
-            <a:ext cx="9071641" cy="4384441"/>
+            <a:off x="1270000" y="8191500"/>
+            <a:ext cx="10464800" cy="1219200"/>
           </a:xfrm>
           <a:prstGeom prst="rect">
             <a:avLst/>
           </a:prstGeom>
         </p:spPr>
         <p:txBody>
-          <a:bodyPr anchor="ctr"/>
-          <a:lstStyle/>
+          <a:bodyPr anchor="t"/>
+          <a:lstStyle>
+            <a:lvl1pPr marL="0" indent="0" algn="ctr">
+              <a:spcBef>
+                <a:spcPts val="0"/>
+              </a:spcBef>
+              <a:buSzTx/>
+              <a:buNone/>
+              <a:defRPr sz="3200"/>
+            </a:lvl1pPr>
+            <a:lvl2pPr marL="0" indent="0" algn="ctr">
+              <a:spcBef>
+                <a:spcPts val="0"/>
+              </a:spcBef>
+              <a:buSzTx/>
+              <a:buNone/>
+              <a:defRPr sz="3200"/>
+            </a:lvl2pPr>
+            <a:lvl3pPr marL="0" indent="0" algn="ctr">
+              <a:spcBef>
+                <a:spcPts val="0"/>
+              </a:spcBef>
+              <a:buSzTx/>
+              <a:buNone/>
+              <a:defRPr sz="3200"/>
+            </a:lvl3pPr>
+            <a:lvl4pPr marL="0" indent="0" algn="ctr">
+              <a:spcBef>
+                <a:spcPts val="0"/>
+              </a:spcBef>
+              <a:buSzTx/>
+              <a:buNone/>
+              <a:defRPr sz="3200"/>
+            </a:lvl4pPr>
+            <a:lvl5pPr marL="0" indent="0" algn="ctr">
+              <a:spcBef>
+                <a:spcPts val="0"/>
+              </a:spcBef>
+              <a:buSzTx/>
+              <a:buNone/>
+              <a:defRPr sz="3200"/>
+            </a:lvl5pPr>
+          </a:lstStyle>
           <a:p>
             <a:pPr/>
             <a:r>
@@ -1340,19 +1118,23 @@
       </p:sp>
       <p:sp>
         <p:nvSpPr>
-          <p:cNvPr id="20" name="Slide Number"/>
+          <p:cNvPr id="23" name="Slide Number"/>
           <p:cNvSpPr txBox="1"/>
           <p:nvPr>
             <p:ph type="sldNum" sz="quarter" idx="2"/>
           </p:nvPr>
         </p:nvSpPr>
         <p:spPr>
+          <a:xfrm>
+            <a:off x="6311798" y="9245600"/>
+            <a:ext cx="368504" cy="381000"/>
+          </a:xfrm>
           <a:prstGeom prst="rect">
             <a:avLst/>
           </a:prstGeom>
         </p:spPr>
         <p:txBody>
-          <a:bodyPr/>
+          <a:bodyPr anchor="t"/>
           <a:lstStyle/>
           <a:p>
             <a:pPr/>
@@ -1370,15 +1152,8 @@
 </file>
 
 <file path=ppt/slideLayouts/slideLayout3.xml><?xml version="1.0" encoding="utf-8"?>
-<p:sldLayout xmlns:a="http://schemas.openxmlformats.org/drawingml/2006/main" xmlns:r="http://schemas.openxmlformats.org/officeDocument/2006/relationships" xmlns:p="http://schemas.openxmlformats.org/presentationml/2006/main" type="tx" showMasterSp="1" showMasterPhAnim="1">
-  <p:cSld name="Title, Content">
-    <p:bg>
-      <p:bgPr>
-        <a:solidFill>
-          <a:srgbClr val="FFFFFF"/>
-        </a:solidFill>
-      </p:bgPr>
-    </p:bg>
+<p:sldLayout xmlns:a="http://schemas.openxmlformats.org/drawingml/2006/main" xmlns:r="http://schemas.openxmlformats.org/officeDocument/2006/relationships" xmlns:p="http://schemas.openxmlformats.org/presentationml/2006/main" xmlns:m="http://schemas.openxmlformats.org/officeDocument/2006/math" xmlns:a14="http://schemas.microsoft.com/office/drawing/2010/main" type="tx" showMasterSp="1" showMasterPhAnim="1">
+  <p:cSld name="Title - Center">
     <p:spTree>
       <p:nvGrpSpPr>
         <p:cNvPr id="1" name=""/>
@@ -1395,7 +1170,7 @@
       </p:grpSpPr>
       <p:sp>
         <p:nvSpPr>
-          <p:cNvPr id="27" name="Title Text"/>
+          <p:cNvPr id="30" name="Title Text"/>
           <p:cNvSpPr txBox="1"/>
           <p:nvPr>
             <p:ph type="title"/>
@@ -1403,38 +1178,8 @@
         </p:nvSpPr>
         <p:spPr>
           <a:xfrm>
-            <a:off x="504000" y="301320"/>
-            <a:ext cx="9071641" cy="1262160"/>
-          </a:xfrm>
-          <a:prstGeom prst="rect">
-            <a:avLst/>
-          </a:prstGeom>
-        </p:spPr>
-        <p:txBody>
-          <a:bodyPr>
-            <a:normAutofit fontScale="100000" lnSpcReduction="0"/>
-          </a:bodyPr>
-          <a:lstStyle/>
-          <a:p>
-            <a:pPr/>
-            <a:r>
-              <a:t>Title Text</a:t>
-            </a:r>
-          </a:p>
-        </p:txBody>
-      </p:sp>
-      <p:sp>
-        <p:nvSpPr>
-          <p:cNvPr id="28" name="Body Level One…"/>
-          <p:cNvSpPr txBox="1"/>
-          <p:nvPr>
-            <p:ph type="body" idx="1"/>
-          </p:nvPr>
-        </p:nvSpPr>
-        <p:spPr>
-          <a:xfrm>
-            <a:off x="504000" y="1769040"/>
-            <a:ext cx="9071641" cy="4384441"/>
+            <a:off x="1270000" y="3225800"/>
+            <a:ext cx="10464800" cy="3302000"/>
           </a:xfrm>
           <a:prstGeom prst="rect">
             <a:avLst/>
@@ -1446,50 +1191,30 @@
           <a:p>
             <a:pPr/>
             <a:r>
-              <a:t>Body Level One</a:t>
-            </a:r>
-          </a:p>
-          <a:p>
-            <a:pPr lvl="1"/>
-            <a:r>
-              <a:t>Body Level Two</a:t>
-            </a:r>
-          </a:p>
-          <a:p>
-            <a:pPr lvl="2"/>
-            <a:r>
-              <a:t>Body Level Three</a:t>
-            </a:r>
-          </a:p>
-          <a:p>
-            <a:pPr lvl="3"/>
-            <a:r>
-              <a:t>Body Level Four</a:t>
-            </a:r>
-          </a:p>
-          <a:p>
-            <a:pPr lvl="4"/>
-            <a:r>
-              <a:t>Body Level Five</a:t>
+              <a:t>Title Text</a:t>
             </a:r>
           </a:p>
         </p:txBody>
       </p:sp>
       <p:sp>
         <p:nvSpPr>
-          <p:cNvPr id="29" name="Slide Number"/>
+          <p:cNvPr id="31" name="Slide Number"/>
           <p:cNvSpPr txBox="1"/>
           <p:nvPr>
             <p:ph type="sldNum" sz="quarter" idx="2"/>
           </p:nvPr>
         </p:nvSpPr>
         <p:spPr>
+          <a:xfrm>
+            <a:off x="6311798" y="9245600"/>
+            <a:ext cx="368504" cy="381000"/>
+          </a:xfrm>
           <a:prstGeom prst="rect">
             <a:avLst/>
           </a:prstGeom>
         </p:spPr>
         <p:txBody>
-          <a:bodyPr/>
+          <a:bodyPr anchor="t"/>
           <a:lstStyle/>
           <a:p>
             <a:pPr/>
@@ -1507,8 +1232,8 @@
 </file>
 
 <file path=ppt/slideLayouts/slideLayout4.xml><?xml version="1.0" encoding="utf-8"?>
-<p:sldLayout xmlns:a="http://schemas.openxmlformats.org/drawingml/2006/main" xmlns:r="http://schemas.openxmlformats.org/officeDocument/2006/relationships" xmlns:p="http://schemas.openxmlformats.org/presentationml/2006/main" type="tx" showMasterSp="1" showMasterPhAnim="1">
-  <p:cSld name="Title, 2 Content">
+<p:sldLayout xmlns:a="http://schemas.openxmlformats.org/drawingml/2006/main" xmlns:r="http://schemas.openxmlformats.org/officeDocument/2006/relationships" xmlns:p="http://schemas.openxmlformats.org/presentationml/2006/main" xmlns:m="http://schemas.openxmlformats.org/officeDocument/2006/math" xmlns:a14="http://schemas.microsoft.com/office/drawing/2010/main" type="tx" showMasterSp="1" showMasterPhAnim="1">
+  <p:cSld name="Photo - Vertical">
     <p:spTree>
       <p:nvGrpSpPr>
         <p:cNvPr id="1" name=""/>
@@ -1525,7 +1250,34 @@
       </p:grpSpPr>
       <p:sp>
         <p:nvSpPr>
-          <p:cNvPr id="36" name="Title Text"/>
+          <p:cNvPr id="38" name="Image"/>
+          <p:cNvSpPr/>
+          <p:nvPr>
+            <p:ph type="pic" sz="half" idx="13"/>
+          </p:nvPr>
+        </p:nvSpPr>
+        <p:spPr>
+          <a:xfrm>
+            <a:off x="6718300" y="762000"/>
+            <a:ext cx="5334000" cy="8242300"/>
+          </a:xfrm>
+          <a:prstGeom prst="rect">
+            <a:avLst/>
+          </a:prstGeom>
+        </p:spPr>
+        <p:txBody>
+          <a:bodyPr lIns="91439" tIns="45719" rIns="91439" bIns="45719" anchor="t">
+            <a:noAutofit/>
+          </a:bodyPr>
+          <a:lstStyle/>
+          <a:p>
+            <a:pPr/>
+          </a:p>
+        </p:txBody>
+      </p:sp>
+      <p:sp>
+        <p:nvSpPr>
+          <p:cNvPr id="39" name="Title Text"/>
           <p:cNvSpPr txBox="1"/>
           <p:nvPr>
             <p:ph type="title"/>
@@ -1533,18 +1285,20 @@
         </p:nvSpPr>
         <p:spPr>
           <a:xfrm>
-            <a:off x="504000" y="301320"/>
-            <a:ext cx="9071641" cy="1262160"/>
+            <a:off x="952500" y="762000"/>
+            <a:ext cx="5334000" cy="4000500"/>
           </a:xfrm>
           <a:prstGeom prst="rect">
             <a:avLst/>
           </a:prstGeom>
         </p:spPr>
         <p:txBody>
-          <a:bodyPr>
-            <a:normAutofit fontScale="100000" lnSpcReduction="0"/>
-          </a:bodyPr>
-          <a:lstStyle/>
+          <a:bodyPr anchor="b"/>
+          <a:lstStyle>
+            <a:lvl1pPr>
+              <a:defRPr sz="6000"/>
+            </a:lvl1pPr>
+          </a:lstStyle>
           <a:p>
             <a:pPr/>
             <a:r>
@@ -1555,24 +1309,65 @@
       </p:sp>
       <p:sp>
         <p:nvSpPr>
-          <p:cNvPr id="37" name="Body Level One…"/>
+          <p:cNvPr id="40" name="Body Level One…"/>
           <p:cNvSpPr txBox="1"/>
           <p:nvPr>
-            <p:ph type="body" sz="half" idx="1"/>
+            <p:ph type="body" sz="quarter" idx="1"/>
           </p:nvPr>
         </p:nvSpPr>
         <p:spPr>
           <a:xfrm>
-            <a:off x="504000" y="1769040"/>
-            <a:ext cx="4426921" cy="4384441"/>
+            <a:off x="952500" y="5003800"/>
+            <a:ext cx="5334000" cy="4000500"/>
           </a:xfrm>
           <a:prstGeom prst="rect">
             <a:avLst/>
           </a:prstGeom>
         </p:spPr>
         <p:txBody>
-          <a:bodyPr/>
-          <a:lstStyle/>
+          <a:bodyPr anchor="t"/>
+          <a:lstStyle>
+            <a:lvl1pPr marL="0" indent="0" algn="ctr">
+              <a:spcBef>
+                <a:spcPts val="0"/>
+              </a:spcBef>
+              <a:buSzTx/>
+              <a:buNone/>
+              <a:defRPr sz="3200"/>
+            </a:lvl1pPr>
+            <a:lvl2pPr marL="0" indent="0" algn="ctr">
+              <a:spcBef>
+                <a:spcPts val="0"/>
+              </a:spcBef>
+              <a:buSzTx/>
+              <a:buNone/>
+              <a:defRPr sz="3200"/>
+            </a:lvl2pPr>
+            <a:lvl3pPr marL="0" indent="0" algn="ctr">
+              <a:spcBef>
+                <a:spcPts val="0"/>
+              </a:spcBef>
+              <a:buSzTx/>
+              <a:buNone/>
+              <a:defRPr sz="3200"/>
+            </a:lvl3pPr>
+            <a:lvl4pPr marL="0" indent="0" algn="ctr">
+              <a:spcBef>
+                <a:spcPts val="0"/>
+              </a:spcBef>
+              <a:buSzTx/>
+              <a:buNone/>
+              <a:defRPr sz="3200"/>
+            </a:lvl4pPr>
+            <a:lvl5pPr marL="0" indent="0" algn="ctr">
+              <a:spcBef>
+                <a:spcPts val="0"/>
+              </a:spcBef>
+              <a:buSzTx/>
+              <a:buNone/>
+              <a:defRPr sz="3200"/>
+            </a:lvl5pPr>
+          </a:lstStyle>
           <a:p>
             <a:pPr/>
             <a:r>
@@ -1607,46 +1402,23 @@
       </p:sp>
       <p:sp>
         <p:nvSpPr>
-          <p:cNvPr id="38" name="PlaceHolder 3"/>
-          <p:cNvSpPr/>
+          <p:cNvPr id="41" name="Slide Number"/>
+          <p:cNvSpPr txBox="1"/>
           <p:nvPr>
-            <p:ph type="body" sz="half" idx="13"/>
+            <p:ph type="sldNum" sz="quarter" idx="2"/>
           </p:nvPr>
         </p:nvSpPr>
         <p:spPr>
           <a:xfrm>
-            <a:off x="5152680" y="1769040"/>
-            <a:ext cx="4426921" cy="4384441"/>
+            <a:off x="6311798" y="9245600"/>
+            <a:ext cx="368504" cy="381000"/>
           </a:xfrm>
           <a:prstGeom prst="rect">
             <a:avLst/>
           </a:prstGeom>
         </p:spPr>
         <p:txBody>
-          <a:bodyPr/>
-          <a:lstStyle/>
-          <a:p>
-            <a:pPr>
-              <a:defRPr spc="-100"/>
-            </a:pPr>
-          </a:p>
-        </p:txBody>
-      </p:sp>
-      <p:sp>
-        <p:nvSpPr>
-          <p:cNvPr id="39" name="Slide Number"/>
-          <p:cNvSpPr txBox="1"/>
-          <p:nvPr>
-            <p:ph type="sldNum" sz="quarter" idx="2"/>
-          </p:nvPr>
-        </p:nvSpPr>
-        <p:spPr>
-          <a:prstGeom prst="rect">
-            <a:avLst/>
-          </a:prstGeom>
-        </p:spPr>
-        <p:txBody>
-          <a:bodyPr/>
+          <a:bodyPr anchor="t"/>
           <a:lstStyle/>
           <a:p>
             <a:pPr/>
@@ -1664,8 +1436,8 @@
 </file>
 
 <file path=ppt/slideLayouts/slideLayout5.xml><?xml version="1.0" encoding="utf-8"?>
-<p:sldLayout xmlns:a="http://schemas.openxmlformats.org/drawingml/2006/main" xmlns:r="http://schemas.openxmlformats.org/officeDocument/2006/relationships" xmlns:p="http://schemas.openxmlformats.org/presentationml/2006/main" type="tx" showMasterSp="1" showMasterPhAnim="1">
-  <p:cSld name="Title Only">
+<p:sldLayout xmlns:a="http://schemas.openxmlformats.org/drawingml/2006/main" xmlns:r="http://schemas.openxmlformats.org/officeDocument/2006/relationships" xmlns:p="http://schemas.openxmlformats.org/presentationml/2006/main" xmlns:m="http://schemas.openxmlformats.org/officeDocument/2006/math" xmlns:a14="http://schemas.microsoft.com/office/drawing/2010/main" type="tx" showMasterSp="1" showMasterPhAnim="1">
+  <p:cSld name="Title - Top">
     <p:spTree>
       <p:nvGrpSpPr>
         <p:cNvPr id="1" name=""/>
@@ -1682,25 +1454,19 @@
       </p:grpSpPr>
       <p:sp>
         <p:nvSpPr>
-          <p:cNvPr id="46" name="Title Text"/>
+          <p:cNvPr id="48" name="Title Text"/>
           <p:cNvSpPr txBox="1"/>
           <p:nvPr>
             <p:ph type="title"/>
           </p:nvPr>
         </p:nvSpPr>
         <p:spPr>
-          <a:xfrm>
-            <a:off x="504000" y="301320"/>
-            <a:ext cx="9071641" cy="1262160"/>
-          </a:xfrm>
           <a:prstGeom prst="rect">
             <a:avLst/>
           </a:prstGeom>
         </p:spPr>
         <p:txBody>
-          <a:bodyPr>
-            <a:normAutofit fontScale="100000" lnSpcReduction="0"/>
-          </a:bodyPr>
+          <a:bodyPr/>
           <a:lstStyle/>
           <a:p>
             <a:pPr/>
@@ -1712,7 +1478,7 @@
       </p:sp>
       <p:sp>
         <p:nvSpPr>
-          <p:cNvPr id="47" name="Slide Number"/>
+          <p:cNvPr id="49" name="Slide Number"/>
           <p:cNvSpPr txBox="1"/>
           <p:nvPr>
             <p:ph type="sldNum" sz="quarter" idx="2"/>
@@ -1742,8 +1508,8 @@
 </file>
 
 <file path=ppt/slideLayouts/slideLayout6.xml><?xml version="1.0" encoding="utf-8"?>
-<p:sldLayout xmlns:a="http://schemas.openxmlformats.org/drawingml/2006/main" xmlns:r="http://schemas.openxmlformats.org/officeDocument/2006/relationships" xmlns:p="http://schemas.openxmlformats.org/presentationml/2006/main" type="tx" showMasterSp="1" showMasterPhAnim="1">
-  <p:cSld name="Centered Text">
+<p:sldLayout xmlns:a="http://schemas.openxmlformats.org/drawingml/2006/main" xmlns:r="http://schemas.openxmlformats.org/officeDocument/2006/relationships" xmlns:p="http://schemas.openxmlformats.org/presentationml/2006/main" xmlns:m="http://schemas.openxmlformats.org/officeDocument/2006/math" xmlns:a14="http://schemas.microsoft.com/office/drawing/2010/main" type="tx" showMasterSp="1" showMasterPhAnim="1">
+  <p:cSld name="Title &amp; Bullets">
     <p:spTree>
       <p:nvGrpSpPr>
         <p:cNvPr id="1" name=""/>
@@ -1760,62 +1526,10 @@
       </p:grpSpPr>
       <p:sp>
         <p:nvSpPr>
-          <p:cNvPr id="54" name="Body Level One…"/>
+          <p:cNvPr id="56" name="Title Text"/>
           <p:cNvSpPr txBox="1"/>
           <p:nvPr>
-            <p:ph type="body" idx="1"/>
-          </p:nvPr>
-        </p:nvSpPr>
-        <p:spPr>
-          <a:xfrm>
-            <a:off x="504000" y="301320"/>
-            <a:ext cx="9071641" cy="5851801"/>
-          </a:xfrm>
-          <a:prstGeom prst="rect">
-            <a:avLst/>
-          </a:prstGeom>
-        </p:spPr>
-        <p:txBody>
-          <a:bodyPr anchor="ctr"/>
-          <a:lstStyle/>
-          <a:p>
-            <a:pPr/>
-            <a:r>
-              <a:t>Body Level One</a:t>
-            </a:r>
-          </a:p>
-          <a:p>
-            <a:pPr lvl="1"/>
-            <a:r>
-              <a:t>Body Level Two</a:t>
-            </a:r>
-          </a:p>
-          <a:p>
-            <a:pPr lvl="2"/>
-            <a:r>
-              <a:t>Body Level Three</a:t>
-            </a:r>
-          </a:p>
-          <a:p>
-            <a:pPr lvl="3"/>
-            <a:r>
-              <a:t>Body Level Four</a:t>
-            </a:r>
-          </a:p>
-          <a:p>
-            <a:pPr lvl="4"/>
-            <a:r>
-              <a:t>Body Level Five</a:t>
-            </a:r>
-          </a:p>
-        </p:txBody>
-      </p:sp>
-      <p:sp>
-        <p:nvSpPr>
-          <p:cNvPr id="55" name="Slide Number"/>
-          <p:cNvSpPr txBox="1"/>
-          <p:nvPr>
-            <p:ph type="sldNum" sz="quarter" idx="2"/>
+            <p:ph type="title"/>
           </p:nvPr>
         </p:nvSpPr>
         <p:spPr>
@@ -1825,6 +1539,82 @@
         </p:spPr>
         <p:txBody>
           <a:bodyPr/>
+          <a:lstStyle/>
+          <a:p>
+            <a:pPr/>
+            <a:r>
+              <a:t>Title Text</a:t>
+            </a:r>
+          </a:p>
+        </p:txBody>
+      </p:sp>
+      <p:sp>
+        <p:nvSpPr>
+          <p:cNvPr id="57" name="Body Level One…"/>
+          <p:cNvSpPr txBox="1"/>
+          <p:nvPr>
+            <p:ph type="body" idx="1"/>
+          </p:nvPr>
+        </p:nvSpPr>
+        <p:spPr>
+          <a:prstGeom prst="rect">
+            <a:avLst/>
+          </a:prstGeom>
+        </p:spPr>
+        <p:txBody>
+          <a:bodyPr/>
+          <a:lstStyle/>
+          <a:p>
+            <a:pPr/>
+            <a:r>
+              <a:t>Body Level One</a:t>
+            </a:r>
+          </a:p>
+          <a:p>
+            <a:pPr lvl="1"/>
+            <a:r>
+              <a:t>Body Level Two</a:t>
+            </a:r>
+          </a:p>
+          <a:p>
+            <a:pPr lvl="2"/>
+            <a:r>
+              <a:t>Body Level Three</a:t>
+            </a:r>
+          </a:p>
+          <a:p>
+            <a:pPr lvl="3"/>
+            <a:r>
+              <a:t>Body Level Four</a:t>
+            </a:r>
+          </a:p>
+          <a:p>
+            <a:pPr lvl="4"/>
+            <a:r>
+              <a:t>Body Level Five</a:t>
+            </a:r>
+          </a:p>
+        </p:txBody>
+      </p:sp>
+      <p:sp>
+        <p:nvSpPr>
+          <p:cNvPr id="58" name="Slide Number"/>
+          <p:cNvSpPr txBox="1"/>
+          <p:nvPr>
+            <p:ph type="sldNum" sz="quarter" idx="2"/>
+          </p:nvPr>
+        </p:nvSpPr>
+        <p:spPr>
+          <a:xfrm>
+            <a:off x="6311798" y="9245600"/>
+            <a:ext cx="368504" cy="381000"/>
+          </a:xfrm>
+          <a:prstGeom prst="rect">
+            <a:avLst/>
+          </a:prstGeom>
+        </p:spPr>
+        <p:txBody>
+          <a:bodyPr anchor="t"/>
           <a:lstStyle/>
           <a:p>
             <a:pPr/>
@@ -1842,8 +1632,8 @@
 </file>
 
 <file path=ppt/slideLayouts/slideLayout7.xml><?xml version="1.0" encoding="utf-8"?>
-<p:sldLayout xmlns:a="http://schemas.openxmlformats.org/drawingml/2006/main" xmlns:r="http://schemas.openxmlformats.org/officeDocument/2006/relationships" xmlns:p="http://schemas.openxmlformats.org/presentationml/2006/main" type="tx" showMasterSp="1" showMasterPhAnim="1">
-  <p:cSld name="Title, 2 Content and Content">
+<p:sldLayout xmlns:a="http://schemas.openxmlformats.org/drawingml/2006/main" xmlns:r="http://schemas.openxmlformats.org/officeDocument/2006/relationships" xmlns:p="http://schemas.openxmlformats.org/presentationml/2006/main" xmlns:m="http://schemas.openxmlformats.org/officeDocument/2006/math" xmlns:a14="http://schemas.microsoft.com/office/drawing/2010/main" type="tx" showMasterSp="1" showMasterPhAnim="1">
+  <p:cSld name="Title, Bullets &amp; Photo">
     <p:spTree>
       <p:nvGrpSpPr>
         <p:cNvPr id="1" name=""/>
@@ -1860,157 +1650,37 @@
       </p:grpSpPr>
       <p:sp>
         <p:nvSpPr>
-          <p:cNvPr id="62" name="Title Text"/>
-          <p:cNvSpPr txBox="1"/>
+          <p:cNvPr id="65" name="Image"/>
+          <p:cNvSpPr/>
           <p:nvPr>
-            <p:ph type="title"/>
+            <p:ph type="pic" sz="half" idx="13"/>
           </p:nvPr>
         </p:nvSpPr>
         <p:spPr>
           <a:xfrm>
-            <a:off x="504000" y="301320"/>
-            <a:ext cx="9071641" cy="1262160"/>
+            <a:off x="6718300" y="2590800"/>
+            <a:ext cx="5334000" cy="6286500"/>
           </a:xfrm>
           <a:prstGeom prst="rect">
             <a:avLst/>
           </a:prstGeom>
         </p:spPr>
         <p:txBody>
-          <a:bodyPr>
-            <a:normAutofit fontScale="100000" lnSpcReduction="0"/>
+          <a:bodyPr lIns="91439" tIns="45719" rIns="91439" bIns="45719" anchor="t">
+            <a:noAutofit/>
           </a:bodyPr>
           <a:lstStyle/>
           <a:p>
             <a:pPr/>
-            <a:r>
-              <a:t>Title Text</a:t>
-            </a:r>
           </a:p>
         </p:txBody>
       </p:sp>
       <p:sp>
         <p:nvSpPr>
-          <p:cNvPr id="63" name="Body Level One…"/>
+          <p:cNvPr id="66" name="Title Text"/>
           <p:cNvSpPr txBox="1"/>
           <p:nvPr>
-            <p:ph type="body" sz="quarter" idx="1"/>
-          </p:nvPr>
-        </p:nvSpPr>
-        <p:spPr>
-          <a:xfrm>
-            <a:off x="504000" y="1769040"/>
-            <a:ext cx="4426921" cy="2091241"/>
-          </a:xfrm>
-          <a:prstGeom prst="rect">
-            <a:avLst/>
-          </a:prstGeom>
-        </p:spPr>
-        <p:txBody>
-          <a:bodyPr/>
-          <a:lstStyle/>
-          <a:p>
-            <a:pPr/>
-            <a:r>
-              <a:t>Body Level One</a:t>
-            </a:r>
-          </a:p>
-          <a:p>
-            <a:pPr lvl="1"/>
-            <a:r>
-              <a:t>Body Level Two</a:t>
-            </a:r>
-          </a:p>
-          <a:p>
-            <a:pPr lvl="2"/>
-            <a:r>
-              <a:t>Body Level Three</a:t>
-            </a:r>
-          </a:p>
-          <a:p>
-            <a:pPr lvl="3"/>
-            <a:r>
-              <a:t>Body Level Four</a:t>
-            </a:r>
-          </a:p>
-          <a:p>
-            <a:pPr lvl="4"/>
-            <a:r>
-              <a:t>Body Level Five</a:t>
-            </a:r>
-          </a:p>
-        </p:txBody>
-      </p:sp>
-      <p:sp>
-        <p:nvSpPr>
-          <p:cNvPr id="64" name="PlaceHolder 3"/>
-          <p:cNvSpPr/>
-          <p:nvPr/>
-        </p:nvSpPr>
-        <p:spPr>
-          <a:xfrm>
-            <a:off x="5152680" y="1769040"/>
-            <a:ext cx="4426921" cy="4384441"/>
-          </a:xfrm>
-          <a:prstGeom prst="rect">
-            <a:avLst/>
-          </a:prstGeom>
-          <a:ln w="12700">
-            <a:miter lim="400000"/>
-          </a:ln>
-        </p:spPr>
-        <p:txBody>
-          <a:bodyPr lIns="0" tIns="0" rIns="0" bIns="0">
-            <a:normAutofit fontScale="100000" lnSpcReduction="0"/>
-          </a:bodyPr>
-          <a:lstStyle/>
-          <a:p>
-            <a:pPr marL="431999" indent="-323999">
-              <a:spcBef>
-                <a:spcPts val="1400"/>
-              </a:spcBef>
-              <a:buClr>
-                <a:srgbClr val="000000"/>
-              </a:buClr>
-              <a:buSzPct val="45000"/>
-              <a:buChar char="●"/>
-              <a:defRPr spc="-100" sz="3200"/>
-            </a:pPr>
-          </a:p>
-        </p:txBody>
-      </p:sp>
-      <p:sp>
-        <p:nvSpPr>
-          <p:cNvPr id="65" name="PlaceHolder 4"/>
-          <p:cNvSpPr/>
-          <p:nvPr>
-            <p:ph type="body" sz="quarter" idx="13"/>
-          </p:nvPr>
-        </p:nvSpPr>
-        <p:spPr>
-          <a:xfrm>
-            <a:off x="503999" y="4059359"/>
-            <a:ext cx="4426922" cy="2091241"/>
-          </a:xfrm>
-          <a:prstGeom prst="rect">
-            <a:avLst/>
-          </a:prstGeom>
-        </p:spPr>
-        <p:txBody>
-          <a:bodyPr/>
-          <a:lstStyle/>
-          <a:p>
-            <a:pPr>
-              <a:defRPr spc="-100"/>
-            </a:pPr>
-          </a:p>
-        </p:txBody>
-      </p:sp>
-      <p:sp>
-        <p:nvSpPr>
-          <p:cNvPr id="66" name="Slide Number"/>
-          <p:cNvSpPr txBox="1"/>
-          <p:nvPr>
-            <p:ph type="sldNum" sz="quarter" idx="2"/>
+            <p:ph type="title"/>
           </p:nvPr>
         </p:nvSpPr>
         <p:spPr>
@@ -2020,6 +1690,117 @@
         </p:spPr>
         <p:txBody>
           <a:bodyPr/>
+          <a:lstStyle/>
+          <a:p>
+            <a:pPr/>
+            <a:r>
+              <a:t>Title Text</a:t>
+            </a:r>
+          </a:p>
+        </p:txBody>
+      </p:sp>
+      <p:sp>
+        <p:nvSpPr>
+          <p:cNvPr id="67" name="Body Level One…"/>
+          <p:cNvSpPr txBox="1"/>
+          <p:nvPr>
+            <p:ph type="body" sz="half" idx="1"/>
+          </p:nvPr>
+        </p:nvSpPr>
+        <p:spPr>
+          <a:xfrm>
+            <a:off x="952500" y="2590800"/>
+            <a:ext cx="5334000" cy="6286500"/>
+          </a:xfrm>
+          <a:prstGeom prst="rect">
+            <a:avLst/>
+          </a:prstGeom>
+        </p:spPr>
+        <p:txBody>
+          <a:bodyPr/>
+          <a:lstStyle>
+            <a:lvl1pPr marL="381000" indent="-381000">
+              <a:spcBef>
+                <a:spcPts val="3800"/>
+              </a:spcBef>
+              <a:defRPr sz="2800"/>
+            </a:lvl1pPr>
+            <a:lvl2pPr marL="762000" indent="-381000">
+              <a:spcBef>
+                <a:spcPts val="3800"/>
+              </a:spcBef>
+              <a:defRPr sz="2800"/>
+            </a:lvl2pPr>
+            <a:lvl3pPr marL="1143000" indent="-381000">
+              <a:spcBef>
+                <a:spcPts val="3800"/>
+              </a:spcBef>
+              <a:defRPr sz="2800"/>
+            </a:lvl3pPr>
+            <a:lvl4pPr marL="1524000" indent="-381000">
+              <a:spcBef>
+                <a:spcPts val="3800"/>
+              </a:spcBef>
+              <a:defRPr sz="2800"/>
+            </a:lvl4pPr>
+            <a:lvl5pPr marL="1905000" indent="-381000">
+              <a:spcBef>
+                <a:spcPts val="3800"/>
+              </a:spcBef>
+              <a:defRPr sz="2800"/>
+            </a:lvl5pPr>
+          </a:lstStyle>
+          <a:p>
+            <a:pPr/>
+            <a:r>
+              <a:t>Body Level One</a:t>
+            </a:r>
+          </a:p>
+          <a:p>
+            <a:pPr lvl="1"/>
+            <a:r>
+              <a:t>Body Level Two</a:t>
+            </a:r>
+          </a:p>
+          <a:p>
+            <a:pPr lvl="2"/>
+            <a:r>
+              <a:t>Body Level Three</a:t>
+            </a:r>
+          </a:p>
+          <a:p>
+            <a:pPr lvl="3"/>
+            <a:r>
+              <a:t>Body Level Four</a:t>
+            </a:r>
+          </a:p>
+          <a:p>
+            <a:pPr lvl="4"/>
+            <a:r>
+              <a:t>Body Level Five</a:t>
+            </a:r>
+          </a:p>
+        </p:txBody>
+      </p:sp>
+      <p:sp>
+        <p:nvSpPr>
+          <p:cNvPr id="68" name="Slide Number"/>
+          <p:cNvSpPr txBox="1"/>
+          <p:nvPr>
+            <p:ph type="sldNum" sz="quarter" idx="2"/>
+          </p:nvPr>
+        </p:nvSpPr>
+        <p:spPr>
+          <a:xfrm>
+            <a:off x="6311798" y="9245600"/>
+            <a:ext cx="368504" cy="381000"/>
+          </a:xfrm>
+          <a:prstGeom prst="rect">
+            <a:avLst/>
+          </a:prstGeom>
+        </p:spPr>
+        <p:txBody>
+          <a:bodyPr anchor="t"/>
           <a:lstStyle/>
           <a:p>
             <a:pPr/>
@@ -2037,8 +1818,8 @@
 </file>
 
 <file path=ppt/slideLayouts/slideLayout8.xml><?xml version="1.0" encoding="utf-8"?>
-<p:sldLayout xmlns:a="http://schemas.openxmlformats.org/drawingml/2006/main" xmlns:r="http://schemas.openxmlformats.org/officeDocument/2006/relationships" xmlns:p="http://schemas.openxmlformats.org/presentationml/2006/main" type="tx" showMasterSp="1" showMasterPhAnim="1">
-  <p:cSld name="Title Content and 2 Content">
+<p:sldLayout xmlns:a="http://schemas.openxmlformats.org/drawingml/2006/main" xmlns:r="http://schemas.openxmlformats.org/officeDocument/2006/relationships" xmlns:p="http://schemas.openxmlformats.org/presentationml/2006/main" xmlns:m="http://schemas.openxmlformats.org/officeDocument/2006/math" xmlns:a14="http://schemas.microsoft.com/office/drawing/2010/main" type="tx" showMasterSp="1" showMasterPhAnim="1">
+  <p:cSld name="Bullets">
     <p:spTree>
       <p:nvGrpSpPr>
         <p:cNvPr id="1" name=""/>
@@ -2055,46 +1836,16 @@
       </p:grpSpPr>
       <p:sp>
         <p:nvSpPr>
-          <p:cNvPr id="73" name="Title Text"/>
+          <p:cNvPr id="75" name="Body Level One…"/>
           <p:cNvSpPr txBox="1"/>
           <p:nvPr>
-            <p:ph type="title"/>
+            <p:ph type="body" idx="1"/>
           </p:nvPr>
         </p:nvSpPr>
         <p:spPr>
           <a:xfrm>
-            <a:off x="504000" y="301320"/>
-            <a:ext cx="9071641" cy="1262160"/>
-          </a:xfrm>
-          <a:prstGeom prst="rect">
-            <a:avLst/>
-          </a:prstGeom>
-        </p:spPr>
-        <p:txBody>
-          <a:bodyPr>
-            <a:normAutofit fontScale="100000" lnSpcReduction="0"/>
-          </a:bodyPr>
-          <a:lstStyle/>
-          <a:p>
-            <a:pPr/>
-            <a:r>
-              <a:t>Title Text</a:t>
-            </a:r>
-          </a:p>
-        </p:txBody>
-      </p:sp>
-      <p:sp>
-        <p:nvSpPr>
-          <p:cNvPr id="74" name="Body Level One…"/>
-          <p:cNvSpPr txBox="1"/>
-          <p:nvPr>
-            <p:ph type="body" sz="half" idx="1"/>
-          </p:nvPr>
-        </p:nvSpPr>
-        <p:spPr>
-          <a:xfrm>
-            <a:off x="504000" y="1769040"/>
-            <a:ext cx="4426921" cy="4384441"/>
+            <a:off x="952500" y="1270000"/>
+            <a:ext cx="11099800" cy="7213600"/>
           </a:xfrm>
           <a:prstGeom prst="rect">
             <a:avLst/>
@@ -2137,84 +1888,23 @@
       </p:sp>
       <p:sp>
         <p:nvSpPr>
-          <p:cNvPr id="75" name="PlaceHolder 3"/>
-          <p:cNvSpPr/>
-          <p:nvPr/>
-        </p:nvSpPr>
-        <p:spPr>
-          <a:xfrm>
-            <a:off x="5152680" y="1769040"/>
-            <a:ext cx="4426921" cy="2091241"/>
-          </a:xfrm>
-          <a:prstGeom prst="rect">
-            <a:avLst/>
-          </a:prstGeom>
-          <a:ln w="12700">
-            <a:miter lim="400000"/>
-          </a:ln>
-        </p:spPr>
-        <p:txBody>
-          <a:bodyPr lIns="0" tIns="0" rIns="0" bIns="0">
-            <a:normAutofit fontScale="100000" lnSpcReduction="0"/>
-          </a:bodyPr>
-          <a:lstStyle/>
-          <a:p>
-            <a:pPr marL="431999" indent="-323999">
-              <a:spcBef>
-                <a:spcPts val="1400"/>
-              </a:spcBef>
-              <a:buClr>
-                <a:srgbClr val="000000"/>
-              </a:buClr>
-              <a:buSzPct val="45000"/>
-              <a:buChar char="●"/>
-              <a:defRPr spc="-100" sz="3200"/>
-            </a:pPr>
-          </a:p>
-        </p:txBody>
-      </p:sp>
-      <p:sp>
-        <p:nvSpPr>
-          <p:cNvPr id="76" name="PlaceHolder 4"/>
-          <p:cNvSpPr/>
+          <p:cNvPr id="76" name="Slide Number"/>
+          <p:cNvSpPr txBox="1"/>
           <p:nvPr>
-            <p:ph type="body" sz="quarter" idx="13"/>
+            <p:ph type="sldNum" sz="quarter" idx="2"/>
           </p:nvPr>
         </p:nvSpPr>
         <p:spPr>
           <a:xfrm>
-            <a:off x="5152680" y="4059359"/>
-            <a:ext cx="4426921" cy="2091241"/>
+            <a:off x="6311798" y="9245600"/>
+            <a:ext cx="368504" cy="381000"/>
           </a:xfrm>
           <a:prstGeom prst="rect">
             <a:avLst/>
           </a:prstGeom>
         </p:spPr>
         <p:txBody>
-          <a:bodyPr/>
-          <a:lstStyle/>
-          <a:p>
-            <a:pPr>
-              <a:defRPr spc="-100"/>
-            </a:pPr>
-          </a:p>
-        </p:txBody>
-      </p:sp>
-      <p:sp>
-        <p:nvSpPr>
-          <p:cNvPr id="77" name="Slide Number"/>
-          <p:cNvSpPr txBox="1"/>
-          <p:nvPr>
-            <p:ph type="sldNum" sz="quarter" idx="2"/>
-          </p:nvPr>
-        </p:nvSpPr>
-        <p:spPr>
-          <a:prstGeom prst="rect">
-            <a:avLst/>
-          </a:prstGeom>
-        </p:spPr>
-        <p:txBody>
-          <a:bodyPr/>
+          <a:bodyPr anchor="t"/>
           <a:lstStyle/>
           <a:p>
             <a:pPr/>
@@ -2232,8 +1922,8 @@
 </file>
 
 <file path=ppt/slideLayouts/slideLayout9.xml><?xml version="1.0" encoding="utf-8"?>
-<p:sldLayout xmlns:a="http://schemas.openxmlformats.org/drawingml/2006/main" xmlns:r="http://schemas.openxmlformats.org/officeDocument/2006/relationships" xmlns:p="http://schemas.openxmlformats.org/presentationml/2006/main" type="tx" showMasterSp="1" showMasterPhAnim="1">
-  <p:cSld name="Title, 2 Content over Content">
+<p:sldLayout xmlns:a="http://schemas.openxmlformats.org/drawingml/2006/main" xmlns:r="http://schemas.openxmlformats.org/officeDocument/2006/relationships" xmlns:p="http://schemas.openxmlformats.org/presentationml/2006/main" xmlns:m="http://schemas.openxmlformats.org/officeDocument/2006/math" xmlns:a14="http://schemas.microsoft.com/office/drawing/2010/main" type="tx" showMasterSp="1" showMasterPhAnim="1">
+  <p:cSld name="Photo - 3 Up">
     <p:spTree>
       <p:nvGrpSpPr>
         <p:cNvPr id="1" name=""/>
@@ -2250,166 +1940,104 @@
       </p:grpSpPr>
       <p:sp>
         <p:nvSpPr>
-          <p:cNvPr id="84" name="Title Text"/>
-          <p:cNvSpPr txBox="1"/>
+          <p:cNvPr id="83" name="Image"/>
+          <p:cNvSpPr/>
           <p:nvPr>
-            <p:ph type="title"/>
+            <p:ph type="pic" sz="quarter" idx="13"/>
           </p:nvPr>
         </p:nvSpPr>
         <p:spPr>
           <a:xfrm>
-            <a:off x="504000" y="301320"/>
-            <a:ext cx="9071641" cy="1262160"/>
+            <a:off x="6718300" y="5092700"/>
+            <a:ext cx="5334000" cy="3898900"/>
           </a:xfrm>
           <a:prstGeom prst="rect">
             <a:avLst/>
           </a:prstGeom>
         </p:spPr>
         <p:txBody>
-          <a:bodyPr>
-            <a:normAutofit fontScale="100000" lnSpcReduction="0"/>
+          <a:bodyPr lIns="91439" tIns="45719" rIns="91439" bIns="45719" anchor="t">
+            <a:noAutofit/>
           </a:bodyPr>
           <a:lstStyle/>
           <a:p>
             <a:pPr/>
-            <a:r>
-              <a:t>Title Text</a:t>
-            </a:r>
           </a:p>
         </p:txBody>
       </p:sp>
       <p:sp>
         <p:nvSpPr>
-          <p:cNvPr id="85" name="Body Level One…"/>
-          <p:cNvSpPr txBox="1"/>
+          <p:cNvPr id="84" name="Image"/>
+          <p:cNvSpPr/>
           <p:nvPr>
-            <p:ph type="body" sz="quarter" idx="1"/>
+            <p:ph type="pic" sz="quarter" idx="14"/>
           </p:nvPr>
         </p:nvSpPr>
         <p:spPr>
           <a:xfrm>
-            <a:off x="504000" y="1769040"/>
-            <a:ext cx="4426921" cy="2091241"/>
+            <a:off x="6718300" y="762000"/>
+            <a:ext cx="5334000" cy="3898900"/>
           </a:xfrm>
           <a:prstGeom prst="rect">
             <a:avLst/>
           </a:prstGeom>
         </p:spPr>
         <p:txBody>
-          <a:bodyPr/>
+          <a:bodyPr lIns="91439" tIns="45719" rIns="91439" bIns="45719" anchor="t">
+            <a:noAutofit/>
+          </a:bodyPr>
           <a:lstStyle/>
           <a:p>
             <a:pPr/>
-            <a:r>
-              <a:t>Body Level One</a:t>
-            </a:r>
-          </a:p>
-          <a:p>
-            <a:pPr lvl="1"/>
-            <a:r>
-              <a:t>Body Level Two</a:t>
-            </a:r>
-          </a:p>
-          <a:p>
-            <a:pPr lvl="2"/>
-            <a:r>
-              <a:t>Body Level Three</a:t>
-            </a:r>
-          </a:p>
-          <a:p>
-            <a:pPr lvl="3"/>
-            <a:r>
-              <a:t>Body Level Four</a:t>
-            </a:r>
-          </a:p>
-          <a:p>
-            <a:pPr lvl="4"/>
-            <a:r>
-              <a:t>Body Level Five</a:t>
-            </a:r>
           </a:p>
         </p:txBody>
       </p:sp>
       <p:sp>
         <p:nvSpPr>
-          <p:cNvPr id="86" name="PlaceHolder 3"/>
-          <p:cNvSpPr/>
-          <p:nvPr/>
-        </p:nvSpPr>
-        <p:spPr>
-          <a:xfrm>
-            <a:off x="5152680" y="1769040"/>
-            <a:ext cx="4426921" cy="2091241"/>
-          </a:xfrm>
-          <a:prstGeom prst="rect">
-            <a:avLst/>
-          </a:prstGeom>
-          <a:ln w="12700">
-            <a:miter lim="400000"/>
-          </a:ln>
-        </p:spPr>
-        <p:txBody>
-          <a:bodyPr lIns="0" tIns="0" rIns="0" bIns="0">
-            <a:normAutofit fontScale="100000" lnSpcReduction="0"/>
-          </a:bodyPr>
-          <a:lstStyle/>
-          <a:p>
-            <a:pPr marL="431999" indent="-323999">
-              <a:spcBef>
-                <a:spcPts val="1400"/>
-              </a:spcBef>
-              <a:buClr>
-                <a:srgbClr val="000000"/>
-              </a:buClr>
-              <a:buSzPct val="45000"/>
-              <a:buChar char="●"/>
-              <a:defRPr spc="-100" sz="3200"/>
-            </a:pPr>
-          </a:p>
-        </p:txBody>
-      </p:sp>
-      <p:sp>
-        <p:nvSpPr>
-          <p:cNvPr id="87" name="PlaceHolder 4"/>
+          <p:cNvPr id="85" name="Image"/>
           <p:cNvSpPr/>
           <p:nvPr>
-            <p:ph type="body" sz="half" idx="13"/>
+            <p:ph type="pic" sz="half" idx="15"/>
           </p:nvPr>
         </p:nvSpPr>
         <p:spPr>
           <a:xfrm>
-            <a:off x="503999" y="4059359"/>
-            <a:ext cx="9071642" cy="2091241"/>
+            <a:off x="952500" y="762884"/>
+            <a:ext cx="5334000" cy="8229601"/>
           </a:xfrm>
           <a:prstGeom prst="rect">
             <a:avLst/>
           </a:prstGeom>
         </p:spPr>
         <p:txBody>
-          <a:bodyPr/>
+          <a:bodyPr lIns="91439" tIns="45719" rIns="91439" bIns="45719" anchor="t">
+            <a:noAutofit/>
+          </a:bodyPr>
           <a:lstStyle/>
           <a:p>
-            <a:pPr>
-              <a:defRPr spc="-100"/>
-            </a:pPr>
+            <a:pPr/>
           </a:p>
         </p:txBody>
       </p:sp>
       <p:sp>
         <p:nvSpPr>
-          <p:cNvPr id="88" name="Slide Number"/>
+          <p:cNvPr id="86" name="Slide Number"/>
           <p:cNvSpPr txBox="1"/>
           <p:nvPr>
             <p:ph type="sldNum" sz="quarter" idx="2"/>
           </p:nvPr>
         </p:nvSpPr>
         <p:spPr>
+          <a:xfrm>
+            <a:off x="6311798" y="9245600"/>
+            <a:ext cx="368504" cy="381000"/>
+          </a:xfrm>
           <a:prstGeom prst="rect">
             <a:avLst/>
           </a:prstGeom>
         </p:spPr>
         <p:txBody>
-          <a:bodyPr/>
+          <a:bodyPr anchor="t"/>
           <a:lstStyle/>
           <a:p>
             <a:pPr/>
@@ -2427,13 +2055,17 @@
 </file>
 
 <file path=ppt/slideMasters/slideMaster1.xml><?xml version="1.0" encoding="utf-8"?>
-<p:sldMaster xmlns:a="http://schemas.openxmlformats.org/drawingml/2006/main" xmlns:r="http://schemas.openxmlformats.org/officeDocument/2006/relationships" xmlns:p="http://schemas.openxmlformats.org/presentationml/2006/main">
+<p:sldMaster xmlns:a="http://schemas.openxmlformats.org/drawingml/2006/main" xmlns:r="http://schemas.openxmlformats.org/officeDocument/2006/relationships" xmlns:p="http://schemas.openxmlformats.org/presentationml/2006/main" xmlns:m="http://schemas.openxmlformats.org/officeDocument/2006/math" xmlns:a14="http://schemas.microsoft.com/office/drawing/2010/main">
   <p:cSld>
     <p:bg>
       <p:bgPr>
-        <a:solidFill>
-          <a:srgbClr val="000000"/>
-        </a:solidFill>
+        <a:blipFill rotWithShape="1">
+          <a:blip r:embed="rId2"/>
+          <a:srcRect l="0" t="0" r="0" b="0"/>
+          <a:stretch>
+            <a:fillRect/>
+          </a:stretch>
+        </a:blipFill>
       </p:bgPr>
     </p:bg>
     <p:spTree>
@@ -2460,8 +2092,8 @@
         </p:nvSpPr>
         <p:spPr>
           <a:xfrm>
-            <a:off x="503555" y="101453"/>
-            <a:ext cx="9063990" cy="1661731"/>
+            <a:off x="952500" y="406400"/>
+            <a:ext cx="11099800" cy="2120900"/>
           </a:xfrm>
           <a:prstGeom prst="rect">
             <a:avLst/>
@@ -2476,7 +2108,9 @@
           </a:extLst>
         </p:spPr>
         <p:txBody>
-          <a:bodyPr lIns="0" tIns="0" rIns="0" bIns="0" anchor="ctr"/>
+          <a:bodyPr lIns="50800" tIns="50800" rIns="50800" bIns="50800" anchor="ctr">
+            <a:normAutofit fontScale="100000" lnSpcReduction="0"/>
+          </a:bodyPr>
           <a:lstStyle/>
           <a:p>
             <a:pPr/>
@@ -2496,8 +2130,8 @@
         </p:nvSpPr>
         <p:spPr>
           <a:xfrm>
-            <a:off x="503555" y="1763183"/>
-            <a:ext cx="9063990" cy="5793317"/>
+            <a:off x="952500" y="2590800"/>
+            <a:ext cx="11099800" cy="6286500"/>
           </a:xfrm>
           <a:prstGeom prst="rect">
             <a:avLst/>
@@ -2512,7 +2146,7 @@
           </a:extLst>
         </p:spPr>
         <p:txBody>
-          <a:bodyPr lIns="0" tIns="0" rIns="0" bIns="0">
+          <a:bodyPr lIns="50800" tIns="50800" rIns="50800" bIns="50800" anchor="ctr">
             <a:normAutofit fontScale="100000" lnSpcReduction="0"/>
           </a:bodyPr>
           <a:lstStyle/>
@@ -2558,8 +2192,8 @@
         </p:nvSpPr>
         <p:spPr>
           <a:xfrm>
-            <a:off x="4867698" y="7003756"/>
-            <a:ext cx="2349924" cy="406401"/>
+            <a:off x="6311798" y="9245599"/>
+            <a:ext cx="368504" cy="381001"/>
           </a:xfrm>
           <a:prstGeom prst="rect">
             <a:avLst/>
@@ -2569,17 +2203,12 @@
           </a:ln>
         </p:spPr>
         <p:txBody>
-          <a:bodyPr wrap="none" lIns="0" tIns="0" rIns="0" bIns="0">
+          <a:bodyPr wrap="none" lIns="50800" tIns="50800" rIns="50800" bIns="50800" anchor="b">
             <a:spAutoFit/>
           </a:bodyPr>
           <a:lstStyle>
-            <a:lvl1pPr algn="r">
-              <a:defRPr spc="-1" sz="1400">
-                <a:latin typeface="Times New Roman"/>
-                <a:ea typeface="Times New Roman"/>
-                <a:cs typeface="Times New Roman"/>
-                <a:sym typeface="Times New Roman"/>
-              </a:defRPr>
+            <a:lvl1pPr>
+              <a:defRPr sz="1800"/>
             </a:lvl1pPr>
           </a:lstStyle>
           <a:p>
@@ -2590,25 +2219,25 @@
       </p:sp>
     </p:spTree>
   </p:cSld>
-  <p:clrMap bg1="lt1" tx1="dk1" bg2="lt2" tx2="dk2" accent1="accent1" accent2="accent2" accent3="accent3" accent4="accent4" accent5="accent5" accent6="accent6" hlink="hlink" folHlink="folHlink"/>
+  <p:clrMap bg1="dk1" tx1="lt1" bg2="dk2" tx2="lt2" accent1="accent1" accent2="accent2" accent3="accent3" accent4="accent4" accent5="accent5" accent6="accent6" hlink="hlink" folHlink="folHlink"/>
   <p:sldLayoutIdLst>
-    <p:sldLayoutId id="2147483649" r:id="rId2"/>
-    <p:sldLayoutId id="2147483650" r:id="rId3"/>
-    <p:sldLayoutId id="2147483651" r:id="rId4"/>
-    <p:sldLayoutId id="2147483652" r:id="rId5"/>
-    <p:sldLayoutId id="2147483653" r:id="rId6"/>
-    <p:sldLayoutId id="2147483654" r:id="rId7"/>
-    <p:sldLayoutId id="2147483655" r:id="rId8"/>
-    <p:sldLayoutId id="2147483656" r:id="rId9"/>
-    <p:sldLayoutId id="2147483657" r:id="rId10"/>
-    <p:sldLayoutId id="2147483658" r:id="rId11"/>
-    <p:sldLayoutId id="2147483659" r:id="rId12"/>
-    <p:sldLayoutId id="2147483660" r:id="rId13"/>
+    <p:sldLayoutId id="2147483649" r:id="rId3"/>
+    <p:sldLayoutId id="2147483650" r:id="rId4"/>
+    <p:sldLayoutId id="2147483651" r:id="rId5"/>
+    <p:sldLayoutId id="2147483652" r:id="rId6"/>
+    <p:sldLayoutId id="2147483653" r:id="rId7"/>
+    <p:sldLayoutId id="2147483654" r:id="rId8"/>
+    <p:sldLayoutId id="2147483655" r:id="rId9"/>
+    <p:sldLayoutId id="2147483656" r:id="rId10"/>
+    <p:sldLayoutId id="2147483657" r:id="rId11"/>
+    <p:sldLayoutId id="2147483658" r:id="rId12"/>
+    <p:sldLayoutId id="2147483659" r:id="rId13"/>
+    <p:sldLayoutId id="2147483660" r:id="rId14"/>
   </p:sldLayoutIdLst>
   <p:transition xmlns:p14="http://schemas.microsoft.com/office/powerpoint/2010/main" spd="med" advClick="1"/>
   <p:txStyles>
     <p:titleStyle>
-      <a:lvl1pPr marL="0" marR="0" indent="0" algn="ctr" defTabSz="914400" rtl="0" latinLnBrk="0">
+      <a:lvl1pPr marL="0" marR="0" indent="0" algn="ctr" defTabSz="584200" rtl="0" latinLnBrk="0">
         <a:lnSpc>
           <a:spcPct val="100000"/>
         </a:lnSpc>
@@ -2623,21 +2252,21 @@
         <a:buFontTx/>
         <a:buNone/>
         <a:tabLst/>
-        <a:defRPr b="0" baseline="0" cap="none" i="0" spc="-1" strike="noStrike" sz="4400" u="none">
+        <a:defRPr b="0" baseline="0" cap="none" i="0" spc="0" strike="noStrike" sz="8000" u="none">
           <a:ln>
             <a:noFill/>
           </a:ln>
           <a:solidFill>
-            <a:srgbClr val="000000"/>
+            <a:srgbClr val="FFFFFF"/>
           </a:solidFill>
           <a:uFillTx/>
-          <a:latin typeface="Arial"/>
-          <a:ea typeface="Arial"/>
-          <a:cs typeface="Arial"/>
-          <a:sym typeface="Arial"/>
+          <a:latin typeface="+mn-lt"/>
+          <a:ea typeface="+mn-ea"/>
+          <a:cs typeface="+mn-cs"/>
+          <a:sym typeface="Helvetica Light"/>
         </a:defRPr>
       </a:lvl1pPr>
-      <a:lvl2pPr marL="0" marR="0" indent="0" algn="ctr" defTabSz="914400" rtl="0" latinLnBrk="0">
+      <a:lvl2pPr marL="0" marR="0" indent="0" algn="ctr" defTabSz="584200" rtl="0" latinLnBrk="0">
         <a:lnSpc>
           <a:spcPct val="100000"/>
         </a:lnSpc>
@@ -2652,21 +2281,21 @@
         <a:buFontTx/>
         <a:buNone/>
         <a:tabLst/>
-        <a:defRPr b="0" baseline="0" cap="none" i="0" spc="-1" strike="noStrike" sz="4400" u="none">
+        <a:defRPr b="0" baseline="0" cap="none" i="0" spc="0" strike="noStrike" sz="8000" u="none">
           <a:ln>
             <a:noFill/>
           </a:ln>
           <a:solidFill>
-            <a:srgbClr val="000000"/>
+            <a:srgbClr val="FFFFFF"/>
           </a:solidFill>
           <a:uFillTx/>
-          <a:latin typeface="Arial"/>
-          <a:ea typeface="Arial"/>
-          <a:cs typeface="Arial"/>
-          <a:sym typeface="Arial"/>
+          <a:latin typeface="+mn-lt"/>
+          <a:ea typeface="+mn-ea"/>
+          <a:cs typeface="+mn-cs"/>
+          <a:sym typeface="Helvetica Light"/>
         </a:defRPr>
       </a:lvl2pPr>
-      <a:lvl3pPr marL="0" marR="0" indent="0" algn="ctr" defTabSz="914400" rtl="0" latinLnBrk="0">
+      <a:lvl3pPr marL="0" marR="0" indent="0" algn="ctr" defTabSz="584200" rtl="0" latinLnBrk="0">
         <a:lnSpc>
           <a:spcPct val="100000"/>
         </a:lnSpc>
@@ -2681,21 +2310,21 @@
         <a:buFontTx/>
         <a:buNone/>
         <a:tabLst/>
-        <a:defRPr b="0" baseline="0" cap="none" i="0" spc="-1" strike="noStrike" sz="4400" u="none">
+        <a:defRPr b="0" baseline="0" cap="none" i="0" spc="0" strike="noStrike" sz="8000" u="none">
           <a:ln>
             <a:noFill/>
           </a:ln>
           <a:solidFill>
-            <a:srgbClr val="000000"/>
+            <a:srgbClr val="FFFFFF"/>
           </a:solidFill>
           <a:uFillTx/>
-          <a:latin typeface="Arial"/>
-          <a:ea typeface="Arial"/>
-          <a:cs typeface="Arial"/>
-          <a:sym typeface="Arial"/>
+          <a:latin typeface="+mn-lt"/>
+          <a:ea typeface="+mn-ea"/>
+          <a:cs typeface="+mn-cs"/>
+          <a:sym typeface="Helvetica Light"/>
         </a:defRPr>
       </a:lvl3pPr>
-      <a:lvl4pPr marL="0" marR="0" indent="0" algn="ctr" defTabSz="914400" rtl="0" latinLnBrk="0">
+      <a:lvl4pPr marL="0" marR="0" indent="0" algn="ctr" defTabSz="584200" rtl="0" latinLnBrk="0">
         <a:lnSpc>
           <a:spcPct val="100000"/>
         </a:lnSpc>
@@ -2710,21 +2339,21 @@
         <a:buFontTx/>
         <a:buNone/>
         <a:tabLst/>
-        <a:defRPr b="0" baseline="0" cap="none" i="0" spc="-1" strike="noStrike" sz="4400" u="none">
+        <a:defRPr b="0" baseline="0" cap="none" i="0" spc="0" strike="noStrike" sz="8000" u="none">
           <a:ln>
             <a:noFill/>
           </a:ln>
           <a:solidFill>
-            <a:srgbClr val="000000"/>
+            <a:srgbClr val="FFFFFF"/>
           </a:solidFill>
           <a:uFillTx/>
-          <a:latin typeface="Arial"/>
-          <a:ea typeface="Arial"/>
-          <a:cs typeface="Arial"/>
-          <a:sym typeface="Arial"/>
+          <a:latin typeface="+mn-lt"/>
+          <a:ea typeface="+mn-ea"/>
+          <a:cs typeface="+mn-cs"/>
+          <a:sym typeface="Helvetica Light"/>
         </a:defRPr>
       </a:lvl4pPr>
-      <a:lvl5pPr marL="0" marR="0" indent="0" algn="ctr" defTabSz="914400" rtl="0" latinLnBrk="0">
+      <a:lvl5pPr marL="0" marR="0" indent="0" algn="ctr" defTabSz="584200" rtl="0" latinLnBrk="0">
         <a:lnSpc>
           <a:spcPct val="100000"/>
         </a:lnSpc>
@@ -2739,21 +2368,21 @@
         <a:buFontTx/>
         <a:buNone/>
         <a:tabLst/>
-        <a:defRPr b="0" baseline="0" cap="none" i="0" spc="-1" strike="noStrike" sz="4400" u="none">
+        <a:defRPr b="0" baseline="0" cap="none" i="0" spc="0" strike="noStrike" sz="8000" u="none">
           <a:ln>
             <a:noFill/>
           </a:ln>
           <a:solidFill>
-            <a:srgbClr val="000000"/>
+            <a:srgbClr val="FFFFFF"/>
           </a:solidFill>
           <a:uFillTx/>
-          <a:latin typeface="Arial"/>
-          <a:ea typeface="Arial"/>
-          <a:cs typeface="Arial"/>
-          <a:sym typeface="Arial"/>
+          <a:latin typeface="+mn-lt"/>
+          <a:ea typeface="+mn-ea"/>
+          <a:cs typeface="+mn-cs"/>
+          <a:sym typeface="Helvetica Light"/>
         </a:defRPr>
       </a:lvl5pPr>
-      <a:lvl6pPr marL="0" marR="0" indent="0" algn="ctr" defTabSz="914400" rtl="0" latinLnBrk="0">
+      <a:lvl6pPr marL="0" marR="0" indent="0" algn="ctr" defTabSz="584200" rtl="0" latinLnBrk="0">
         <a:lnSpc>
           <a:spcPct val="100000"/>
         </a:lnSpc>
@@ -2768,21 +2397,21 @@
         <a:buFontTx/>
         <a:buNone/>
         <a:tabLst/>
-        <a:defRPr b="0" baseline="0" cap="none" i="0" spc="-1" strike="noStrike" sz="4400" u="none">
+        <a:defRPr b="0" baseline="0" cap="none" i="0" spc="0" strike="noStrike" sz="8000" u="none">
           <a:ln>
             <a:noFill/>
           </a:ln>
           <a:solidFill>
-            <a:srgbClr val="000000"/>
+            <a:srgbClr val="FFFFFF"/>
           </a:solidFill>
           <a:uFillTx/>
-          <a:latin typeface="Arial"/>
-          <a:ea typeface="Arial"/>
-          <a:cs typeface="Arial"/>
-          <a:sym typeface="Arial"/>
+          <a:latin typeface="+mn-lt"/>
+          <a:ea typeface="+mn-ea"/>
+          <a:cs typeface="+mn-cs"/>
+          <a:sym typeface="Helvetica Light"/>
         </a:defRPr>
       </a:lvl6pPr>
-      <a:lvl7pPr marL="0" marR="0" indent="0" algn="ctr" defTabSz="914400" rtl="0" latinLnBrk="0">
+      <a:lvl7pPr marL="0" marR="0" indent="0" algn="ctr" defTabSz="584200" rtl="0" latinLnBrk="0">
         <a:lnSpc>
           <a:spcPct val="100000"/>
         </a:lnSpc>
@@ -2797,21 +2426,21 @@
         <a:buFontTx/>
         <a:buNone/>
         <a:tabLst/>
-        <a:defRPr b="0" baseline="0" cap="none" i="0" spc="-1" strike="noStrike" sz="4400" u="none">
+        <a:defRPr b="0" baseline="0" cap="none" i="0" spc="0" strike="noStrike" sz="8000" u="none">
           <a:ln>
             <a:noFill/>
           </a:ln>
           <a:solidFill>
-            <a:srgbClr val="000000"/>
+            <a:srgbClr val="FFFFFF"/>
           </a:solidFill>
           <a:uFillTx/>
-          <a:latin typeface="Arial"/>
-          <a:ea typeface="Arial"/>
-          <a:cs typeface="Arial"/>
-          <a:sym typeface="Arial"/>
+          <a:latin typeface="+mn-lt"/>
+          <a:ea typeface="+mn-ea"/>
+          <a:cs typeface="+mn-cs"/>
+          <a:sym typeface="Helvetica Light"/>
         </a:defRPr>
       </a:lvl7pPr>
-      <a:lvl8pPr marL="0" marR="0" indent="0" algn="ctr" defTabSz="914400" rtl="0" latinLnBrk="0">
+      <a:lvl8pPr marL="0" marR="0" indent="0" algn="ctr" defTabSz="584200" rtl="0" latinLnBrk="0">
         <a:lnSpc>
           <a:spcPct val="100000"/>
         </a:lnSpc>
@@ -2826,21 +2455,21 @@
         <a:buFontTx/>
         <a:buNone/>
         <a:tabLst/>
-        <a:defRPr b="0" baseline="0" cap="none" i="0" spc="-1" strike="noStrike" sz="4400" u="none">
+        <a:defRPr b="0" baseline="0" cap="none" i="0" spc="0" strike="noStrike" sz="8000" u="none">
           <a:ln>
             <a:noFill/>
           </a:ln>
           <a:solidFill>
-            <a:srgbClr val="000000"/>
+            <a:srgbClr val="FFFFFF"/>
           </a:solidFill>
           <a:uFillTx/>
-          <a:latin typeface="Arial"/>
-          <a:ea typeface="Arial"/>
-          <a:cs typeface="Arial"/>
-          <a:sym typeface="Arial"/>
+          <a:latin typeface="+mn-lt"/>
+          <a:ea typeface="+mn-ea"/>
+          <a:cs typeface="+mn-cs"/>
+          <a:sym typeface="Helvetica Light"/>
         </a:defRPr>
       </a:lvl8pPr>
-      <a:lvl9pPr marL="0" marR="0" indent="0" algn="ctr" defTabSz="914400" rtl="0" latinLnBrk="0">
+      <a:lvl9pPr marL="0" marR="0" indent="0" algn="ctr" defTabSz="584200" rtl="0" latinLnBrk="0">
         <a:lnSpc>
           <a:spcPct val="100000"/>
         </a:lnSpc>
@@ -2855,304 +2484,286 @@
         <a:buFontTx/>
         <a:buNone/>
         <a:tabLst/>
-        <a:defRPr b="0" baseline="0" cap="none" i="0" spc="-1" strike="noStrike" sz="4400" u="none">
+        <a:defRPr b="0" baseline="0" cap="none" i="0" spc="0" strike="noStrike" sz="8000" u="none">
           <a:ln>
             <a:noFill/>
           </a:ln>
           <a:solidFill>
-            <a:srgbClr val="000000"/>
+            <a:srgbClr val="FFFFFF"/>
           </a:solidFill>
           <a:uFillTx/>
-          <a:latin typeface="Arial"/>
-          <a:ea typeface="Arial"/>
-          <a:cs typeface="Arial"/>
-          <a:sym typeface="Arial"/>
+          <a:latin typeface="+mn-lt"/>
+          <a:ea typeface="+mn-ea"/>
+          <a:cs typeface="+mn-cs"/>
+          <a:sym typeface="Helvetica Light"/>
         </a:defRPr>
       </a:lvl9pPr>
     </p:titleStyle>
     <p:bodyStyle>
-      <a:lvl1pPr marL="431999" marR="0" indent="-323999" algn="l" defTabSz="914400" rtl="0" latinLnBrk="0">
+      <a:lvl1pPr marL="457200" marR="0" indent="-457200" algn="l" defTabSz="584200" rtl="0" latinLnBrk="0">
         <a:lnSpc>
           <a:spcPct val="100000"/>
         </a:lnSpc>
         <a:spcBef>
-          <a:spcPts val="1400"/>
+          <a:spcPts val="4200"/>
         </a:spcBef>
         <a:spcAft>
           <a:spcPts val="0"/>
         </a:spcAft>
-        <a:buClr>
-          <a:srgbClr val="000000"/>
-        </a:buClr>
-        <a:buSzPct val="45000"/>
+        <a:buClrTx/>
+        <a:buSzPct val="75000"/>
         <a:buFontTx/>
-        <a:buChar char="●"/>
+        <a:buChar char="•"/>
         <a:tabLst/>
-        <a:defRPr b="0" baseline="0" cap="none" i="0" spc="-1" strike="noStrike" sz="3200" u="none">
+        <a:defRPr b="0" baseline="0" cap="none" i="0" spc="0" strike="noStrike" sz="3800" u="none">
           <a:ln>
             <a:noFill/>
           </a:ln>
           <a:solidFill>
-            <a:srgbClr val="000000"/>
+            <a:srgbClr val="FFFFFF"/>
           </a:solidFill>
           <a:uFillTx/>
-          <a:latin typeface="Arial"/>
-          <a:ea typeface="Arial"/>
-          <a:cs typeface="Arial"/>
-          <a:sym typeface="Arial"/>
+          <a:latin typeface="+mn-lt"/>
+          <a:ea typeface="+mn-ea"/>
+          <a:cs typeface="+mn-cs"/>
+          <a:sym typeface="Helvetica Light"/>
         </a:defRPr>
       </a:lvl1pPr>
-      <a:lvl2pPr marL="910285" marR="0" indent="-370285" algn="l" defTabSz="914400" rtl="0" latinLnBrk="0">
+      <a:lvl2pPr marL="914400" marR="0" indent="-457200" algn="l" defTabSz="584200" rtl="0" latinLnBrk="0">
         <a:lnSpc>
           <a:spcPct val="100000"/>
         </a:lnSpc>
         <a:spcBef>
-          <a:spcPts val="1400"/>
+          <a:spcPts val="4200"/>
         </a:spcBef>
         <a:spcAft>
           <a:spcPts val="0"/>
         </a:spcAft>
-        <a:buClr>
-          <a:srgbClr val="000000"/>
-        </a:buClr>
+        <a:buClrTx/>
         <a:buSzPct val="75000"/>
-        <a:buFont typeface="Wingdings"/>
-        <a:buChar char=""/>
+        <a:buFontTx/>
+        <a:buChar char="•"/>
         <a:tabLst/>
-        <a:defRPr b="0" baseline="0" cap="none" i="0" spc="-1" strike="noStrike" sz="3200" u="none">
+        <a:defRPr b="0" baseline="0" cap="none" i="0" spc="0" strike="noStrike" sz="3800" u="none">
           <a:ln>
             <a:noFill/>
           </a:ln>
           <a:solidFill>
-            <a:srgbClr val="000000"/>
+            <a:srgbClr val="FFFFFF"/>
           </a:solidFill>
           <a:uFillTx/>
-          <a:latin typeface="Arial"/>
-          <a:ea typeface="Arial"/>
-          <a:cs typeface="Arial"/>
-          <a:sym typeface="Arial"/>
+          <a:latin typeface="+mn-lt"/>
+          <a:ea typeface="+mn-ea"/>
+          <a:cs typeface="+mn-cs"/>
+          <a:sym typeface="Helvetica Light"/>
         </a:defRPr>
       </a:lvl2pPr>
-      <a:lvl3pPr marL="1392000" marR="0" indent="-384000" algn="l" defTabSz="914400" rtl="0" latinLnBrk="0">
+      <a:lvl3pPr marL="1371600" marR="0" indent="-457200" algn="l" defTabSz="584200" rtl="0" latinLnBrk="0">
         <a:lnSpc>
           <a:spcPct val="100000"/>
         </a:lnSpc>
         <a:spcBef>
-          <a:spcPts val="1400"/>
+          <a:spcPts val="4200"/>
         </a:spcBef>
         <a:spcAft>
           <a:spcPts val="0"/>
         </a:spcAft>
-        <a:buClr>
-          <a:srgbClr val="000000"/>
-        </a:buClr>
-        <a:buSzPct val="45000"/>
-        <a:buFont typeface="Wingdings"/>
-        <a:buChar char=""/>
+        <a:buClrTx/>
+        <a:buSzPct val="75000"/>
+        <a:buFontTx/>
+        <a:buChar char="•"/>
         <a:tabLst/>
-        <a:defRPr b="0" baseline="0" cap="none" i="0" spc="-1" strike="noStrike" sz="3200" u="none">
+        <a:defRPr b="0" baseline="0" cap="none" i="0" spc="0" strike="noStrike" sz="3800" u="none">
           <a:ln>
             <a:noFill/>
           </a:ln>
           <a:solidFill>
-            <a:srgbClr val="000000"/>
+            <a:srgbClr val="FFFFFF"/>
           </a:solidFill>
           <a:uFillTx/>
-          <a:latin typeface="Arial"/>
-          <a:ea typeface="Arial"/>
-          <a:cs typeface="Arial"/>
-          <a:sym typeface="Arial"/>
+          <a:latin typeface="+mn-lt"/>
+          <a:ea typeface="+mn-ea"/>
+          <a:cs typeface="+mn-cs"/>
+          <a:sym typeface="Helvetica Light"/>
         </a:defRPr>
       </a:lvl3pPr>
-      <a:lvl4pPr marL="1857599" marR="0" indent="-345600" algn="l" defTabSz="914400" rtl="0" latinLnBrk="0">
+      <a:lvl4pPr marL="1828800" marR="0" indent="-457200" algn="l" defTabSz="584200" rtl="0" latinLnBrk="0">
         <a:lnSpc>
           <a:spcPct val="100000"/>
         </a:lnSpc>
         <a:spcBef>
-          <a:spcPts val="1400"/>
+          <a:spcPts val="4200"/>
         </a:spcBef>
         <a:spcAft>
           <a:spcPts val="0"/>
         </a:spcAft>
-        <a:buClr>
-          <a:srgbClr val="000000"/>
-        </a:buClr>
+        <a:buClrTx/>
         <a:buSzPct val="75000"/>
-        <a:buFont typeface="Wingdings"/>
-        <a:buChar char=""/>
+        <a:buFontTx/>
+        <a:buChar char="•"/>
         <a:tabLst/>
-        <a:defRPr b="0" baseline="0" cap="none" i="0" spc="-1" strike="noStrike" sz="3200" u="none">
+        <a:defRPr b="0" baseline="0" cap="none" i="0" spc="0" strike="noStrike" sz="3800" u="none">
           <a:ln>
             <a:noFill/>
           </a:ln>
           <a:solidFill>
-            <a:srgbClr val="000000"/>
+            <a:srgbClr val="FFFFFF"/>
           </a:solidFill>
           <a:uFillTx/>
-          <a:latin typeface="Arial"/>
-          <a:ea typeface="Arial"/>
-          <a:cs typeface="Arial"/>
-          <a:sym typeface="Arial"/>
+          <a:latin typeface="+mn-lt"/>
+          <a:ea typeface="+mn-ea"/>
+          <a:cs typeface="+mn-cs"/>
+          <a:sym typeface="Helvetica Light"/>
         </a:defRPr>
       </a:lvl4pPr>
-      <a:lvl5pPr marL="2289599" marR="0" indent="-345600" algn="l" defTabSz="914400" rtl="0" latinLnBrk="0">
+      <a:lvl5pPr marL="2286000" marR="0" indent="-457200" algn="l" defTabSz="584200" rtl="0" latinLnBrk="0">
         <a:lnSpc>
           <a:spcPct val="100000"/>
         </a:lnSpc>
         <a:spcBef>
-          <a:spcPts val="1400"/>
+          <a:spcPts val="4200"/>
         </a:spcBef>
         <a:spcAft>
           <a:spcPts val="0"/>
         </a:spcAft>
-        <a:buClr>
-          <a:srgbClr val="000000"/>
-        </a:buClr>
-        <a:buSzPct val="45000"/>
-        <a:buFont typeface="Wingdings"/>
-        <a:buChar char=""/>
+        <a:buClrTx/>
+        <a:buSzPct val="75000"/>
+        <a:buFontTx/>
+        <a:buChar char="•"/>
         <a:tabLst/>
-        <a:defRPr b="0" baseline="0" cap="none" i="0" spc="-1" strike="noStrike" sz="3200" u="none">
+        <a:defRPr b="0" baseline="0" cap="none" i="0" spc="0" strike="noStrike" sz="3800" u="none">
           <a:ln>
             <a:noFill/>
           </a:ln>
           <a:solidFill>
-            <a:srgbClr val="000000"/>
+            <a:srgbClr val="FFFFFF"/>
           </a:solidFill>
           <a:uFillTx/>
-          <a:latin typeface="Arial"/>
-          <a:ea typeface="Arial"/>
-          <a:cs typeface="Arial"/>
-          <a:sym typeface="Arial"/>
+          <a:latin typeface="+mn-lt"/>
+          <a:ea typeface="+mn-ea"/>
+          <a:cs typeface="+mn-cs"/>
+          <a:sym typeface="Helvetica Light"/>
         </a:defRPr>
       </a:lvl5pPr>
-      <a:lvl6pPr marL="2721599" marR="0" indent="-345600" algn="l" defTabSz="914400" rtl="0" latinLnBrk="0">
+      <a:lvl6pPr marL="2743200" marR="0" indent="-457200" algn="l" defTabSz="584200" rtl="0" latinLnBrk="0">
         <a:lnSpc>
           <a:spcPct val="100000"/>
         </a:lnSpc>
         <a:spcBef>
-          <a:spcPts val="1400"/>
+          <a:spcPts val="4200"/>
         </a:spcBef>
         <a:spcAft>
           <a:spcPts val="0"/>
         </a:spcAft>
-        <a:buClr>
-          <a:srgbClr val="000000"/>
-        </a:buClr>
-        <a:buSzPct val="45000"/>
-        <a:buFont typeface="Wingdings"/>
-        <a:buChar char=""/>
+        <a:buClrTx/>
+        <a:buSzPct val="75000"/>
+        <a:buFontTx/>
+        <a:buChar char="•"/>
         <a:tabLst/>
-        <a:defRPr b="0" baseline="0" cap="none" i="0" spc="-1" strike="noStrike" sz="3200" u="none">
+        <a:defRPr b="0" baseline="0" cap="none" i="0" spc="0" strike="noStrike" sz="3800" u="none">
           <a:ln>
             <a:noFill/>
           </a:ln>
           <a:solidFill>
-            <a:srgbClr val="000000"/>
+            <a:srgbClr val="FFFFFF"/>
           </a:solidFill>
           <a:uFillTx/>
-          <a:latin typeface="Arial"/>
-          <a:ea typeface="Arial"/>
-          <a:cs typeface="Arial"/>
-          <a:sym typeface="Arial"/>
+          <a:latin typeface="+mn-lt"/>
+          <a:ea typeface="+mn-ea"/>
+          <a:cs typeface="+mn-cs"/>
+          <a:sym typeface="Helvetica Light"/>
         </a:defRPr>
       </a:lvl6pPr>
-      <a:lvl7pPr marL="3153599" marR="0" indent="-345600" algn="l" defTabSz="914400" rtl="0" latinLnBrk="0">
+      <a:lvl7pPr marL="3200400" marR="0" indent="-457200" algn="l" defTabSz="584200" rtl="0" latinLnBrk="0">
         <a:lnSpc>
           <a:spcPct val="100000"/>
         </a:lnSpc>
         <a:spcBef>
-          <a:spcPts val="1400"/>
+          <a:spcPts val="4200"/>
         </a:spcBef>
         <a:spcAft>
           <a:spcPts val="0"/>
         </a:spcAft>
-        <a:buClr>
-          <a:srgbClr val="000000"/>
-        </a:buClr>
-        <a:buSzPct val="45000"/>
-        <a:buFont typeface="Wingdings"/>
-        <a:buChar char=""/>
+        <a:buClrTx/>
+        <a:buSzPct val="75000"/>
+        <a:buFontTx/>
+        <a:buChar char="•"/>
         <a:tabLst/>
-        <a:defRPr b="0" baseline="0" cap="none" i="0" spc="-1" strike="noStrike" sz="3200" u="none">
+        <a:defRPr b="0" baseline="0" cap="none" i="0" spc="0" strike="noStrike" sz="3800" u="none">
           <a:ln>
             <a:noFill/>
           </a:ln>
           <a:solidFill>
-            <a:srgbClr val="000000"/>
+            <a:srgbClr val="FFFFFF"/>
           </a:solidFill>
           <a:uFillTx/>
-          <a:latin typeface="Arial"/>
-          <a:ea typeface="Arial"/>
-          <a:cs typeface="Arial"/>
-          <a:sym typeface="Arial"/>
+          <a:latin typeface="+mn-lt"/>
+          <a:ea typeface="+mn-ea"/>
+          <a:cs typeface="+mn-cs"/>
+          <a:sym typeface="Helvetica Light"/>
         </a:defRPr>
       </a:lvl7pPr>
-      <a:lvl8pPr marL="0" marR="0" indent="0" algn="l" defTabSz="914400" rtl="0" latinLnBrk="0">
+      <a:lvl8pPr marL="3657600" marR="0" indent="-457200" algn="l" defTabSz="584200" rtl="0" latinLnBrk="0">
         <a:lnSpc>
           <a:spcPct val="100000"/>
         </a:lnSpc>
         <a:spcBef>
-          <a:spcPts val="1400"/>
+          <a:spcPts val="4200"/>
         </a:spcBef>
         <a:spcAft>
           <a:spcPts val="0"/>
         </a:spcAft>
-        <a:buClr>
-          <a:srgbClr val="000000"/>
-        </a:buClr>
-        <a:buSzTx/>
-        <a:buFont typeface="Wingdings"/>
-        <a:buNone/>
+        <a:buClrTx/>
+        <a:buSzPct val="75000"/>
+        <a:buFontTx/>
+        <a:buChar char="•"/>
         <a:tabLst/>
-        <a:defRPr b="0" baseline="0" cap="none" i="0" spc="-1" strike="noStrike" sz="3200" u="none">
+        <a:defRPr b="0" baseline="0" cap="none" i="0" spc="0" strike="noStrike" sz="3800" u="none">
           <a:ln>
             <a:noFill/>
           </a:ln>
           <a:solidFill>
-            <a:srgbClr val="000000"/>
+            <a:srgbClr val="FFFFFF"/>
           </a:solidFill>
           <a:uFillTx/>
-          <a:latin typeface="Arial"/>
-          <a:ea typeface="Arial"/>
-          <a:cs typeface="Arial"/>
-          <a:sym typeface="Arial"/>
+          <a:latin typeface="+mn-lt"/>
+          <a:ea typeface="+mn-ea"/>
+          <a:cs typeface="+mn-cs"/>
+          <a:sym typeface="Helvetica Light"/>
         </a:defRPr>
       </a:lvl8pPr>
-      <a:lvl9pPr marL="0" marR="0" indent="0" algn="l" defTabSz="914400" rtl="0" latinLnBrk="0">
+      <a:lvl9pPr marL="4114800" marR="0" indent="-457200" algn="l" defTabSz="584200" rtl="0" latinLnBrk="0">
         <a:lnSpc>
           <a:spcPct val="100000"/>
         </a:lnSpc>
         <a:spcBef>
-          <a:spcPts val="1400"/>
+          <a:spcPts val="4200"/>
         </a:spcBef>
         <a:spcAft>
           <a:spcPts val="0"/>
         </a:spcAft>
-        <a:buClr>
-          <a:srgbClr val="000000"/>
-        </a:buClr>
-        <a:buSzTx/>
-        <a:buFont typeface="Wingdings"/>
-        <a:buNone/>
+        <a:buClrTx/>
+        <a:buSzPct val="75000"/>
+        <a:buFontTx/>
+        <a:buChar char="•"/>
         <a:tabLst/>
-        <a:defRPr b="0" baseline="0" cap="none" i="0" spc="-1" strike="noStrike" sz="3200" u="none">
+        <a:defRPr b="0" baseline="0" cap="none" i="0" spc="0" strike="noStrike" sz="3800" u="none">
           <a:ln>
             <a:noFill/>
           </a:ln>
           <a:solidFill>
-            <a:srgbClr val="000000"/>
+            <a:srgbClr val="FFFFFF"/>
           </a:solidFill>
           <a:uFillTx/>
-          <a:latin typeface="Arial"/>
-          <a:ea typeface="Arial"/>
-          <a:cs typeface="Arial"/>
-          <a:sym typeface="Arial"/>
+          <a:latin typeface="+mn-lt"/>
+          <a:ea typeface="+mn-ea"/>
+          <a:cs typeface="+mn-cs"/>
+          <a:sym typeface="Helvetica Light"/>
         </a:defRPr>
       </a:lvl9pPr>
     </p:bodyStyle>
     <p:otherStyle>
-      <a:lvl1pPr marL="0" marR="0" indent="0" algn="r" defTabSz="914400" rtl="0" latinLnBrk="0">
+      <a:lvl1pPr marL="0" marR="0" indent="0" algn="ctr" defTabSz="584200" latinLnBrk="0">
         <a:lnSpc>
           <a:spcPct val="100000"/>
         </a:lnSpc>
@@ -3167,7 +2778,7 @@
         <a:buFontTx/>
         <a:buNone/>
         <a:tabLst/>
-        <a:defRPr b="0" baseline="0" cap="none" i="0" spc="-1" strike="noStrike" sz="1400" u="none">
+        <a:defRPr b="0" baseline="0" cap="none" i="0" spc="0" strike="noStrike" sz="1800" u="none">
           <a:ln>
             <a:noFill/>
           </a:ln>
@@ -3178,10 +2789,10 @@
           <a:latin typeface="+mn-lt"/>
           <a:ea typeface="+mn-ea"/>
           <a:cs typeface="+mn-cs"/>
-          <a:sym typeface="Times New Roman"/>
+          <a:sym typeface="Helvetica Light"/>
         </a:defRPr>
       </a:lvl1pPr>
-      <a:lvl2pPr marL="0" marR="0" indent="0" algn="r" defTabSz="914400" rtl="0" latinLnBrk="0">
+      <a:lvl2pPr marL="0" marR="0" indent="228600" algn="ctr" defTabSz="584200" latinLnBrk="0">
         <a:lnSpc>
           <a:spcPct val="100000"/>
         </a:lnSpc>
@@ -3196,7 +2807,7 @@
         <a:buFontTx/>
         <a:buNone/>
         <a:tabLst/>
-        <a:defRPr b="0" baseline="0" cap="none" i="0" spc="-1" strike="noStrike" sz="1400" u="none">
+        <a:defRPr b="0" baseline="0" cap="none" i="0" spc="0" strike="noStrike" sz="1800" u="none">
           <a:ln>
             <a:noFill/>
           </a:ln>
@@ -3207,10 +2818,10 @@
           <a:latin typeface="+mn-lt"/>
           <a:ea typeface="+mn-ea"/>
           <a:cs typeface="+mn-cs"/>
-          <a:sym typeface="Times New Roman"/>
+          <a:sym typeface="Helvetica Light"/>
         </a:defRPr>
       </a:lvl2pPr>
-      <a:lvl3pPr marL="0" marR="0" indent="0" algn="r" defTabSz="914400" rtl="0" latinLnBrk="0">
+      <a:lvl3pPr marL="0" marR="0" indent="457200" algn="ctr" defTabSz="584200" latinLnBrk="0">
         <a:lnSpc>
           <a:spcPct val="100000"/>
         </a:lnSpc>
@@ -3225,7 +2836,7 @@
         <a:buFontTx/>
         <a:buNone/>
         <a:tabLst/>
-        <a:defRPr b="0" baseline="0" cap="none" i="0" spc="-1" strike="noStrike" sz="1400" u="none">
+        <a:defRPr b="0" baseline="0" cap="none" i="0" spc="0" strike="noStrike" sz="1800" u="none">
           <a:ln>
             <a:noFill/>
           </a:ln>
@@ -3236,10 +2847,10 @@
           <a:latin typeface="+mn-lt"/>
           <a:ea typeface="+mn-ea"/>
           <a:cs typeface="+mn-cs"/>
-          <a:sym typeface="Times New Roman"/>
+          <a:sym typeface="Helvetica Light"/>
         </a:defRPr>
       </a:lvl3pPr>
-      <a:lvl4pPr marL="0" marR="0" indent="0" algn="r" defTabSz="914400" rtl="0" latinLnBrk="0">
+      <a:lvl4pPr marL="0" marR="0" indent="685800" algn="ctr" defTabSz="584200" latinLnBrk="0">
         <a:lnSpc>
           <a:spcPct val="100000"/>
         </a:lnSpc>
@@ -3254,7 +2865,7 @@
         <a:buFontTx/>
         <a:buNone/>
         <a:tabLst/>
-        <a:defRPr b="0" baseline="0" cap="none" i="0" spc="-1" strike="noStrike" sz="1400" u="none">
+        <a:defRPr b="0" baseline="0" cap="none" i="0" spc="0" strike="noStrike" sz="1800" u="none">
           <a:ln>
             <a:noFill/>
           </a:ln>
@@ -3265,10 +2876,10 @@
           <a:latin typeface="+mn-lt"/>
           <a:ea typeface="+mn-ea"/>
           <a:cs typeface="+mn-cs"/>
-          <a:sym typeface="Times New Roman"/>
+          <a:sym typeface="Helvetica Light"/>
         </a:defRPr>
       </a:lvl4pPr>
-      <a:lvl5pPr marL="0" marR="0" indent="0" algn="r" defTabSz="914400" rtl="0" latinLnBrk="0">
+      <a:lvl5pPr marL="0" marR="0" indent="914400" algn="ctr" defTabSz="584200" latinLnBrk="0">
         <a:lnSpc>
           <a:spcPct val="100000"/>
         </a:lnSpc>
@@ -3283,7 +2894,7 @@
         <a:buFontTx/>
         <a:buNone/>
         <a:tabLst/>
-        <a:defRPr b="0" baseline="0" cap="none" i="0" spc="-1" strike="noStrike" sz="1400" u="none">
+        <a:defRPr b="0" baseline="0" cap="none" i="0" spc="0" strike="noStrike" sz="1800" u="none">
           <a:ln>
             <a:noFill/>
           </a:ln>
@@ -3294,10 +2905,10 @@
           <a:latin typeface="+mn-lt"/>
           <a:ea typeface="+mn-ea"/>
           <a:cs typeface="+mn-cs"/>
-          <a:sym typeface="Times New Roman"/>
+          <a:sym typeface="Helvetica Light"/>
         </a:defRPr>
       </a:lvl5pPr>
-      <a:lvl6pPr marL="0" marR="0" indent="0" algn="r" defTabSz="914400" rtl="0" latinLnBrk="0">
+      <a:lvl6pPr marL="0" marR="0" indent="1143000" algn="ctr" defTabSz="584200" latinLnBrk="0">
         <a:lnSpc>
           <a:spcPct val="100000"/>
         </a:lnSpc>
@@ -3312,7 +2923,7 @@
         <a:buFontTx/>
         <a:buNone/>
         <a:tabLst/>
-        <a:defRPr b="0" baseline="0" cap="none" i="0" spc="-1" strike="noStrike" sz="1400" u="none">
+        <a:defRPr b="0" baseline="0" cap="none" i="0" spc="0" strike="noStrike" sz="1800" u="none">
           <a:ln>
             <a:noFill/>
           </a:ln>
@@ -3323,10 +2934,10 @@
           <a:latin typeface="+mn-lt"/>
           <a:ea typeface="+mn-ea"/>
           <a:cs typeface="+mn-cs"/>
-          <a:sym typeface="Times New Roman"/>
+          <a:sym typeface="Helvetica Light"/>
         </a:defRPr>
       </a:lvl6pPr>
-      <a:lvl7pPr marL="0" marR="0" indent="0" algn="r" defTabSz="914400" rtl="0" latinLnBrk="0">
+      <a:lvl7pPr marL="0" marR="0" indent="1371600" algn="ctr" defTabSz="584200" latinLnBrk="0">
         <a:lnSpc>
           <a:spcPct val="100000"/>
         </a:lnSpc>
@@ -3341,7 +2952,7 @@
         <a:buFontTx/>
         <a:buNone/>
         <a:tabLst/>
-        <a:defRPr b="0" baseline="0" cap="none" i="0" spc="-1" strike="noStrike" sz="1400" u="none">
+        <a:defRPr b="0" baseline="0" cap="none" i="0" spc="0" strike="noStrike" sz="1800" u="none">
           <a:ln>
             <a:noFill/>
           </a:ln>
@@ -3352,10 +2963,10 @@
           <a:latin typeface="+mn-lt"/>
           <a:ea typeface="+mn-ea"/>
           <a:cs typeface="+mn-cs"/>
-          <a:sym typeface="Times New Roman"/>
+          <a:sym typeface="Helvetica Light"/>
         </a:defRPr>
       </a:lvl7pPr>
-      <a:lvl8pPr marL="0" marR="0" indent="0" algn="r" defTabSz="914400" rtl="0" latinLnBrk="0">
+      <a:lvl8pPr marL="0" marR="0" indent="1600200" algn="ctr" defTabSz="584200" latinLnBrk="0">
         <a:lnSpc>
           <a:spcPct val="100000"/>
         </a:lnSpc>
@@ -3370,7 +2981,7 @@
         <a:buFontTx/>
         <a:buNone/>
         <a:tabLst/>
-        <a:defRPr b="0" baseline="0" cap="none" i="0" spc="-1" strike="noStrike" sz="1400" u="none">
+        <a:defRPr b="0" baseline="0" cap="none" i="0" spc="0" strike="noStrike" sz="1800" u="none">
           <a:ln>
             <a:noFill/>
           </a:ln>
@@ -3381,10 +2992,10 @@
           <a:latin typeface="+mn-lt"/>
           <a:ea typeface="+mn-ea"/>
           <a:cs typeface="+mn-cs"/>
-          <a:sym typeface="Times New Roman"/>
+          <a:sym typeface="Helvetica Light"/>
         </a:defRPr>
       </a:lvl8pPr>
-      <a:lvl9pPr marL="0" marR="0" indent="0" algn="r" defTabSz="914400" rtl="0" latinLnBrk="0">
+      <a:lvl9pPr marL="0" marR="0" indent="1828800" algn="ctr" defTabSz="584200" latinLnBrk="0">
         <a:lnSpc>
           <a:spcPct val="100000"/>
         </a:lnSpc>
@@ -3399,7 +3010,7 @@
         <a:buFontTx/>
         <a:buNone/>
         <a:tabLst/>
-        <a:defRPr b="0" baseline="0" cap="none" i="0" spc="-1" strike="noStrike" sz="1400" u="none">
+        <a:defRPr b="0" baseline="0" cap="none" i="0" spc="0" strike="noStrike" sz="1800" u="none">
           <a:ln>
             <a:noFill/>
           </a:ln>
@@ -3410,7 +3021,7 @@
           <a:latin typeface="+mn-lt"/>
           <a:ea typeface="+mn-ea"/>
           <a:cs typeface="+mn-cs"/>
-          <a:sym typeface="Times New Roman"/>
+          <a:sym typeface="Helvetica Light"/>
         </a:defRPr>
       </a:lvl9pPr>
     </p:otherStyle>
@@ -3419,7 +3030,7 @@
 </file>
 
 <file path=ppt/slides/slide1.xml><?xml version="1.0" encoding="utf-8"?>
-<p:sld xmlns:a="http://schemas.openxmlformats.org/drawingml/2006/main" xmlns:r="http://schemas.openxmlformats.org/officeDocument/2006/relationships" xmlns:p="http://schemas.openxmlformats.org/presentationml/2006/main" showMasterSp="1" showMasterPhAnim="1">
+<p:sld xmlns:a="http://schemas.openxmlformats.org/drawingml/2006/main" xmlns:r="http://schemas.openxmlformats.org/officeDocument/2006/relationships" xmlns:p="http://schemas.openxmlformats.org/presentationml/2006/main" xmlns:m="http://schemas.openxmlformats.org/officeDocument/2006/math" xmlns:a14="http://schemas.microsoft.com/office/drawing/2010/main" showMasterSp="1" showMasterPhAnim="1">
   <p:cSld>
     <p:spTree>
       <p:nvGrpSpPr>
@@ -3437,14 +3048,14 @@
       </p:grpSpPr>
       <p:sp>
         <p:nvSpPr>
-          <p:cNvPr id="133" name="TextShape 1"/>
+          <p:cNvPr id="119" name="TextShape 1"/>
           <p:cNvSpPr txBox="1"/>
           <p:nvPr/>
         </p:nvSpPr>
         <p:spPr>
           <a:xfrm>
-            <a:off x="503999" y="306540"/>
-            <a:ext cx="9071642" cy="1251720"/>
+            <a:off x="653273" y="778050"/>
+            <a:ext cx="11709278" cy="850901"/>
           </a:xfrm>
           <a:prstGeom prst="rect">
             <a:avLst/>
@@ -3463,28 +3074,28 @@
             <a:spAutoFit/>
           </a:bodyPr>
           <a:lstStyle>
-            <a:lvl1pPr algn="ctr">
-              <a:defRPr spc="-1" sz="4400"/>
+            <a:lvl1pPr>
+              <a:defRPr spc="-1" sz="5600"/>
             </a:lvl1pPr>
           </a:lstStyle>
           <a:p>
             <a:pPr/>
             <a:r>
-              <a:t>CSCI-4961-01 Open Source Software</a:t>
+              <a:t>CSCI-4966 Open Source Software</a:t>
             </a:r>
           </a:p>
         </p:txBody>
       </p:sp>
       <p:sp>
         <p:nvSpPr>
-          <p:cNvPr id="134" name="TextShape 2"/>
+          <p:cNvPr id="120" name="TextShape 2"/>
           <p:cNvSpPr txBox="1"/>
           <p:nvPr/>
         </p:nvSpPr>
         <p:spPr>
           <a:xfrm>
-            <a:off x="503999" y="3498007"/>
-            <a:ext cx="9071642" cy="926506"/>
+            <a:off x="653273" y="4503421"/>
+            <a:ext cx="11709278" cy="1219201"/>
           </a:xfrm>
           <a:prstGeom prst="rect">
             <a:avLst/>
@@ -3504,16 +3115,16 @@
           </a:bodyPr>
           <a:lstStyle/>
           <a:p>
-            <a:pPr algn="ctr">
-              <a:defRPr spc="-1" sz="3200"/>
+            <a:pPr>
+              <a:defRPr spc="-1" sz="4000"/>
             </a:pPr>
             <a:r>
-              <a:t>Wesley Turner</a:t>
-            </a:r>
-          </a:p>
-          <a:p>
-            <a:pPr algn="ctr">
-              <a:defRPr spc="-1" sz="3200"/>
+              <a:t>Prof. Wesley Turner</a:t>
+            </a:r>
+          </a:p>
+          <a:p>
+            <a:pPr>
+              <a:defRPr spc="-1" sz="4000"/>
             </a:pPr>
             <a:r>
               <a:t>Amos Eaton 207</a:t>
@@ -3531,7 +3142,7 @@
 </file>
 
 <file path=ppt/slides/slide10.xml><?xml version="1.0" encoding="utf-8"?>
-<p:sld xmlns:a="http://schemas.openxmlformats.org/drawingml/2006/main" xmlns:r="http://schemas.openxmlformats.org/officeDocument/2006/relationships" xmlns:p="http://schemas.openxmlformats.org/presentationml/2006/main" showMasterSp="1" showMasterPhAnim="1">
+<p:sld xmlns:a="http://schemas.openxmlformats.org/drawingml/2006/main" xmlns:r="http://schemas.openxmlformats.org/officeDocument/2006/relationships" xmlns:p="http://schemas.openxmlformats.org/presentationml/2006/main" xmlns:m="http://schemas.openxmlformats.org/officeDocument/2006/math" xmlns:a14="http://schemas.microsoft.com/office/drawing/2010/main" showMasterSp="1" showMasterPhAnim="1">
   <p:cSld>
     <p:spTree>
       <p:nvGrpSpPr>
@@ -3549,14 +3160,14 @@
       </p:grpSpPr>
       <p:sp>
         <p:nvSpPr>
-          <p:cNvPr id="161" name="TextShape 1"/>
+          <p:cNvPr id="147" name="TextShape 1"/>
           <p:cNvSpPr txBox="1"/>
           <p:nvPr/>
         </p:nvSpPr>
         <p:spPr>
           <a:xfrm>
-            <a:off x="503999" y="624040"/>
-            <a:ext cx="9071642" cy="616720"/>
+            <a:off x="653273" y="778050"/>
+            <a:ext cx="11709278" cy="850901"/>
           </a:xfrm>
           <a:prstGeom prst="rect">
             <a:avLst/>
@@ -3575,8 +3186,8 @@
             <a:spAutoFit/>
           </a:bodyPr>
           <a:lstStyle>
-            <a:lvl1pPr algn="ctr">
-              <a:defRPr spc="-1" sz="4400"/>
+            <a:lvl1pPr>
+              <a:defRPr spc="-1" sz="5600"/>
             </a:lvl1pPr>
           </a:lstStyle>
           <a:p>
@@ -3589,14 +3200,14 @@
       </p:sp>
       <p:sp>
         <p:nvSpPr>
-          <p:cNvPr id="162" name="TextShape 2"/>
+          <p:cNvPr id="148" name="TextShape 2"/>
           <p:cNvSpPr txBox="1"/>
           <p:nvPr/>
         </p:nvSpPr>
         <p:spPr>
           <a:xfrm>
-            <a:off x="503999" y="1769040"/>
-            <a:ext cx="9071642" cy="4384441"/>
+            <a:off x="653273" y="2283399"/>
+            <a:ext cx="11709278" cy="5659245"/>
           </a:xfrm>
           <a:prstGeom prst="rect">
             <a:avLst/>
@@ -3611,21 +3222,18 @@
           </a:extLst>
         </p:spPr>
         <p:txBody>
-          <a:bodyPr lIns="0" tIns="0" rIns="0" bIns="0">
+          <a:bodyPr lIns="0" tIns="0" rIns="0" bIns="0" anchor="ctr">
             <a:normAutofit fontScale="100000" lnSpcReduction="0"/>
           </a:bodyPr>
           <a:lstStyle/>
           <a:p>
-            <a:pPr marL="431999" indent="-323999">
+            <a:pPr marL="481263" indent="-481263" algn="l">
               <a:spcBef>
-                <a:spcPts val="1400"/>
+                <a:spcPts val="1800"/>
               </a:spcBef>
-              <a:buClr>
-                <a:srgbClr val="000000"/>
-              </a:buClr>
-              <a:buSzPct val="45000"/>
-              <a:buChar char="●"/>
-              <a:defRPr spc="-100" sz="3200"/>
+              <a:buSzPct val="75000"/>
+              <a:buChar char="•"/>
+              <a:defRPr spc="-125" sz="4000"/>
             </a:pPr>
             <a:r>
               <a:t>If you have the right attitude, interesting problems will find you (be part of a community)</a:t>
@@ -3633,16 +3241,13 @@
             <a:endParaRPr spc="-1"/>
           </a:p>
           <a:p>
-            <a:pPr marL="431999" indent="-323999">
+            <a:pPr marL="481263" indent="-481263" algn="l">
               <a:spcBef>
-                <a:spcPts val="1400"/>
+                <a:spcPts val="1800"/>
               </a:spcBef>
-              <a:buClr>
-                <a:srgbClr val="000000"/>
-              </a:buClr>
-              <a:buSzPct val="45000"/>
-              <a:buChar char="●"/>
-              <a:defRPr spc="-100" sz="3200"/>
+              <a:buSzPct val="75000"/>
+              <a:buChar char="•"/>
+              <a:defRPr spc="-125" sz="4000"/>
             </a:pPr>
             <a:r>
               <a:t>When you lose interest in a program, your last duty is to hand off to a competent successor.</a:t>
@@ -3650,19 +3255,16 @@
             <a:endParaRPr spc="-1"/>
           </a:p>
           <a:p>
-            <a:pPr marL="431999" indent="-323999">
+            <a:pPr marL="481263" indent="-481263" algn="l">
               <a:spcBef>
-                <a:spcPts val="1400"/>
+                <a:spcPts val="1800"/>
               </a:spcBef>
-              <a:buClr>
-                <a:srgbClr val="000000"/>
-              </a:buClr>
-              <a:buSzPct val="45000"/>
-              <a:buChar char="●"/>
-              <a:defRPr spc="-100" sz="3200"/>
+              <a:buSzPct val="75000"/>
+              <a:buChar char="•"/>
+              <a:defRPr spc="-125" sz="4000"/>
             </a:pPr>
             <a:r>
-              <a:t>Treating your users as co-developers as your least-hassle route to rapid code improvement and effective debugging.</a:t>
+              <a:t>Treating your users as co-developers is your least-hassle route to rapid code improvement and effective debugging.</a:t>
             </a:r>
           </a:p>
         </p:txBody>
@@ -3677,7 +3279,7 @@
 </file>
 
 <file path=ppt/slides/slide11.xml><?xml version="1.0" encoding="utf-8"?>
-<p:sld xmlns:a="http://schemas.openxmlformats.org/drawingml/2006/main" xmlns:r="http://schemas.openxmlformats.org/officeDocument/2006/relationships" xmlns:p="http://schemas.openxmlformats.org/presentationml/2006/main" showMasterSp="1" showMasterPhAnim="1">
+<p:sld xmlns:a="http://schemas.openxmlformats.org/drawingml/2006/main" xmlns:r="http://schemas.openxmlformats.org/officeDocument/2006/relationships" xmlns:p="http://schemas.openxmlformats.org/presentationml/2006/main" xmlns:m="http://schemas.openxmlformats.org/officeDocument/2006/math" xmlns:a14="http://schemas.microsoft.com/office/drawing/2010/main" showMasterSp="1" showMasterPhAnim="1">
   <p:cSld>
     <p:spTree>
       <p:nvGrpSpPr>
@@ -3695,14 +3297,14 @@
       </p:grpSpPr>
       <p:sp>
         <p:nvSpPr>
-          <p:cNvPr id="164" name="TextShape 1"/>
+          <p:cNvPr id="150" name="TextShape 1"/>
           <p:cNvSpPr txBox="1"/>
           <p:nvPr/>
         </p:nvSpPr>
         <p:spPr>
           <a:xfrm>
-            <a:off x="503999" y="624040"/>
-            <a:ext cx="9071642" cy="616720"/>
+            <a:off x="653273" y="778050"/>
+            <a:ext cx="11709278" cy="850901"/>
           </a:xfrm>
           <a:prstGeom prst="rect">
             <a:avLst/>
@@ -3721,8 +3323,8 @@
             <a:spAutoFit/>
           </a:bodyPr>
           <a:lstStyle>
-            <a:lvl1pPr algn="ctr">
-              <a:defRPr spc="-1" sz="4400"/>
+            <a:lvl1pPr>
+              <a:defRPr spc="-1" sz="5600"/>
             </a:lvl1pPr>
           </a:lstStyle>
           <a:p>
@@ -3735,14 +3337,14 @@
       </p:sp>
       <p:sp>
         <p:nvSpPr>
-          <p:cNvPr id="165" name="TextShape 2"/>
+          <p:cNvPr id="151" name="TextShape 2"/>
           <p:cNvSpPr txBox="1"/>
           <p:nvPr/>
         </p:nvSpPr>
         <p:spPr>
           <a:xfrm>
-            <a:off x="503999" y="1769040"/>
-            <a:ext cx="9071642" cy="4384441"/>
+            <a:off x="653273" y="2283399"/>
+            <a:ext cx="11709278" cy="5659245"/>
           </a:xfrm>
           <a:prstGeom prst="rect">
             <a:avLst/>
@@ -3757,21 +3359,18 @@
           </a:extLst>
         </p:spPr>
         <p:txBody>
-          <a:bodyPr lIns="0" tIns="0" rIns="0" bIns="0">
+          <a:bodyPr lIns="0" tIns="0" rIns="0" bIns="0" anchor="ctr">
             <a:normAutofit fontScale="100000" lnSpcReduction="0"/>
           </a:bodyPr>
           <a:lstStyle/>
           <a:p>
-            <a:pPr marL="431999" indent="-323999">
+            <a:pPr marL="481263" indent="-481263" algn="l">
               <a:spcBef>
-                <a:spcPts val="1400"/>
+                <a:spcPts val="1800"/>
               </a:spcBef>
-              <a:buClr>
-                <a:srgbClr val="000000"/>
-              </a:buClr>
-              <a:buSzPct val="45000"/>
-              <a:buChar char="●"/>
-              <a:defRPr spc="-100" sz="3200"/>
+              <a:buSzPct val="75000"/>
+              <a:buChar char="•"/>
+              <a:defRPr spc="-125" sz="4000"/>
             </a:pPr>
             <a:r>
               <a:t>Release early, Release often. And listen to your customers.</a:t>
@@ -3779,36 +3378,16 @@
             <a:endParaRPr spc="-1"/>
           </a:p>
           <a:p>
-            <a:pPr marL="431999" indent="-323999">
+            <a:pPr marL="481263" indent="-481263" algn="l">
               <a:spcBef>
-                <a:spcPts val="1400"/>
+                <a:spcPts val="1800"/>
               </a:spcBef>
-              <a:buClr>
-                <a:srgbClr val="000000"/>
-              </a:buClr>
-              <a:buSzPct val="45000"/>
-              <a:buChar char="●"/>
-              <a:defRPr spc="-100" sz="3200"/>
+              <a:buSzPct val="75000"/>
+              <a:buChar char="•"/>
+              <a:defRPr spc="-125" sz="4000"/>
             </a:pPr>
             <a:r>
               <a:t>When you lose interest in a program, your last duty is to hand off to a competent successor.</a:t>
-            </a:r>
-            <a:endParaRPr spc="-1"/>
-          </a:p>
-          <a:p>
-            <a:pPr marL="431999" indent="-323999">
-              <a:spcBef>
-                <a:spcPts val="1400"/>
-              </a:spcBef>
-              <a:buClr>
-                <a:srgbClr val="000000"/>
-              </a:buClr>
-              <a:buSzPct val="45000"/>
-              <a:buChar char="●"/>
-              <a:defRPr spc="-100" sz="3200"/>
-            </a:pPr>
-            <a:r>
-              <a:t>Treating your users as co-developers as your least-hassle route to rapid code improvement and effective debugging.</a:t>
             </a:r>
           </a:p>
         </p:txBody>
@@ -3823,7 +3402,7 @@
 </file>
 
 <file path=ppt/slides/slide12.xml><?xml version="1.0" encoding="utf-8"?>
-<p:sld xmlns:a="http://schemas.openxmlformats.org/drawingml/2006/main" xmlns:r="http://schemas.openxmlformats.org/officeDocument/2006/relationships" xmlns:p="http://schemas.openxmlformats.org/presentationml/2006/main" showMasterSp="1" showMasterPhAnim="1">
+<p:sld xmlns:a="http://schemas.openxmlformats.org/drawingml/2006/main" xmlns:r="http://schemas.openxmlformats.org/officeDocument/2006/relationships" xmlns:p="http://schemas.openxmlformats.org/presentationml/2006/main" xmlns:m="http://schemas.openxmlformats.org/officeDocument/2006/math" xmlns:a14="http://schemas.microsoft.com/office/drawing/2010/main" showMasterSp="1" showMasterPhAnim="1">
   <p:cSld>
     <p:spTree>
       <p:nvGrpSpPr>
@@ -3841,14 +3420,14 @@
       </p:grpSpPr>
       <p:sp>
         <p:nvSpPr>
-          <p:cNvPr id="167" name="TextShape 1"/>
+          <p:cNvPr id="153" name="TextShape 1"/>
           <p:cNvSpPr txBox="1"/>
           <p:nvPr/>
         </p:nvSpPr>
         <p:spPr>
           <a:xfrm>
-            <a:off x="503999" y="624040"/>
-            <a:ext cx="9071642" cy="616720"/>
+            <a:off x="653273" y="778050"/>
+            <a:ext cx="11709278" cy="850901"/>
           </a:xfrm>
           <a:prstGeom prst="rect">
             <a:avLst/>
@@ -3867,8 +3446,8 @@
             <a:spAutoFit/>
           </a:bodyPr>
           <a:lstStyle>
-            <a:lvl1pPr algn="ctr">
-              <a:defRPr spc="-1" sz="4400"/>
+            <a:lvl1pPr>
+              <a:defRPr spc="-1" sz="5600"/>
             </a:lvl1pPr>
           </a:lstStyle>
           <a:p>
@@ -3881,14 +3460,14 @@
       </p:sp>
       <p:sp>
         <p:nvSpPr>
-          <p:cNvPr id="168" name="TextShape 2"/>
+          <p:cNvPr id="154" name="TextShape 2"/>
           <p:cNvSpPr txBox="1"/>
           <p:nvPr/>
         </p:nvSpPr>
         <p:spPr>
           <a:xfrm>
-            <a:off x="503999" y="1769040"/>
-            <a:ext cx="9071642" cy="4384441"/>
+            <a:off x="653273" y="2283399"/>
+            <a:ext cx="11709278" cy="5659245"/>
           </a:xfrm>
           <a:prstGeom prst="rect">
             <a:avLst/>
@@ -3903,55 +3482,46 @@
           </a:extLst>
         </p:spPr>
         <p:txBody>
-          <a:bodyPr lIns="0" tIns="0" rIns="0" bIns="0">
+          <a:bodyPr lIns="0" tIns="0" rIns="0" bIns="0" anchor="ctr">
             <a:normAutofit fontScale="100000" lnSpcReduction="0"/>
           </a:bodyPr>
           <a:lstStyle/>
           <a:p>
-            <a:pPr marL="423360" indent="-317520" defTabSz="896111">
+            <a:pPr marL="481263" indent="-481263" algn="l">
               <a:spcBef>
-                <a:spcPts val="1300"/>
+                <a:spcPts val="1800"/>
               </a:spcBef>
-              <a:buClr>
-                <a:srgbClr val="000000"/>
-              </a:buClr>
-              <a:buSzPct val="45000"/>
-              <a:buChar char="●"/>
-              <a:defRPr spc="-98" sz="3136"/>
+              <a:buSzPct val="75000"/>
+              <a:buChar char="•"/>
+              <a:defRPr spc="-125" sz="4000"/>
             </a:pPr>
             <a:r>
-              <a:t>Getting a large enough beta-tester and co-developer base, almost every problem will be characterized quickly and the fix obvious to someone</a:t>
-            </a:r>
-            <a:endParaRPr spc="0"/>
-          </a:p>
-          <a:p>
-            <a:pPr marL="423360" indent="-317520" defTabSz="896111">
+              <a:t>Given a large enough beta-tester and co-developer base, almost every problem will be characterized quickly and the fix will be obvious to someone</a:t>
+            </a:r>
+            <a:endParaRPr spc="-1"/>
+          </a:p>
+          <a:p>
+            <a:pPr marL="481263" indent="-481263" algn="l">
               <a:spcBef>
-                <a:spcPts val="1300"/>
+                <a:spcPts val="1800"/>
               </a:spcBef>
-              <a:buClr>
-                <a:srgbClr val="000000"/>
-              </a:buClr>
-              <a:buSzPct val="45000"/>
-              <a:buChar char="●"/>
-              <a:defRPr spc="-98" sz="3136"/>
+              <a:buSzPct val="75000"/>
+              <a:buChar char="•"/>
+              <a:defRPr spc="-125" sz="4000"/>
             </a:pPr>
             <a:r>
               <a:t>Smart data structures and dumb code works a lot better than the other way around.</a:t>
             </a:r>
-            <a:endParaRPr spc="0"/>
-          </a:p>
-          <a:p>
-            <a:pPr marL="423360" indent="-317520" defTabSz="896111">
+            <a:endParaRPr spc="-1"/>
+          </a:p>
+          <a:p>
+            <a:pPr marL="481263" indent="-481263" algn="l">
               <a:spcBef>
-                <a:spcPts val="1300"/>
+                <a:spcPts val="1800"/>
               </a:spcBef>
-              <a:buClr>
-                <a:srgbClr val="000000"/>
-              </a:buClr>
-              <a:buSzPct val="45000"/>
-              <a:buChar char="●"/>
-              <a:defRPr spc="-98" sz="3136"/>
+              <a:buSzPct val="75000"/>
+              <a:buChar char="•"/>
+              <a:defRPr spc="-125" sz="4000"/>
             </a:pPr>
             <a:r>
               <a:t>If you treat your beta testers as if they are your most valuable resource, they will respond by becoming your most valuable resource.</a:t>
@@ -3969,7 +3539,7 @@
 </file>
 
 <file path=ppt/slides/slide13.xml><?xml version="1.0" encoding="utf-8"?>
-<p:sld xmlns:a="http://schemas.openxmlformats.org/drawingml/2006/main" xmlns:r="http://schemas.openxmlformats.org/officeDocument/2006/relationships" xmlns:p="http://schemas.openxmlformats.org/presentationml/2006/main" showMasterSp="1" showMasterPhAnim="1">
+<p:sld xmlns:a="http://schemas.openxmlformats.org/drawingml/2006/main" xmlns:r="http://schemas.openxmlformats.org/officeDocument/2006/relationships" xmlns:p="http://schemas.openxmlformats.org/presentationml/2006/main" xmlns:m="http://schemas.openxmlformats.org/officeDocument/2006/math" xmlns:a14="http://schemas.microsoft.com/office/drawing/2010/main" showMasterSp="1" showMasterPhAnim="1">
   <p:cSld>
     <p:spTree>
       <p:nvGrpSpPr>
@@ -3987,14 +3557,14 @@
       </p:grpSpPr>
       <p:sp>
         <p:nvSpPr>
-          <p:cNvPr id="170" name="TextShape 1"/>
+          <p:cNvPr id="156" name="TextShape 1"/>
           <p:cNvSpPr txBox="1"/>
           <p:nvPr/>
         </p:nvSpPr>
         <p:spPr>
           <a:xfrm>
-            <a:off x="503999" y="624040"/>
-            <a:ext cx="9071642" cy="616720"/>
+            <a:off x="653273" y="778050"/>
+            <a:ext cx="11709278" cy="850901"/>
           </a:xfrm>
           <a:prstGeom prst="rect">
             <a:avLst/>
@@ -4013,8 +3583,8 @@
             <a:spAutoFit/>
           </a:bodyPr>
           <a:lstStyle>
-            <a:lvl1pPr algn="ctr">
-              <a:defRPr spc="-1" sz="4400"/>
+            <a:lvl1pPr>
+              <a:defRPr spc="-1" sz="5600"/>
             </a:lvl1pPr>
           </a:lstStyle>
           <a:p>
@@ -4027,14 +3597,14 @@
       </p:sp>
       <p:sp>
         <p:nvSpPr>
-          <p:cNvPr id="171" name="TextShape 2"/>
+          <p:cNvPr id="157" name="TextShape 2"/>
           <p:cNvSpPr txBox="1"/>
           <p:nvPr/>
         </p:nvSpPr>
         <p:spPr>
           <a:xfrm>
-            <a:off x="503999" y="1769040"/>
-            <a:ext cx="9071642" cy="4384441"/>
+            <a:off x="653273" y="2283399"/>
+            <a:ext cx="11709278" cy="5659245"/>
           </a:xfrm>
           <a:prstGeom prst="rect">
             <a:avLst/>
@@ -4049,21 +3619,18 @@
           </a:extLst>
         </p:spPr>
         <p:txBody>
-          <a:bodyPr lIns="0" tIns="0" rIns="0" bIns="0">
+          <a:bodyPr lIns="0" tIns="0" rIns="0" bIns="0" anchor="ctr">
             <a:normAutofit fontScale="100000" lnSpcReduction="0"/>
           </a:bodyPr>
           <a:lstStyle/>
           <a:p>
-            <a:pPr marL="431999" indent="-323999">
+            <a:pPr marL="481263" indent="-481263" algn="l">
               <a:spcBef>
-                <a:spcPts val="1400"/>
+                <a:spcPts val="1800"/>
               </a:spcBef>
-              <a:buClr>
-                <a:srgbClr val="000000"/>
-              </a:buClr>
-              <a:buSzPct val="45000"/>
-              <a:buChar char="●"/>
-              <a:defRPr spc="-100" sz="3200"/>
+              <a:buSzPct val="75000"/>
+              <a:buChar char="•"/>
+              <a:defRPr spc="-125" sz="4000"/>
             </a:pPr>
             <a:r>
               <a:t>Any tool should be useful in the expected way, but a truly great tool tends itself to users you never expected.</a:t>
@@ -4071,16 +3638,13 @@
             <a:endParaRPr spc="-1"/>
           </a:p>
           <a:p>
-            <a:pPr marL="431999" indent="-323999">
+            <a:pPr marL="481263" indent="-481263" algn="l">
               <a:spcBef>
-                <a:spcPts val="1400"/>
+                <a:spcPts val="1800"/>
               </a:spcBef>
-              <a:buClr>
-                <a:srgbClr val="000000"/>
-              </a:buClr>
-              <a:buSzPct val="45000"/>
-              <a:buChar char="●"/>
-              <a:defRPr spc="-100" sz="3200"/>
+              <a:buSzPct val="75000"/>
+              <a:buChar char="•"/>
+              <a:defRPr spc="-125" sz="4000"/>
             </a:pPr>
             <a:r>
               <a:t>When your language is nowhere near Turing-complete, syntactic sugar can be your friend.</a:t>
@@ -4088,16 +3652,13 @@
             <a:endParaRPr spc="-1"/>
           </a:p>
           <a:p>
-            <a:pPr marL="431999" indent="-323999">
+            <a:pPr marL="481263" indent="-481263" algn="l">
               <a:spcBef>
-                <a:spcPts val="1400"/>
+                <a:spcPts val="1800"/>
               </a:spcBef>
-              <a:buClr>
-                <a:srgbClr val="000000"/>
-              </a:buClr>
-              <a:buSzPct val="45000"/>
-              <a:buChar char="●"/>
-              <a:defRPr spc="-100" sz="3200"/>
+              <a:buSzPct val="75000"/>
+              <a:buChar char="•"/>
+              <a:defRPr spc="-125" sz="4000"/>
             </a:pPr>
             <a:r>
               <a:t>To solve an interesting problem, start by finding a problem that interests you.</a:t>
@@ -4115,7 +3676,7 @@
 </file>
 
 <file path=ppt/slides/slide14.xml><?xml version="1.0" encoding="utf-8"?>
-<p:sld xmlns:a="http://schemas.openxmlformats.org/drawingml/2006/main" xmlns:r="http://schemas.openxmlformats.org/officeDocument/2006/relationships" xmlns:p="http://schemas.openxmlformats.org/presentationml/2006/main" showMasterSp="1" showMasterPhAnim="1">
+<p:sld xmlns:a="http://schemas.openxmlformats.org/drawingml/2006/main" xmlns:r="http://schemas.openxmlformats.org/officeDocument/2006/relationships" xmlns:p="http://schemas.openxmlformats.org/presentationml/2006/main" xmlns:m="http://schemas.openxmlformats.org/officeDocument/2006/math" xmlns:a14="http://schemas.microsoft.com/office/drawing/2010/main" showMasterSp="1" showMasterPhAnim="1">
   <p:cSld>
     <p:spTree>
       <p:nvGrpSpPr>
@@ -4133,14 +3694,14 @@
       </p:grpSpPr>
       <p:sp>
         <p:nvSpPr>
-          <p:cNvPr id="173" name="TextShape 1"/>
+          <p:cNvPr id="159" name="TextShape 1"/>
           <p:cNvSpPr txBox="1"/>
           <p:nvPr/>
         </p:nvSpPr>
         <p:spPr>
           <a:xfrm>
-            <a:off x="503999" y="624040"/>
-            <a:ext cx="9071642" cy="616720"/>
+            <a:off x="653273" y="778050"/>
+            <a:ext cx="11709278" cy="850901"/>
           </a:xfrm>
           <a:prstGeom prst="rect">
             <a:avLst/>
@@ -4159,8 +3720,8 @@
             <a:spAutoFit/>
           </a:bodyPr>
           <a:lstStyle>
-            <a:lvl1pPr algn="ctr">
-              <a:defRPr spc="-1" sz="4400"/>
+            <a:lvl1pPr>
+              <a:defRPr spc="-1" sz="5600"/>
             </a:lvl1pPr>
           </a:lstStyle>
           <a:p>
@@ -4173,14 +3734,14 @@
       </p:sp>
       <p:sp>
         <p:nvSpPr>
-          <p:cNvPr id="174" name="TextShape 2"/>
+          <p:cNvPr id="160" name="TextShape 2"/>
           <p:cNvSpPr txBox="1"/>
           <p:nvPr/>
         </p:nvSpPr>
         <p:spPr>
           <a:xfrm>
-            <a:off x="503999" y="1769040"/>
-            <a:ext cx="9071642" cy="4384441"/>
+            <a:off x="653273" y="2283399"/>
+            <a:ext cx="11709278" cy="5659245"/>
           </a:xfrm>
           <a:prstGeom prst="rect">
             <a:avLst/>
@@ -4195,55 +3756,75 @@
           </a:extLst>
         </p:spPr>
         <p:txBody>
-          <a:bodyPr lIns="0" tIns="0" rIns="0" bIns="0">
+          <a:bodyPr lIns="0" tIns="0" rIns="0" bIns="0" anchor="ctr">
             <a:normAutofit fontScale="100000" lnSpcReduction="0"/>
           </a:bodyPr>
           <a:lstStyle/>
           <a:p>
-            <a:pPr>
+            <a:pPr algn="l" defTabSz="1180267">
               <a:spcBef>
-                <a:spcPts val="1400"/>
+                <a:spcPts val="1800"/>
               </a:spcBef>
-              <a:defRPr spc="-1" sz="3200"/>
+              <a:defRPr spc="-1" sz="4000">
+                <a:latin typeface="Arial"/>
+                <a:ea typeface="Arial"/>
+                <a:cs typeface="Arial"/>
+                <a:sym typeface="Arial"/>
+              </a:defRPr>
             </a:pPr>
             <a:r>
               <a:t>Software Management has five functions.</a:t>
             </a:r>
           </a:p>
           <a:p>
-            <a:pPr marL="427789" indent="-427789">
+            <a:pPr marL="721894" indent="-721894" algn="l" defTabSz="1180267">
               <a:spcBef>
-                <a:spcPts val="1400"/>
+                <a:spcPts val="1800"/>
               </a:spcBef>
               <a:buSzPct val="100000"/>
               <a:buAutoNum type="arabicPeriod" startAt="1"/>
-              <a:defRPr spc="-1" sz="3200"/>
+              <a:defRPr spc="-1" sz="4000">
+                <a:latin typeface="Arial"/>
+                <a:ea typeface="Arial"/>
+                <a:cs typeface="Arial"/>
+                <a:sym typeface="Arial"/>
+              </a:defRPr>
             </a:pPr>
             <a:r>
               <a:t>Define goals and keep every one pointed in the same direction.</a:t>
             </a:r>
           </a:p>
           <a:p>
-            <a:pPr marL="427789" indent="-427789">
+            <a:pPr marL="721894" indent="-721894" algn="l" defTabSz="1180267">
               <a:spcBef>
-                <a:spcPts val="1400"/>
+                <a:spcPts val="1800"/>
               </a:spcBef>
               <a:buSzPct val="100000"/>
               <a:buAutoNum type="arabicPeriod" startAt="1"/>
-              <a:defRPr spc="-1" sz="3200"/>
+              <a:defRPr spc="-1" sz="4000">
+                <a:latin typeface="Arial"/>
+                <a:ea typeface="Arial"/>
+                <a:cs typeface="Arial"/>
+                <a:sym typeface="Arial"/>
+              </a:defRPr>
             </a:pPr>
             <a:r>
               <a:t>To Monitor and make sure critical details do not get skipped.</a:t>
             </a:r>
           </a:p>
           <a:p>
-            <a:pPr marL="427789" indent="-427789">
+            <a:pPr marL="721894" indent="-721894" algn="l" defTabSz="1180267">
               <a:spcBef>
-                <a:spcPts val="1400"/>
+                <a:spcPts val="1800"/>
               </a:spcBef>
               <a:buSzPct val="100000"/>
               <a:buAutoNum type="arabicPeriod" startAt="1"/>
-              <a:defRPr spc="-1" sz="3200"/>
+              <a:defRPr spc="-1" sz="4000">
+                <a:latin typeface="Arial"/>
+                <a:ea typeface="Arial"/>
+                <a:cs typeface="Arial"/>
+                <a:sym typeface="Arial"/>
+              </a:defRPr>
             </a:pPr>
             <a:r>
               <a:t>To motivate people to do boring and drudgery work.</a:t>
@@ -4261,7 +3842,7 @@
 </file>
 
 <file path=ppt/slides/slide15.xml><?xml version="1.0" encoding="utf-8"?>
-<p:sld xmlns:a="http://schemas.openxmlformats.org/drawingml/2006/main" xmlns:r="http://schemas.openxmlformats.org/officeDocument/2006/relationships" xmlns:p="http://schemas.openxmlformats.org/presentationml/2006/main" showMasterSp="1" showMasterPhAnim="1">
+<p:sld xmlns:a="http://schemas.openxmlformats.org/drawingml/2006/main" xmlns:r="http://schemas.openxmlformats.org/officeDocument/2006/relationships" xmlns:p="http://schemas.openxmlformats.org/presentationml/2006/main" xmlns:m="http://schemas.openxmlformats.org/officeDocument/2006/math" xmlns:a14="http://schemas.microsoft.com/office/drawing/2010/main" showMasterSp="1" showMasterPhAnim="1">
   <p:cSld>
     <p:spTree>
       <p:nvGrpSpPr>
@@ -4279,14 +3860,14 @@
       </p:grpSpPr>
       <p:sp>
         <p:nvSpPr>
-          <p:cNvPr id="176" name="TextShape 1"/>
+          <p:cNvPr id="162" name="TextShape 1"/>
           <p:cNvSpPr txBox="1"/>
           <p:nvPr/>
         </p:nvSpPr>
         <p:spPr>
           <a:xfrm>
-            <a:off x="503999" y="306540"/>
-            <a:ext cx="9071642" cy="1251720"/>
+            <a:off x="653273" y="352600"/>
+            <a:ext cx="11709278" cy="1701801"/>
           </a:xfrm>
           <a:prstGeom prst="rect">
             <a:avLst/>
@@ -4305,8 +3886,8 @@
             <a:spAutoFit/>
           </a:bodyPr>
           <a:lstStyle>
-            <a:lvl1pPr algn="ctr">
-              <a:defRPr spc="-1" sz="4400"/>
+            <a:lvl1pPr>
+              <a:defRPr spc="-1" sz="5600"/>
             </a:lvl1pPr>
           </a:lstStyle>
           <a:p>
@@ -4319,14 +3900,14 @@
       </p:sp>
       <p:sp>
         <p:nvSpPr>
-          <p:cNvPr id="177" name="TextShape 2"/>
+          <p:cNvPr id="163" name="TextShape 2"/>
           <p:cNvSpPr txBox="1"/>
           <p:nvPr/>
         </p:nvSpPr>
         <p:spPr>
           <a:xfrm>
-            <a:off x="503999" y="1769040"/>
-            <a:ext cx="9071642" cy="4384441"/>
+            <a:off x="653273" y="2283399"/>
+            <a:ext cx="11709278" cy="5659245"/>
           </a:xfrm>
           <a:prstGeom prst="rect">
             <a:avLst/>
@@ -4341,41 +3922,53 @@
           </a:extLst>
         </p:spPr>
         <p:txBody>
-          <a:bodyPr lIns="0" tIns="0" rIns="0" bIns="0">
+          <a:bodyPr lIns="0" tIns="0" rIns="0" bIns="0" anchor="ctr">
             <a:normAutofit fontScale="100000" lnSpcReduction="0"/>
           </a:bodyPr>
           <a:lstStyle/>
           <a:p>
-            <a:pPr>
+            <a:pPr algn="l" defTabSz="1180267">
               <a:spcBef>
-                <a:spcPts val="1400"/>
+                <a:spcPts val="1800"/>
               </a:spcBef>
-              <a:defRPr spc="-1" sz="3200"/>
+              <a:defRPr spc="-1" sz="4000">
+                <a:latin typeface="Arial"/>
+                <a:ea typeface="Arial"/>
+                <a:cs typeface="Arial"/>
+                <a:sym typeface="Arial"/>
+              </a:defRPr>
             </a:pPr>
           </a:p>
           <a:p>
-            <a:pPr>
+            <a:pPr algn="l" defTabSz="1180267">
               <a:spcBef>
-                <a:spcPts val="1400"/>
+                <a:spcPts val="1800"/>
               </a:spcBef>
-              <a:defRPr spc="-1" sz="3200"/>
+              <a:defRPr spc="-1" sz="4000">
+                <a:latin typeface="Arial"/>
+                <a:ea typeface="Arial"/>
+                <a:cs typeface="Arial"/>
+                <a:sym typeface="Arial"/>
+              </a:defRPr>
             </a:pPr>
             <a:r>
               <a:t>4. To organize the deployment of people for best productivity.</a:t>
             </a:r>
           </a:p>
           <a:p>
-            <a:pPr>
+            <a:pPr algn="l" defTabSz="1180267">
               <a:spcBef>
-                <a:spcPts val="1400"/>
+                <a:spcPts val="1800"/>
               </a:spcBef>
-              <a:defRPr spc="-1" sz="3200"/>
+              <a:defRPr spc="-1" sz="4000">
+                <a:latin typeface="Arial"/>
+                <a:ea typeface="Arial"/>
+                <a:cs typeface="Arial"/>
+                <a:sym typeface="Arial"/>
+              </a:defRPr>
             </a:pPr>
             <a:r>
-              <a:t>5. </a:t>
-            </a:r>
-            <a:r>
-              <a:t>To marshal resources needed to sustain the project.</a:t>
+              <a:t>5. To marshal resources needed to sustain the project.</a:t>
             </a:r>
           </a:p>
         </p:txBody>
@@ -4390,7 +3983,7 @@
 </file>
 
 <file path=ppt/slides/slide16.xml><?xml version="1.0" encoding="utf-8"?>
-<p:sld xmlns:a="http://schemas.openxmlformats.org/drawingml/2006/main" xmlns:r="http://schemas.openxmlformats.org/officeDocument/2006/relationships" xmlns:p="http://schemas.openxmlformats.org/presentationml/2006/main" showMasterSp="1" showMasterPhAnim="1">
+<p:sld xmlns:a="http://schemas.openxmlformats.org/drawingml/2006/main" xmlns:r="http://schemas.openxmlformats.org/officeDocument/2006/relationships" xmlns:p="http://schemas.openxmlformats.org/presentationml/2006/main" xmlns:m="http://schemas.openxmlformats.org/officeDocument/2006/math" xmlns:a14="http://schemas.microsoft.com/office/drawing/2010/main" showMasterSp="1" showMasterPhAnim="1">
   <p:cSld>
     <p:spTree>
       <p:nvGrpSpPr>
@@ -4408,14 +4001,14 @@
       </p:grpSpPr>
       <p:sp>
         <p:nvSpPr>
-          <p:cNvPr id="179" name="TextShape 1"/>
+          <p:cNvPr id="165" name="TextShape 1"/>
           <p:cNvSpPr txBox="1"/>
           <p:nvPr/>
         </p:nvSpPr>
         <p:spPr>
           <a:xfrm>
-            <a:off x="503999" y="624040"/>
-            <a:ext cx="9071642" cy="616720"/>
+            <a:off x="653273" y="778050"/>
+            <a:ext cx="11709278" cy="850901"/>
           </a:xfrm>
           <a:prstGeom prst="rect">
             <a:avLst/>
@@ -4434,8 +4027,8 @@
             <a:spAutoFit/>
           </a:bodyPr>
           <a:lstStyle>
-            <a:lvl1pPr algn="ctr">
-              <a:defRPr spc="-1" sz="4400"/>
+            <a:lvl1pPr>
+              <a:defRPr spc="-1" sz="5600"/>
             </a:lvl1pPr>
           </a:lstStyle>
           <a:p>
@@ -4448,14 +4041,14 @@
       </p:sp>
       <p:sp>
         <p:nvSpPr>
-          <p:cNvPr id="180" name="TextShape 2"/>
+          <p:cNvPr id="166" name="TextShape 2"/>
           <p:cNvSpPr txBox="1"/>
           <p:nvPr/>
         </p:nvSpPr>
         <p:spPr>
           <a:xfrm>
-            <a:off x="503999" y="1769040"/>
-            <a:ext cx="9071642" cy="4384441"/>
+            <a:off x="653273" y="2283399"/>
+            <a:ext cx="11709278" cy="5659245"/>
           </a:xfrm>
           <a:prstGeom prst="rect">
             <a:avLst/>
@@ -4470,21 +4063,18 @@
           </a:extLst>
         </p:spPr>
         <p:txBody>
-          <a:bodyPr lIns="0" tIns="0" rIns="0" bIns="0">
+          <a:bodyPr lIns="0" tIns="0" rIns="0" bIns="0" anchor="ctr">
             <a:normAutofit fontScale="100000" lnSpcReduction="0"/>
           </a:bodyPr>
           <a:lstStyle/>
           <a:p>
-            <a:pPr marL="431999" indent="-323999">
+            <a:pPr marL="481263" indent="-481263" algn="l">
               <a:spcBef>
-                <a:spcPts val="1400"/>
+                <a:spcPts val="1800"/>
               </a:spcBef>
-              <a:buClr>
-                <a:srgbClr val="000000"/>
-              </a:buClr>
-              <a:buSzPct val="45000"/>
-              <a:buChar char="●"/>
-              <a:defRPr spc="-100" sz="3200"/>
+              <a:buSzPct val="75000"/>
+              <a:buChar char="•"/>
+              <a:defRPr spc="-125" sz="4000"/>
             </a:pPr>
             <a:r>
               <a:t>Intellectual property concerns</a:t>
@@ -4492,16 +4082,13 @@
             <a:endParaRPr spc="-1"/>
           </a:p>
           <a:p>
-            <a:pPr marL="431999" indent="-323999">
+            <a:pPr marL="481263" indent="-481263" algn="l">
               <a:spcBef>
-                <a:spcPts val="1400"/>
+                <a:spcPts val="1800"/>
               </a:spcBef>
-              <a:buClr>
-                <a:srgbClr val="000000"/>
-              </a:buClr>
-              <a:buSzPct val="45000"/>
-              <a:buChar char="●"/>
-              <a:defRPr spc="-100" sz="3200"/>
+              <a:buSzPct val="75000"/>
+              <a:buChar char="•"/>
+              <a:defRPr spc="-125" sz="4000"/>
             </a:pPr>
             <a:r>
               <a:t>Chaotic development environment (volunteer based, distributed, no clear authority)</a:t>
@@ -4509,16 +4096,13 @@
             <a:endParaRPr spc="-1"/>
           </a:p>
           <a:p>
-            <a:pPr marL="431999" indent="-323999">
+            <a:pPr marL="481263" indent="-481263" algn="l">
               <a:spcBef>
-                <a:spcPts val="1400"/>
+                <a:spcPts val="1800"/>
               </a:spcBef>
-              <a:buClr>
-                <a:srgbClr val="000000"/>
-              </a:buClr>
-              <a:buSzPct val="45000"/>
-              <a:buChar char="●"/>
-              <a:defRPr spc="-100" sz="3200"/>
+              <a:buSzPct val="75000"/>
+              <a:buChar char="•"/>
+              <a:defRPr spc="-125" sz="4000"/>
             </a:pPr>
             <a:r>
               <a:t>Hard to change code ( Public API visible, Internal structure visible)</a:t>
@@ -4536,7 +4120,7 @@
 </file>
 
 <file path=ppt/slides/slide17.xml><?xml version="1.0" encoding="utf-8"?>
-<p:sld xmlns:a="http://schemas.openxmlformats.org/drawingml/2006/main" xmlns:r="http://schemas.openxmlformats.org/officeDocument/2006/relationships" xmlns:p="http://schemas.openxmlformats.org/presentationml/2006/main" showMasterSp="1" showMasterPhAnim="1">
+<p:sld xmlns:a="http://schemas.openxmlformats.org/drawingml/2006/main" xmlns:r="http://schemas.openxmlformats.org/officeDocument/2006/relationships" xmlns:p="http://schemas.openxmlformats.org/presentationml/2006/main" xmlns:m="http://schemas.openxmlformats.org/officeDocument/2006/math" xmlns:a14="http://schemas.microsoft.com/office/drawing/2010/main" showMasterSp="1" showMasterPhAnim="1">
   <p:cSld>
     <p:spTree>
       <p:nvGrpSpPr>
@@ -4554,14 +4138,14 @@
       </p:grpSpPr>
       <p:sp>
         <p:nvSpPr>
-          <p:cNvPr id="182" name="TextShape 1"/>
+          <p:cNvPr id="168" name="TextShape 1"/>
           <p:cNvSpPr txBox="1"/>
           <p:nvPr/>
         </p:nvSpPr>
         <p:spPr>
           <a:xfrm>
-            <a:off x="503999" y="624040"/>
-            <a:ext cx="9071642" cy="616720"/>
+            <a:off x="653273" y="778050"/>
+            <a:ext cx="11709278" cy="850901"/>
           </a:xfrm>
           <a:prstGeom prst="rect">
             <a:avLst/>
@@ -4580,8 +4164,8 @@
             <a:spAutoFit/>
           </a:bodyPr>
           <a:lstStyle>
-            <a:lvl1pPr algn="ctr">
-              <a:defRPr spc="-1" sz="4400"/>
+            <a:lvl1pPr>
+              <a:defRPr spc="-1" sz="5600"/>
             </a:lvl1pPr>
           </a:lstStyle>
           <a:p>
@@ -4594,14 +4178,14 @@
       </p:sp>
       <p:sp>
         <p:nvSpPr>
-          <p:cNvPr id="183" name="TextShape 2"/>
+          <p:cNvPr id="169" name="TextShape 2"/>
           <p:cNvSpPr txBox="1"/>
           <p:nvPr/>
         </p:nvSpPr>
         <p:spPr>
           <a:xfrm>
-            <a:off x="503999" y="1769040"/>
-            <a:ext cx="9071642" cy="4384441"/>
+            <a:off x="653273" y="2283399"/>
+            <a:ext cx="11709278" cy="5659245"/>
           </a:xfrm>
           <a:prstGeom prst="rect">
             <a:avLst/>
@@ -4616,21 +4200,18 @@
           </a:extLst>
         </p:spPr>
         <p:txBody>
-          <a:bodyPr lIns="0" tIns="0" rIns="0" bIns="0">
+          <a:bodyPr lIns="0" tIns="0" rIns="0" bIns="0" anchor="ctr">
             <a:normAutofit fontScale="100000" lnSpcReduction="0"/>
           </a:bodyPr>
           <a:lstStyle/>
           <a:p>
-            <a:pPr marL="431999" indent="-323999">
+            <a:pPr marL="481263" indent="-481263" algn="l">
               <a:spcBef>
-                <a:spcPts val="1400"/>
+                <a:spcPts val="1800"/>
               </a:spcBef>
-              <a:buClr>
-                <a:srgbClr val="000000"/>
-              </a:buClr>
-              <a:buSzPct val="45000"/>
-              <a:buChar char="●"/>
-              <a:defRPr spc="-100" sz="3200"/>
+              <a:buSzPct val="75000"/>
+              <a:buChar char="•"/>
+              <a:defRPr spc="-125" sz="4000"/>
             </a:pPr>
             <a:r>
               <a:t>Benefits are a function of community size</a:t>
@@ -4638,36 +4219,16 @@
             <a:endParaRPr spc="-1"/>
           </a:p>
           <a:p>
-            <a:pPr marL="431999" indent="-323999">
+            <a:pPr marL="481263" indent="-481263" algn="l">
               <a:spcBef>
-                <a:spcPts val="1400"/>
+                <a:spcPts val="1800"/>
               </a:spcBef>
-              <a:buClr>
-                <a:srgbClr val="000000"/>
-              </a:buClr>
-              <a:buSzPct val="45000"/>
-              <a:buChar char="●"/>
-              <a:defRPr spc="-100" sz="3200"/>
+              <a:buSzPct val="75000"/>
+              <a:buChar char="•"/>
+              <a:defRPr spc="-125" sz="4000"/>
             </a:pPr>
             <a:r>
-              <a:t>Proprietary business model (Better understood, Greater potential for $$$ )</a:t>
-            </a:r>
-            <a:endParaRPr spc="-1"/>
-          </a:p>
-          <a:p>
-            <a:pPr marL="431999" indent="-323999">
-              <a:spcBef>
-                <a:spcPts val="1400"/>
-              </a:spcBef>
-              <a:buClr>
-                <a:srgbClr val="000000"/>
-              </a:buClr>
-              <a:buSzPct val="45000"/>
-              <a:buChar char="●"/>
-              <a:defRPr spc="-100" sz="3200"/>
-            </a:pPr>
-            <a:r>
-              <a:t>Hard to change code ( Public API visible, Internal structure visible)</a:t>
+              <a:t>Proprietary business model (Better understood, Greater potential for $$$)</a:t>
             </a:r>
           </a:p>
         </p:txBody>
@@ -4682,7 +4243,7 @@
 </file>
 
 <file path=ppt/slides/slide18.xml><?xml version="1.0" encoding="utf-8"?>
-<p:sld xmlns:a="http://schemas.openxmlformats.org/drawingml/2006/main" xmlns:r="http://schemas.openxmlformats.org/officeDocument/2006/relationships" xmlns:p="http://schemas.openxmlformats.org/presentationml/2006/main" showMasterSp="1" showMasterPhAnim="1">
+<p:sld xmlns:a="http://schemas.openxmlformats.org/drawingml/2006/main" xmlns:r="http://schemas.openxmlformats.org/officeDocument/2006/relationships" xmlns:p="http://schemas.openxmlformats.org/presentationml/2006/main" xmlns:m="http://schemas.openxmlformats.org/officeDocument/2006/math" xmlns:a14="http://schemas.microsoft.com/office/drawing/2010/main" showMasterSp="1" showMasterPhAnim="1">
   <p:cSld>
     <p:spTree>
       <p:nvGrpSpPr>
@@ -4700,14 +4261,14 @@
       </p:grpSpPr>
       <p:sp>
         <p:nvSpPr>
-          <p:cNvPr id="185" name="TextShape 1"/>
+          <p:cNvPr id="171" name="TextShape 1"/>
           <p:cNvSpPr txBox="1"/>
           <p:nvPr/>
         </p:nvSpPr>
         <p:spPr>
           <a:xfrm>
-            <a:off x="503999" y="306540"/>
-            <a:ext cx="9071642" cy="1251720"/>
+            <a:off x="653273" y="352600"/>
+            <a:ext cx="11709278" cy="1701801"/>
           </a:xfrm>
           <a:prstGeom prst="rect">
             <a:avLst/>
@@ -4726,8 +4287,8 @@
             <a:spAutoFit/>
           </a:bodyPr>
           <a:lstStyle>
-            <a:lvl1pPr algn="ctr">
-              <a:defRPr spc="-1" sz="4400"/>
+            <a:lvl1pPr>
+              <a:defRPr spc="-1" sz="5600"/>
             </a:lvl1pPr>
           </a:lstStyle>
           <a:p>
@@ -4740,14 +4301,14 @@
       </p:sp>
       <p:sp>
         <p:nvSpPr>
-          <p:cNvPr id="186" name="TextShape 2"/>
+          <p:cNvPr id="172" name="TextShape 2"/>
           <p:cNvSpPr txBox="1"/>
           <p:nvPr/>
         </p:nvSpPr>
         <p:spPr>
           <a:xfrm>
-            <a:off x="503999" y="1769040"/>
-            <a:ext cx="9071642" cy="4384441"/>
+            <a:off x="653273" y="2283399"/>
+            <a:ext cx="11709278" cy="5659245"/>
           </a:xfrm>
           <a:prstGeom prst="rect">
             <a:avLst/>
@@ -4762,21 +4323,18 @@
           </a:extLst>
         </p:spPr>
         <p:txBody>
-          <a:bodyPr lIns="0" tIns="0" rIns="0" bIns="0">
+          <a:bodyPr lIns="0" tIns="0" rIns="0" bIns="0" anchor="ctr">
             <a:normAutofit fontScale="100000" lnSpcReduction="0"/>
           </a:bodyPr>
           <a:lstStyle/>
           <a:p>
-            <a:pPr marL="431999" indent="-323999">
+            <a:pPr marL="481263" indent="-481263" algn="l">
               <a:spcBef>
-                <a:spcPts val="1400"/>
+                <a:spcPts val="1800"/>
               </a:spcBef>
-              <a:buClr>
-                <a:srgbClr val="000000"/>
-              </a:buClr>
-              <a:buSzPct val="45000"/>
-              <a:buChar char="●"/>
-              <a:defRPr spc="-100" sz="3200"/>
+              <a:buSzPct val="75000"/>
+              <a:buChar char="•"/>
+              <a:defRPr spc="-125" sz="4000"/>
             </a:pPr>
             <a:r>
               <a:t>Create a clear vision (requirements doc) – Technical domain, Software Stack/Tools</a:t>
@@ -4784,16 +4342,13 @@
             <a:endParaRPr spc="-1"/>
           </a:p>
           <a:p>
-            <a:pPr marL="431999" indent="-323999">
+            <a:pPr marL="481263" indent="-481263" algn="l">
               <a:spcBef>
-                <a:spcPts val="1400"/>
+                <a:spcPts val="1800"/>
               </a:spcBef>
-              <a:buClr>
-                <a:srgbClr val="000000"/>
-              </a:buClr>
-              <a:buSzPct val="45000"/>
-              <a:buChar char="●"/>
-              <a:defRPr spc="-100" sz="3200"/>
+              <a:buSzPct val="75000"/>
+              <a:buChar char="•"/>
+              <a:defRPr spc="-125" sz="4000"/>
             </a:pPr>
             <a:r>
               <a:t>Involve team oriented people (big egos are big problems)</a:t>
@@ -4801,16 +4356,13 @@
             <a:endParaRPr spc="-1"/>
           </a:p>
           <a:p>
-            <a:pPr marL="431999" indent="-323999">
+            <a:pPr marL="481263" indent="-481263" algn="l">
               <a:spcBef>
-                <a:spcPts val="1400"/>
+                <a:spcPts val="1800"/>
               </a:spcBef>
-              <a:buClr>
-                <a:srgbClr val="000000"/>
-              </a:buClr>
-              <a:buSzPct val="45000"/>
-              <a:buChar char="●"/>
-              <a:defRPr spc="-100" sz="3200"/>
+              <a:buSzPct val="75000"/>
+              <a:buChar char="•"/>
+              <a:defRPr spc="-125" sz="4000"/>
             </a:pPr>
             <a:r>
               <a:t>Identify leadership/management structure (Methods to break conflicts)</a:t>
@@ -4818,16 +4370,13 @@
             <a:endParaRPr spc="-1"/>
           </a:p>
           <a:p>
-            <a:pPr marL="431999" indent="-323999">
+            <a:pPr marL="481263" indent="-481263" algn="l">
               <a:spcBef>
-                <a:spcPts val="1400"/>
+                <a:spcPts val="1800"/>
               </a:spcBef>
-              <a:buClr>
-                <a:srgbClr val="000000"/>
-              </a:buClr>
-              <a:buSzPct val="45000"/>
-              <a:buChar char="●"/>
-              <a:defRPr spc="-100" sz="3200"/>
+              <a:buSzPct val="75000"/>
+              <a:buChar char="•"/>
+              <a:defRPr spc="-125" sz="4000"/>
             </a:pPr>
             <a:r>
               <a:t>Establish an effective software process</a:t>
@@ -4845,7 +4394,7 @@
 </file>
 
 <file path=ppt/slides/slide19.xml><?xml version="1.0" encoding="utf-8"?>
-<p:sld xmlns:a="http://schemas.openxmlformats.org/drawingml/2006/main" xmlns:r="http://schemas.openxmlformats.org/officeDocument/2006/relationships" xmlns:p="http://schemas.openxmlformats.org/presentationml/2006/main" showMasterSp="1" showMasterPhAnim="1">
+<p:sld xmlns:a="http://schemas.openxmlformats.org/drawingml/2006/main" xmlns:r="http://schemas.openxmlformats.org/officeDocument/2006/relationships" xmlns:p="http://schemas.openxmlformats.org/presentationml/2006/main" xmlns:m="http://schemas.openxmlformats.org/officeDocument/2006/math" xmlns:a14="http://schemas.microsoft.com/office/drawing/2010/main" showMasterSp="1" showMasterPhAnim="1">
   <p:cSld>
     <p:spTree>
       <p:nvGrpSpPr>
@@ -4863,14 +4412,14 @@
       </p:grpSpPr>
       <p:sp>
         <p:nvSpPr>
-          <p:cNvPr id="188" name="TextShape 1"/>
+          <p:cNvPr id="174" name="TextShape 1"/>
           <p:cNvSpPr txBox="1"/>
           <p:nvPr/>
         </p:nvSpPr>
         <p:spPr>
           <a:xfrm>
-            <a:off x="503999" y="306540"/>
-            <a:ext cx="9071642" cy="1251720"/>
+            <a:off x="653273" y="352600"/>
+            <a:ext cx="11709278" cy="1701801"/>
           </a:xfrm>
           <a:prstGeom prst="rect">
             <a:avLst/>
@@ -4889,8 +4438,8 @@
             <a:spAutoFit/>
           </a:bodyPr>
           <a:lstStyle>
-            <a:lvl1pPr algn="ctr">
-              <a:defRPr spc="-1" sz="4400"/>
+            <a:lvl1pPr>
+              <a:defRPr spc="-1" sz="5600"/>
             </a:lvl1pPr>
           </a:lstStyle>
           <a:p>
@@ -4903,14 +4452,14 @@
       </p:sp>
       <p:sp>
         <p:nvSpPr>
-          <p:cNvPr id="189" name="TextShape 2"/>
+          <p:cNvPr id="175" name="TextShape 2"/>
           <p:cNvSpPr txBox="1"/>
           <p:nvPr/>
         </p:nvSpPr>
         <p:spPr>
           <a:xfrm>
-            <a:off x="503999" y="1769040"/>
-            <a:ext cx="9071642" cy="4384441"/>
+            <a:off x="653273" y="2283399"/>
+            <a:ext cx="11709278" cy="5659245"/>
           </a:xfrm>
           <a:prstGeom prst="rect">
             <a:avLst/>
@@ -4925,21 +4474,18 @@
           </a:extLst>
         </p:spPr>
         <p:txBody>
-          <a:bodyPr lIns="0" tIns="0" rIns="0" bIns="0">
+          <a:bodyPr lIns="0" tIns="0" rIns="0" bIns="0" anchor="ctr">
             <a:normAutofit fontScale="100000" lnSpcReduction="0"/>
           </a:bodyPr>
           <a:lstStyle/>
           <a:p>
-            <a:pPr marL="431999" indent="-323999">
+            <a:pPr marL="481263" indent="-481263" algn="l">
               <a:spcBef>
-                <a:spcPts val="1400"/>
+                <a:spcPts val="1800"/>
               </a:spcBef>
-              <a:buClr>
-                <a:srgbClr val="000000"/>
-              </a:buClr>
-              <a:buSzPct val="45000"/>
-              <a:buChar char="●"/>
-              <a:defRPr spc="-100" sz="3200"/>
+              <a:buSzPct val="75000"/>
+              <a:buChar char="•"/>
+              <a:defRPr spc="-125" sz="4000"/>
             </a:pPr>
             <a:r>
               <a:t>Define Communication protocol – chat room, developer mailing list, periodic face-to-face meetings.</a:t>
@@ -4947,21 +4493,21 @@
             <a:endParaRPr spc="-1"/>
           </a:p>
           <a:p>
-            <a:pPr marL="431999" indent="-323999">
+            <a:pPr marL="481263" indent="-481263" algn="l">
               <a:spcBef>
-                <a:spcPts val="1400"/>
+                <a:spcPts val="1800"/>
               </a:spcBef>
-              <a:buClr>
-                <a:srgbClr val="000000"/>
-              </a:buClr>
-              <a:buSzPct val="45000"/>
-              <a:buChar char="●"/>
-              <a:defRPr spc="-100" sz="3200"/>
+              <a:buSzPct val="75000"/>
+              <a:buChar char="•"/>
+              <a:defRPr spc="-125" sz="4000"/>
             </a:pPr>
             <a:r>
-              <a:t>Pitfalls (Establish Core architecture early, start development with a few key people, Don't start testing soon, Using version Control, Lock up language)</a:t>
-            </a:r>
-            <a:endParaRPr spc="-1"/>
+              <a:rPr spc="-1"/>
+              <a:t>Avoid </a:t>
+            </a:r>
+            <a:r>
+              <a:t>Pitfalls - Establish Core architecture early, start development with a few key people, start testing early, use version control, lock up language.</a:t>
+            </a:r>
           </a:p>
         </p:txBody>
       </p:sp>
@@ -4975,7 +4521,7 @@
 </file>
 
 <file path=ppt/slides/slide2.xml><?xml version="1.0" encoding="utf-8"?>
-<p:sld xmlns:a="http://schemas.openxmlformats.org/drawingml/2006/main" xmlns:r="http://schemas.openxmlformats.org/officeDocument/2006/relationships" xmlns:p="http://schemas.openxmlformats.org/presentationml/2006/main" showMasterSp="1" showMasterPhAnim="1">
+<p:sld xmlns:a="http://schemas.openxmlformats.org/drawingml/2006/main" xmlns:r="http://schemas.openxmlformats.org/officeDocument/2006/relationships" xmlns:p="http://schemas.openxmlformats.org/presentationml/2006/main" xmlns:m="http://schemas.openxmlformats.org/officeDocument/2006/math" xmlns:a14="http://schemas.microsoft.com/office/drawing/2010/main" showMasterSp="1" showMasterPhAnim="1">
   <p:cSld>
     <p:spTree>
       <p:nvGrpSpPr>
@@ -4993,14 +4539,14 @@
       </p:grpSpPr>
       <p:sp>
         <p:nvSpPr>
-          <p:cNvPr id="136" name="TextShape 1"/>
+          <p:cNvPr id="122" name="TextShape 1"/>
           <p:cNvSpPr txBox="1"/>
           <p:nvPr/>
         </p:nvSpPr>
         <p:spPr>
           <a:xfrm>
-            <a:off x="503999" y="624040"/>
-            <a:ext cx="9071642" cy="616720"/>
+            <a:off x="653273" y="778050"/>
+            <a:ext cx="11709278" cy="850901"/>
           </a:xfrm>
           <a:prstGeom prst="rect">
             <a:avLst/>
@@ -5019,8 +4565,8 @@
             <a:spAutoFit/>
           </a:bodyPr>
           <a:lstStyle>
-            <a:lvl1pPr algn="ctr">
-              <a:defRPr spc="-1" sz="4400"/>
+            <a:lvl1pPr>
+              <a:defRPr spc="-1" sz="5600"/>
             </a:lvl1pPr>
           </a:lstStyle>
           <a:p>
@@ -5033,14 +4579,14 @@
       </p:sp>
       <p:sp>
         <p:nvSpPr>
-          <p:cNvPr id="137" name="TextShape 2"/>
+          <p:cNvPr id="123" name="TextShape 2"/>
           <p:cNvSpPr txBox="1"/>
           <p:nvPr/>
         </p:nvSpPr>
         <p:spPr>
           <a:xfrm>
-            <a:off x="503999" y="1769040"/>
-            <a:ext cx="9071642" cy="4384441"/>
+            <a:off x="653273" y="2283399"/>
+            <a:ext cx="11709278" cy="5659245"/>
           </a:xfrm>
           <a:prstGeom prst="rect">
             <a:avLst/>
@@ -5055,37 +4601,37 @@
           </a:extLst>
         </p:spPr>
         <p:txBody>
-          <a:bodyPr lIns="0" tIns="0" rIns="0" bIns="0">
+          <a:bodyPr lIns="0" tIns="0" rIns="0" bIns="0" anchor="ctr">
             <a:normAutofit fontScale="100000" lnSpcReduction="0"/>
           </a:bodyPr>
           <a:lstStyle/>
           <a:p>
-            <a:pPr marL="431999" indent="-323999">
+            <a:pPr marL="512999" indent="-404999">
               <a:spcBef>
-                <a:spcPts val="1400"/>
+                <a:spcPts val="1800"/>
               </a:spcBef>
               <a:buClr>
                 <a:srgbClr val="000000"/>
               </a:buClr>
               <a:buSzPct val="45000"/>
               <a:buChar char="●"/>
-              <a:defRPr spc="-100" sz="3200"/>
+              <a:defRPr spc="-125" sz="4000"/>
             </a:pPr>
             <a:r>
               <a:t>Our Lecture Slides have  greatly benefited from the previous classes taught by Dr. William Schroeder and Dr. Luis Ibanez at RPI, </a:t>
             </a:r>
           </a:p>
           <a:p>
-            <a:pPr marL="431999" indent="-323999">
+            <a:pPr marL="512999" indent="-404999">
               <a:spcBef>
-                <a:spcPts val="1400"/>
+                <a:spcPts val="1800"/>
               </a:spcBef>
               <a:buClr>
                 <a:srgbClr val="000000"/>
               </a:buClr>
               <a:buSzPct val="45000"/>
               <a:buChar char="●"/>
-              <a:defRPr spc="-100" sz="3200"/>
+              <a:defRPr spc="-125" sz="4000"/>
             </a:pPr>
             <a:r>
               <a:t>And by Professor Mukkai Krishnamoorthy who succeeded them in teaching the course</a:t>
@@ -5093,30 +4639,22 @@
             <a:endParaRPr spc="-1"/>
           </a:p>
           <a:p>
-            <a:pPr marL="431999" indent="-323999">
+            <a:pPr marL="512999" indent="-404999">
               <a:spcBef>
-                <a:spcPts val="1400"/>
+                <a:spcPts val="1800"/>
               </a:spcBef>
               <a:buClr>
                 <a:srgbClr val="000000"/>
               </a:buClr>
               <a:buSzPct val="45000"/>
               <a:buChar char="●"/>
-              <a:defRPr spc="-100" sz="3200"/>
+              <a:defRPr spc="-125" sz="4000"/>
             </a:pPr>
             <a:r>
               <a:t>Creative Commons (CC BY 3.0) </a:t>
             </a:r>
             <a:r>
               <a:rPr u="sng">
-                <a:solidFill>
-                  <a:srgbClr val="0000FF"/>
-                </a:solidFill>
-                <a:uFill>
-                  <a:solidFill>
-                    <a:srgbClr val="0000FF"/>
-                  </a:solidFill>
-                </a:uFill>
                 <a:hlinkClick r:id="rId2" invalidUrl="" action="" tgtFrame="" tooltip="" history="1" highlightClick="0" endSnd="0"/>
               </a:rPr>
               <a:t>http://creativecommons.org/licenses/by/3.0/</a:t>
@@ -5126,14 +4664,14 @@
       </p:sp>
       <p:sp>
         <p:nvSpPr>
-          <p:cNvPr id="138" name="TextShape 3"/>
+          <p:cNvPr id="124" name="TextShape 3"/>
           <p:cNvSpPr txBox="1"/>
           <p:nvPr/>
         </p:nvSpPr>
         <p:spPr>
           <a:xfrm>
-            <a:off x="2286360" y="7027560"/>
-            <a:ext cx="5157001" cy="349222"/>
+            <a:off x="2953865" y="8428583"/>
+            <a:ext cx="6656432" cy="1284569"/>
           </a:xfrm>
           <a:prstGeom prst="rect">
             <a:avLst/>
@@ -5148,24 +4686,16 @@
           </a:extLst>
         </p:spPr>
         <p:txBody>
-          <a:bodyPr lIns="44999" tIns="44999" rIns="44999" bIns="44999">
+          <a:bodyPr lIns="58084" tIns="58084" rIns="58084" bIns="58084" anchor="ctr">
             <a:spAutoFit/>
           </a:bodyPr>
           <a:lstStyle/>
           <a:p>
-            <a:pPr algn="ctr">
-              <a:defRPr spc="-1"/>
+            <a:pPr>
+              <a:defRPr spc="-2"/>
             </a:pPr>
             <a:r>
               <a:rPr u="sng">
-                <a:solidFill>
-                  <a:srgbClr val="0000FF"/>
-                </a:solidFill>
-                <a:uFill>
-                  <a:solidFill>
-                    <a:srgbClr val="0000FF"/>
-                  </a:solidFill>
-                </a:uFill>
                 <a:hlinkClick r:id="rId2" invalidUrl="" action="" tgtFrame="" tooltip="" history="1" highlightClick="0" endSnd="0"/>
               </a:rPr>
               <a:t>http://creativecommons.org/licenses/by/3.0/</a:t>
@@ -5186,7 +4716,7 @@
 </file>
 
 <file path=ppt/slides/slide20.xml><?xml version="1.0" encoding="utf-8"?>
-<p:sld xmlns:a="http://schemas.openxmlformats.org/drawingml/2006/main" xmlns:r="http://schemas.openxmlformats.org/officeDocument/2006/relationships" xmlns:p="http://schemas.openxmlformats.org/presentationml/2006/main" showMasterSp="1" showMasterPhAnim="1">
+<p:sld xmlns:a="http://schemas.openxmlformats.org/drawingml/2006/main" xmlns:r="http://schemas.openxmlformats.org/officeDocument/2006/relationships" xmlns:p="http://schemas.openxmlformats.org/presentationml/2006/main" xmlns:m="http://schemas.openxmlformats.org/officeDocument/2006/math" xmlns:a14="http://schemas.microsoft.com/office/drawing/2010/main" showMasterSp="1" showMasterPhAnim="1">
   <p:cSld>
     <p:spTree>
       <p:nvGrpSpPr>
@@ -5204,14 +4734,14 @@
       </p:grpSpPr>
       <p:sp>
         <p:nvSpPr>
-          <p:cNvPr id="191" name="TextShape 1"/>
+          <p:cNvPr id="177" name="TextShape 1"/>
           <p:cNvSpPr txBox="1"/>
           <p:nvPr/>
         </p:nvSpPr>
         <p:spPr>
           <a:xfrm>
-            <a:off x="503999" y="624040"/>
-            <a:ext cx="9071642" cy="616720"/>
+            <a:off x="653273" y="778050"/>
+            <a:ext cx="11709278" cy="850901"/>
           </a:xfrm>
           <a:prstGeom prst="rect">
             <a:avLst/>
@@ -5230,8 +4760,8 @@
             <a:spAutoFit/>
           </a:bodyPr>
           <a:lstStyle>
-            <a:lvl1pPr algn="ctr">
-              <a:defRPr spc="-1" sz="4400"/>
+            <a:lvl1pPr>
+              <a:defRPr spc="-1" sz="5600"/>
             </a:lvl1pPr>
           </a:lstStyle>
           <a:p>
@@ -5244,14 +4774,14 @@
       </p:sp>
       <p:sp>
         <p:nvSpPr>
-          <p:cNvPr id="192" name="TextShape 2"/>
+          <p:cNvPr id="178" name="TextShape 2"/>
           <p:cNvSpPr txBox="1"/>
           <p:nvPr/>
         </p:nvSpPr>
         <p:spPr>
           <a:xfrm>
-            <a:off x="503999" y="1769040"/>
-            <a:ext cx="9071642" cy="4384441"/>
+            <a:off x="653273" y="2283399"/>
+            <a:ext cx="11709278" cy="5659245"/>
           </a:xfrm>
           <a:prstGeom prst="rect">
             <a:avLst/>
@@ -5266,21 +4796,18 @@
           </a:extLst>
         </p:spPr>
         <p:txBody>
-          <a:bodyPr lIns="0" tIns="0" rIns="0" bIns="0">
+          <a:bodyPr lIns="0" tIns="0" rIns="0" bIns="0" anchor="ctr">
             <a:normAutofit fontScale="100000" lnSpcReduction="0"/>
           </a:bodyPr>
           <a:lstStyle/>
           <a:p>
-            <a:pPr marL="431999" indent="-323999">
+            <a:pPr marL="481263" indent="-481263" algn="l">
               <a:spcBef>
-                <a:spcPts val="1400"/>
+                <a:spcPts val="1800"/>
               </a:spcBef>
-              <a:buClr>
-                <a:srgbClr val="000000"/>
-              </a:buClr>
-              <a:buSzPct val="45000"/>
-              <a:buChar char="●"/>
-              <a:defRPr spc="-100" sz="3200"/>
+              <a:buSzPct val="75000"/>
+              <a:buChar char="•"/>
+              <a:defRPr spc="-125" sz="4000"/>
             </a:pPr>
             <a:r>
               <a:t>Use external open source tools and libraries.</a:t>
@@ -5288,21 +4815,17 @@
             <a:endParaRPr spc="-1"/>
           </a:p>
           <a:p>
-            <a:pPr marL="431999" indent="-323999">
+            <a:pPr marL="481263" indent="-481263" algn="l">
               <a:spcBef>
-                <a:spcPts val="1400"/>
+                <a:spcPts val="1800"/>
               </a:spcBef>
-              <a:buClr>
-                <a:srgbClr val="000000"/>
-              </a:buClr>
-              <a:buSzPct val="45000"/>
-              <a:buChar char="●"/>
-              <a:defRPr spc="-100" sz="3200"/>
+              <a:buSzPct val="75000"/>
+              <a:buChar char="•"/>
+              <a:defRPr spc="-125" sz="4000"/>
             </a:pPr>
             <a:r>
               <a:t>Redevelopment is a waste of time (most of the time)</a:t>
             </a:r>
-            <a:endParaRPr spc="-1"/>
           </a:p>
         </p:txBody>
       </p:sp>
@@ -5316,7 +4839,7 @@
 </file>
 
 <file path=ppt/slides/slide21.xml><?xml version="1.0" encoding="utf-8"?>
-<p:sld xmlns:a="http://schemas.openxmlformats.org/drawingml/2006/main" xmlns:r="http://schemas.openxmlformats.org/officeDocument/2006/relationships" xmlns:p="http://schemas.openxmlformats.org/presentationml/2006/main" showMasterSp="1" showMasterPhAnim="1">
+<p:sld xmlns:a="http://schemas.openxmlformats.org/drawingml/2006/main" xmlns:r="http://schemas.openxmlformats.org/officeDocument/2006/relationships" xmlns:p="http://schemas.openxmlformats.org/presentationml/2006/main" xmlns:m="http://schemas.openxmlformats.org/officeDocument/2006/math" xmlns:a14="http://schemas.microsoft.com/office/drawing/2010/main" showMasterSp="1" showMasterPhAnim="1">
   <p:cSld>
     <p:spTree>
       <p:nvGrpSpPr>
@@ -5334,14 +4857,14 @@
       </p:grpSpPr>
       <p:sp>
         <p:nvSpPr>
-          <p:cNvPr id="194" name="TextShape 1"/>
+          <p:cNvPr id="180" name="TextShape 1"/>
           <p:cNvSpPr txBox="1"/>
           <p:nvPr/>
         </p:nvSpPr>
         <p:spPr>
           <a:xfrm>
-            <a:off x="503999" y="624040"/>
-            <a:ext cx="9071642" cy="616720"/>
+            <a:off x="653273" y="778050"/>
+            <a:ext cx="11709278" cy="850901"/>
           </a:xfrm>
           <a:prstGeom prst="rect">
             <a:avLst/>
@@ -5360,8 +4883,8 @@
             <a:spAutoFit/>
           </a:bodyPr>
           <a:lstStyle>
-            <a:lvl1pPr algn="ctr">
-              <a:defRPr spc="-1" sz="4400"/>
+            <a:lvl1pPr>
+              <a:defRPr spc="-1" sz="5600"/>
             </a:lvl1pPr>
           </a:lstStyle>
           <a:p>
@@ -5374,14 +4897,14 @@
       </p:sp>
       <p:sp>
         <p:nvSpPr>
-          <p:cNvPr id="195" name="TextShape 2"/>
+          <p:cNvPr id="181" name="TextShape 2"/>
           <p:cNvSpPr txBox="1"/>
           <p:nvPr/>
         </p:nvSpPr>
         <p:spPr>
           <a:xfrm>
-            <a:off x="503999" y="1769040"/>
-            <a:ext cx="9071642" cy="4384441"/>
+            <a:off x="653273" y="2283399"/>
+            <a:ext cx="11709278" cy="5659245"/>
           </a:xfrm>
           <a:prstGeom prst="rect">
             <a:avLst/>
@@ -5396,21 +4919,18 @@
           </a:extLst>
         </p:spPr>
         <p:txBody>
-          <a:bodyPr lIns="0" tIns="0" rIns="0" bIns="0">
+          <a:bodyPr lIns="0" tIns="0" rIns="0" bIns="0" anchor="ctr">
             <a:normAutofit fontScale="100000" lnSpcReduction="0"/>
           </a:bodyPr>
           <a:lstStyle/>
           <a:p>
-            <a:pPr marL="431999" indent="-323999">
+            <a:pPr marL="481263" indent="-481263" algn="l">
               <a:spcBef>
-                <a:spcPts val="1400"/>
+                <a:spcPts val="1800"/>
               </a:spcBef>
-              <a:buClr>
-                <a:srgbClr val="000000"/>
-              </a:buClr>
-              <a:buSzPct val="45000"/>
-              <a:buChar char="●"/>
-              <a:defRPr spc="-100" sz="3200"/>
+              <a:buSzPct val="75000"/>
+              <a:buChar char="•"/>
+              <a:defRPr spc="-125" sz="4000"/>
             </a:pPr>
             <a:r>
               <a:t>Understand licensing and use one</a:t>
@@ -5418,16 +4938,13 @@
             <a:endParaRPr spc="-1"/>
           </a:p>
           <a:p>
-            <a:pPr marL="431999" indent="-323999">
+            <a:pPr marL="481263" indent="-481263" algn="l">
               <a:spcBef>
-                <a:spcPts val="1400"/>
+                <a:spcPts val="1800"/>
               </a:spcBef>
-              <a:buClr>
-                <a:srgbClr val="000000"/>
-              </a:buClr>
-              <a:buSzPct val="45000"/>
-              <a:buChar char="●"/>
-              <a:defRPr spc="-100" sz="3200"/>
+              <a:buSzPct val="75000"/>
+              <a:buChar char="•"/>
+              <a:defRPr spc="-125" sz="4000"/>
             </a:pPr>
             <a:r>
               <a:t>Select the software libraries that use similar licenses.</a:t>
@@ -5435,21 +4952,17 @@
             <a:endParaRPr spc="-1"/>
           </a:p>
           <a:p>
-            <a:pPr marL="431999" indent="-323999">
+            <a:pPr marL="481263" indent="-481263" algn="l">
               <a:spcBef>
-                <a:spcPts val="1400"/>
+                <a:spcPts val="1800"/>
               </a:spcBef>
-              <a:buClr>
-                <a:srgbClr val="000000"/>
-              </a:buClr>
-              <a:buSzPct val="45000"/>
-              <a:buChar char="●"/>
-              <a:defRPr spc="-100" sz="3200"/>
+              <a:buSzPct val="75000"/>
+              <a:buChar char="•"/>
+              <a:defRPr spc="-125" sz="4000"/>
             </a:pPr>
             <a:r>
-              <a:t>Commercialization strategy (pure support, open toolkits but closed applications, open standards closed implementations, Open platforms, closed plug-ins)</a:t>
-            </a:r>
-            <a:endParaRPr spc="-1"/>
+              <a:t>Commercialization strategy (pure support, open toolkits but closed applications, open standards closed implementations, Open platforms/closed plug-ins)</a:t>
+            </a:r>
           </a:p>
         </p:txBody>
       </p:sp>
@@ -5463,7 +4976,7 @@
 </file>
 
 <file path=ppt/slides/slide22.xml><?xml version="1.0" encoding="utf-8"?>
-<p:sld xmlns:a="http://schemas.openxmlformats.org/drawingml/2006/main" xmlns:r="http://schemas.openxmlformats.org/officeDocument/2006/relationships" xmlns:p="http://schemas.openxmlformats.org/presentationml/2006/main" showMasterSp="1" showMasterPhAnim="1">
+<p:sld xmlns:a="http://schemas.openxmlformats.org/drawingml/2006/main" xmlns:r="http://schemas.openxmlformats.org/officeDocument/2006/relationships" xmlns:p="http://schemas.openxmlformats.org/presentationml/2006/main" xmlns:m="http://schemas.openxmlformats.org/officeDocument/2006/math" xmlns:a14="http://schemas.microsoft.com/office/drawing/2010/main" showMasterSp="1" showMasterPhAnim="1">
   <p:cSld>
     <p:spTree>
       <p:nvGrpSpPr>
@@ -5481,14 +4994,14 @@
       </p:grpSpPr>
       <p:sp>
         <p:nvSpPr>
-          <p:cNvPr id="197" name="TextShape 1"/>
+          <p:cNvPr id="183" name="TextShape 1"/>
           <p:cNvSpPr txBox="1"/>
           <p:nvPr/>
         </p:nvSpPr>
         <p:spPr>
           <a:xfrm>
-            <a:off x="503999" y="624040"/>
-            <a:ext cx="9071642" cy="616720"/>
+            <a:off x="653273" y="778050"/>
+            <a:ext cx="11709278" cy="850901"/>
           </a:xfrm>
           <a:prstGeom prst="rect">
             <a:avLst/>
@@ -5507,8 +5020,8 @@
             <a:spAutoFit/>
           </a:bodyPr>
           <a:lstStyle>
-            <a:lvl1pPr algn="ctr">
-              <a:defRPr spc="-1" sz="4400"/>
+            <a:lvl1pPr>
+              <a:defRPr spc="-1" sz="5600"/>
             </a:lvl1pPr>
           </a:lstStyle>
           <a:p>
@@ -5529,7 +5042,7 @@
 </file>
 
 <file path=ppt/slides/slide3.xml><?xml version="1.0" encoding="utf-8"?>
-<p:sld xmlns:a="http://schemas.openxmlformats.org/drawingml/2006/main" xmlns:r="http://schemas.openxmlformats.org/officeDocument/2006/relationships" xmlns:p="http://schemas.openxmlformats.org/presentationml/2006/main" showMasterSp="1" showMasterPhAnim="1">
+<p:sld xmlns:a="http://schemas.openxmlformats.org/drawingml/2006/main" xmlns:r="http://schemas.openxmlformats.org/officeDocument/2006/relationships" xmlns:p="http://schemas.openxmlformats.org/presentationml/2006/main" xmlns:m="http://schemas.openxmlformats.org/officeDocument/2006/math" xmlns:a14="http://schemas.microsoft.com/office/drawing/2010/main" showMasterSp="1" showMasterPhAnim="1">
   <p:cSld>
     <p:spTree>
       <p:nvGrpSpPr>
@@ -5547,14 +5060,14 @@
       </p:grpSpPr>
       <p:sp>
         <p:nvSpPr>
-          <p:cNvPr id="140" name="TextShape 1"/>
+          <p:cNvPr id="126" name="TextShape 1"/>
           <p:cNvSpPr txBox="1"/>
           <p:nvPr/>
         </p:nvSpPr>
         <p:spPr>
           <a:xfrm>
-            <a:off x="503999" y="624040"/>
-            <a:ext cx="9071642" cy="616720"/>
+            <a:off x="653273" y="778050"/>
+            <a:ext cx="11709278" cy="850901"/>
           </a:xfrm>
           <a:prstGeom prst="rect">
             <a:avLst/>
@@ -5573,8 +5086,8 @@
             <a:spAutoFit/>
           </a:bodyPr>
           <a:lstStyle>
-            <a:lvl1pPr algn="ctr">
-              <a:defRPr spc="-1" sz="4400"/>
+            <a:lvl1pPr>
+              <a:defRPr spc="-1" sz="5600"/>
             </a:lvl1pPr>
           </a:lstStyle>
           <a:p>
@@ -5587,14 +5100,14 @@
       </p:sp>
       <p:sp>
         <p:nvSpPr>
-          <p:cNvPr id="141" name="TextShape 2"/>
+          <p:cNvPr id="127" name="TextShape 2"/>
           <p:cNvSpPr txBox="1"/>
           <p:nvPr/>
         </p:nvSpPr>
         <p:spPr>
           <a:xfrm>
-            <a:off x="503999" y="1769040"/>
-            <a:ext cx="9071642" cy="4384441"/>
+            <a:off x="653273" y="2283399"/>
+            <a:ext cx="11709278" cy="5659245"/>
           </a:xfrm>
           <a:prstGeom prst="rect">
             <a:avLst/>
@@ -5609,18 +5122,18 @@
           </a:extLst>
         </p:spPr>
         <p:txBody>
-          <a:bodyPr lIns="0" tIns="0" rIns="0" bIns="0">
+          <a:bodyPr lIns="0" tIns="0" rIns="0" bIns="0" anchor="ctr">
             <a:normAutofit fontScale="100000" lnSpcReduction="0"/>
           </a:bodyPr>
           <a:lstStyle/>
           <a:p>
-            <a:pPr marL="320842" indent="-320842">
+            <a:pPr marL="481263" indent="-481263" algn="l">
               <a:spcBef>
-                <a:spcPts val="1400"/>
+                <a:spcPts val="1800"/>
               </a:spcBef>
-              <a:buSzPct val="100000"/>
+              <a:buSzPct val="75000"/>
               <a:buChar char="•"/>
-              <a:defRPr spc="-100" sz="3200"/>
+              <a:defRPr spc="-125" sz="4000"/>
             </a:pPr>
             <a:r>
               <a:t>The Cathedral and the Bazaar by Eric Raymond</a:t>
@@ -5628,24 +5141,16 @@
             <a:endParaRPr spc="-1"/>
           </a:p>
           <a:p>
-            <a:pPr lvl="1" marL="701842" indent="-320842">
+            <a:pPr lvl="1" marL="938463" indent="-481263" algn="l">
               <a:spcBef>
-                <a:spcPts val="1400"/>
+                <a:spcPts val="1800"/>
               </a:spcBef>
-              <a:buSzPct val="100000"/>
+              <a:buSzPct val="75000"/>
               <a:buChar char="•"/>
-              <a:defRPr spc="-100" sz="3200"/>
+              <a:defRPr spc="-125" sz="4000"/>
             </a:pPr>
             <a:r>
               <a:rPr u="sng">
-                <a:solidFill>
-                  <a:srgbClr val="0000FF"/>
-                </a:solidFill>
-                <a:uFill>
-                  <a:solidFill>
-                    <a:srgbClr val="0000FF"/>
-                  </a:solidFill>
-                </a:uFill>
                 <a:hlinkClick r:id="rId2" invalidUrl="" action="" tgtFrame="" tooltip="" history="1" highlightClick="0" endSnd="0"/>
               </a:rPr>
               <a:t>http://www.unterstein.net/su/docs/CathBaz.pdf</a:t>
@@ -5653,26 +5158,26 @@
             <a:endParaRPr spc="-1"/>
           </a:p>
           <a:p>
-            <a:pPr lvl="1" marL="701842" indent="-320842">
+            <a:pPr lvl="1" marL="938463" indent="-481263" algn="l">
               <a:spcBef>
-                <a:spcPts val="1400"/>
+                <a:spcPts val="1800"/>
               </a:spcBef>
-              <a:buSzPct val="100000"/>
+              <a:buSzPct val="75000"/>
               <a:buChar char="•"/>
-              <a:defRPr spc="-100" sz="3200"/>
+              <a:defRPr spc="-125" sz="4000"/>
             </a:pPr>
             <a:r>
               <a:t>Sections 1,2,3, 4 and 9</a:t>
             </a:r>
           </a:p>
           <a:p>
-            <a:pPr marL="320842" indent="-320842">
+            <a:pPr marL="481263" indent="-481263" algn="l">
               <a:spcBef>
-                <a:spcPts val="1400"/>
+                <a:spcPts val="1800"/>
               </a:spcBef>
-              <a:buSzPct val="100000"/>
+              <a:buSzPct val="75000"/>
               <a:buChar char="•"/>
-              <a:defRPr spc="-100" sz="3200"/>
+              <a:defRPr spc="-125" sz="4000"/>
             </a:pPr>
             <a:r>
               <a:t>Free Culture (Introduction and Chapter 4) Find out where RPI is mentioned! </a:t>
@@ -5680,24 +5185,16 @@
             <a:endParaRPr spc="-1"/>
           </a:p>
           <a:p>
-            <a:pPr lvl="2" marL="1082842" indent="-320842">
+            <a:pPr lvl="2" marL="1395663" indent="-481263" algn="l">
               <a:spcBef>
-                <a:spcPts val="1400"/>
+                <a:spcPts val="1800"/>
               </a:spcBef>
-              <a:buSzPct val="100000"/>
+              <a:buSzPct val="75000"/>
               <a:buChar char="•"/>
-              <a:defRPr spc="-100" sz="3200"/>
+              <a:defRPr spc="-125" sz="4000"/>
             </a:pPr>
             <a:r>
               <a:rPr u="sng">
-                <a:solidFill>
-                  <a:srgbClr val="0000FF"/>
-                </a:solidFill>
-                <a:uFill>
-                  <a:solidFill>
-                    <a:srgbClr val="0000FF"/>
-                  </a:solidFill>
-                </a:uFill>
                 <a:hlinkClick r:id="rId3" invalidUrl="" action="" tgtFrame="" tooltip="" history="1" highlightClick="0" endSnd="0"/>
               </a:rPr>
               <a:t>http://www.free-culture.cc/freeculture.pdf</a:t>
@@ -5715,7 +5212,7 @@
 </file>
 
 <file path=ppt/slides/slide4.xml><?xml version="1.0" encoding="utf-8"?>
-<p:sld xmlns:a="http://schemas.openxmlformats.org/drawingml/2006/main" xmlns:r="http://schemas.openxmlformats.org/officeDocument/2006/relationships" xmlns:p="http://schemas.openxmlformats.org/presentationml/2006/main" showMasterSp="1" showMasterPhAnim="1">
+<p:sld xmlns:a="http://schemas.openxmlformats.org/drawingml/2006/main" xmlns:r="http://schemas.openxmlformats.org/officeDocument/2006/relationships" xmlns:p="http://schemas.openxmlformats.org/presentationml/2006/main" xmlns:m="http://schemas.openxmlformats.org/officeDocument/2006/math" xmlns:a14="http://schemas.microsoft.com/office/drawing/2010/main" showMasterSp="1" showMasterPhAnim="1">
   <p:cSld>
     <p:spTree>
       <p:nvGrpSpPr>
@@ -5733,14 +5230,14 @@
       </p:grpSpPr>
       <p:sp>
         <p:nvSpPr>
-          <p:cNvPr id="143" name="TextShape 1"/>
+          <p:cNvPr id="129" name="TextShape 1"/>
           <p:cNvSpPr txBox="1"/>
           <p:nvPr/>
         </p:nvSpPr>
         <p:spPr>
           <a:xfrm>
-            <a:off x="503999" y="624040"/>
-            <a:ext cx="9071642" cy="616720"/>
+            <a:off x="653273" y="778050"/>
+            <a:ext cx="11709278" cy="850901"/>
           </a:xfrm>
           <a:prstGeom prst="rect">
             <a:avLst/>
@@ -5759,8 +5256,8 @@
             <a:spAutoFit/>
           </a:bodyPr>
           <a:lstStyle>
-            <a:lvl1pPr algn="ctr">
-              <a:defRPr spc="-1" sz="4400"/>
+            <a:lvl1pPr>
+              <a:defRPr spc="-1" sz="5600"/>
             </a:lvl1pPr>
           </a:lstStyle>
           <a:p>
@@ -5773,14 +5270,14 @@
       </p:sp>
       <p:sp>
         <p:nvSpPr>
-          <p:cNvPr id="144" name="TextShape 2"/>
+          <p:cNvPr id="130" name="TextShape 2"/>
           <p:cNvSpPr txBox="1"/>
           <p:nvPr/>
         </p:nvSpPr>
         <p:spPr>
           <a:xfrm>
-            <a:off x="503999" y="1769040"/>
-            <a:ext cx="9071642" cy="4384441"/>
+            <a:off x="653273" y="2283399"/>
+            <a:ext cx="11709278" cy="5659245"/>
           </a:xfrm>
           <a:prstGeom prst="rect">
             <a:avLst/>
@@ -5795,21 +5292,18 @@
           </a:extLst>
         </p:spPr>
         <p:txBody>
-          <a:bodyPr lIns="0" tIns="0" rIns="0" bIns="0">
+          <a:bodyPr lIns="0" tIns="0" rIns="0" bIns="0" anchor="ctr">
             <a:normAutofit fontScale="100000" lnSpcReduction="0"/>
           </a:bodyPr>
           <a:lstStyle/>
           <a:p>
-            <a:pPr marL="431999" indent="-323999">
+            <a:pPr marL="481263" indent="-481263" algn="l">
               <a:spcBef>
-                <a:spcPts val="1400"/>
+                <a:spcPts val="1800"/>
               </a:spcBef>
-              <a:buClr>
-                <a:srgbClr val="000000"/>
-              </a:buClr>
-              <a:buSzPct val="45000"/>
-              <a:buChar char="●"/>
-              <a:defRPr spc="-100" sz="3200"/>
+              <a:buSzPct val="75000"/>
+              <a:buChar char="•"/>
+              <a:defRPr spc="-125" sz="4000"/>
             </a:pPr>
             <a:r>
               <a:t>Why Open Source?</a:t>
@@ -5817,16 +5311,13 @@
             <a:endParaRPr spc="-1"/>
           </a:p>
           <a:p>
-            <a:pPr marL="431999" indent="-323999">
+            <a:pPr marL="481263" indent="-481263" algn="l">
               <a:spcBef>
-                <a:spcPts val="1400"/>
+                <a:spcPts val="1800"/>
               </a:spcBef>
-              <a:buClr>
-                <a:srgbClr val="000000"/>
-              </a:buClr>
-              <a:buSzPct val="45000"/>
-              <a:buChar char="●"/>
-              <a:defRPr spc="-100" sz="3200"/>
+              <a:buSzPct val="75000"/>
+              <a:buChar char="•"/>
+              <a:defRPr spc="-125" sz="4000"/>
             </a:pPr>
             <a:r>
               <a:t>Why not Open Source?</a:t>
@@ -5834,21 +5325,31 @@
             <a:endParaRPr spc="-1"/>
           </a:p>
           <a:p>
-            <a:pPr marL="431999" indent="-323999">
+            <a:pPr marL="481263" indent="-481263" algn="l">
               <a:spcBef>
-                <a:spcPts val="1400"/>
+                <a:spcPts val="1800"/>
               </a:spcBef>
-              <a:buClr>
-                <a:srgbClr val="000000"/>
-              </a:buClr>
-              <a:buSzPct val="45000"/>
-              <a:buChar char="●"/>
-              <a:defRPr spc="-100" sz="3200"/>
+              <a:buSzPct val="75000"/>
+              <a:buChar char="•"/>
+              <a:defRPr spc="-125" sz="4000"/>
             </a:pPr>
             <a:r>
               <a:t>Difference between Open Source and Free Software</a:t>
             </a:r>
-            <a:endParaRPr spc="-1"/>
+          </a:p>
+          <a:p>
+            <a:pPr lvl="1" marL="938463" indent="-481263" algn="l">
+              <a:spcBef>
+                <a:spcPts val="1800"/>
+              </a:spcBef>
+              <a:buSzPct val="75000"/>
+              <a:buChar char="•"/>
+              <a:defRPr spc="-125" sz="4000"/>
+            </a:pPr>
+            <a:r>
+              <a:rPr spc="-1"/>
+              <a:t>http://askubuntu.com/questions/78958/is-there-a-difference-between-free-software-and-open-source-software</a:t>
+            </a:r>
           </a:p>
         </p:txBody>
       </p:sp>
@@ -5862,7 +5363,7 @@
 </file>
 
 <file path=ppt/slides/slide5.xml><?xml version="1.0" encoding="utf-8"?>
-<p:sld xmlns:a="http://schemas.openxmlformats.org/drawingml/2006/main" xmlns:r="http://schemas.openxmlformats.org/officeDocument/2006/relationships" xmlns:p="http://schemas.openxmlformats.org/presentationml/2006/main" showMasterSp="1" showMasterPhAnim="1">
+<p:sld xmlns:a="http://schemas.openxmlformats.org/drawingml/2006/main" xmlns:r="http://schemas.openxmlformats.org/officeDocument/2006/relationships" xmlns:p="http://schemas.openxmlformats.org/presentationml/2006/main" xmlns:m="http://schemas.openxmlformats.org/officeDocument/2006/math" xmlns:a14="http://schemas.microsoft.com/office/drawing/2010/main" showMasterSp="1" showMasterPhAnim="1">
   <p:cSld>
     <p:spTree>
       <p:nvGrpSpPr>
@@ -5880,14 +5381,14 @@
       </p:grpSpPr>
       <p:sp>
         <p:nvSpPr>
-          <p:cNvPr id="146" name="TextShape 1"/>
+          <p:cNvPr id="132" name="TextShape 1"/>
           <p:cNvSpPr txBox="1"/>
           <p:nvPr/>
         </p:nvSpPr>
         <p:spPr>
           <a:xfrm>
-            <a:off x="503999" y="624040"/>
-            <a:ext cx="9071642" cy="616720"/>
+            <a:off x="653273" y="778050"/>
+            <a:ext cx="11709278" cy="850901"/>
           </a:xfrm>
           <a:prstGeom prst="rect">
             <a:avLst/>
@@ -5906,8 +5407,8 @@
             <a:spAutoFit/>
           </a:bodyPr>
           <a:lstStyle>
-            <a:lvl1pPr algn="ctr">
-              <a:defRPr spc="-1" sz="4400"/>
+            <a:lvl1pPr>
+              <a:defRPr spc="-1" sz="5600"/>
             </a:lvl1pPr>
           </a:lstStyle>
           <a:p>
@@ -5920,14 +5421,14 @@
       </p:sp>
       <p:sp>
         <p:nvSpPr>
-          <p:cNvPr id="147" name="TextShape 2"/>
+          <p:cNvPr id="133" name="TextShape 2"/>
           <p:cNvSpPr txBox="1"/>
           <p:nvPr/>
         </p:nvSpPr>
         <p:spPr>
           <a:xfrm>
-            <a:off x="503999" y="1769040"/>
-            <a:ext cx="9071642" cy="4384441"/>
+            <a:off x="653273" y="2283399"/>
+            <a:ext cx="11709278" cy="5659245"/>
           </a:xfrm>
           <a:prstGeom prst="rect">
             <a:avLst/>
@@ -5942,21 +5443,18 @@
           </a:extLst>
         </p:spPr>
         <p:txBody>
-          <a:bodyPr lIns="0" tIns="0" rIns="0" bIns="0">
+          <a:bodyPr lIns="0" tIns="0" rIns="0" bIns="0" anchor="ctr">
             <a:normAutofit fontScale="100000" lnSpcReduction="0"/>
           </a:bodyPr>
           <a:lstStyle/>
           <a:p>
-            <a:pPr marL="431999" indent="-323999">
+            <a:pPr marL="481263" indent="-481263" algn="l">
               <a:spcBef>
-                <a:spcPts val="1400"/>
+                <a:spcPts val="1800"/>
               </a:spcBef>
-              <a:buClr>
-                <a:srgbClr val="000000"/>
-              </a:buClr>
-              <a:buSzPct val="45000"/>
-              <a:buChar char="●"/>
-              <a:defRPr spc="-100" sz="3200"/>
+              <a:buSzPct val="75000"/>
+              <a:buChar char="•"/>
+              <a:defRPr spc="-125" sz="4000"/>
             </a:pPr>
             <a:r>
               <a:t>Fun (Form Communities, Engage in a hobby, Learning Experience)</a:t>
@@ -5964,16 +5462,13 @@
             <a:endParaRPr spc="-1"/>
           </a:p>
           <a:p>
-            <a:pPr marL="431999" indent="-323999">
+            <a:pPr marL="481263" indent="-481263" algn="l">
               <a:spcBef>
-                <a:spcPts val="1400"/>
+                <a:spcPts val="1800"/>
               </a:spcBef>
-              <a:buClr>
-                <a:srgbClr val="000000"/>
-              </a:buClr>
-              <a:buSzPct val="45000"/>
-              <a:buChar char="●"/>
-              <a:defRPr spc="-100" sz="3200"/>
+              <a:buSzPct val="75000"/>
+              <a:buChar char="•"/>
+              <a:defRPr spc="-125" sz="4000"/>
             </a:pPr>
             <a:r>
               <a:t>Profitable and Successful Business Models (Red Hat, inc , Cygnus Solutions, Service Oriented Business Model)</a:t>
@@ -5981,16 +5476,13 @@
             <a:endParaRPr spc="-1"/>
           </a:p>
           <a:p>
-            <a:pPr marL="431999" indent="-323999">
+            <a:pPr marL="481263" indent="-481263" algn="l">
               <a:spcBef>
-                <a:spcPts val="1400"/>
+                <a:spcPts val="1800"/>
               </a:spcBef>
-              <a:buClr>
-                <a:srgbClr val="000000"/>
-              </a:buClr>
-              <a:buSzPct val="45000"/>
-              <a:buChar char="●"/>
-              <a:defRPr spc="-100" sz="3200"/>
+              <a:buSzPct val="75000"/>
+              <a:buChar char="•"/>
+              <a:defRPr spc="-125" sz="4000"/>
             </a:pPr>
             <a:r>
               <a:t>Altruism – serve the planet – If the world improves, you improve</a:t>
@@ -6008,7 +5500,7 @@
 </file>
 
 <file path=ppt/slides/slide6.xml><?xml version="1.0" encoding="utf-8"?>
-<p:sld xmlns:a="http://schemas.openxmlformats.org/drawingml/2006/main" xmlns:r="http://schemas.openxmlformats.org/officeDocument/2006/relationships" xmlns:p="http://schemas.openxmlformats.org/presentationml/2006/main" showMasterSp="1" showMasterPhAnim="1">
+<p:sld xmlns:a="http://schemas.openxmlformats.org/drawingml/2006/main" xmlns:r="http://schemas.openxmlformats.org/officeDocument/2006/relationships" xmlns:p="http://schemas.openxmlformats.org/presentationml/2006/main" xmlns:m="http://schemas.openxmlformats.org/officeDocument/2006/math" xmlns:a14="http://schemas.microsoft.com/office/drawing/2010/main" showMasterSp="1" showMasterPhAnim="1">
   <p:cSld>
     <p:spTree>
       <p:nvGrpSpPr>
@@ -6026,14 +5518,14 @@
       </p:grpSpPr>
       <p:sp>
         <p:nvSpPr>
-          <p:cNvPr id="149" name="TextShape 1"/>
+          <p:cNvPr id="135" name="TextShape 1"/>
           <p:cNvSpPr txBox="1"/>
           <p:nvPr/>
         </p:nvSpPr>
         <p:spPr>
           <a:xfrm>
-            <a:off x="503999" y="624040"/>
-            <a:ext cx="9071642" cy="616720"/>
+            <a:off x="653273" y="778050"/>
+            <a:ext cx="11709278" cy="850901"/>
           </a:xfrm>
           <a:prstGeom prst="rect">
             <a:avLst/>
@@ -6052,8 +5544,8 @@
             <a:spAutoFit/>
           </a:bodyPr>
           <a:lstStyle>
-            <a:lvl1pPr algn="ctr">
-              <a:defRPr spc="-1" sz="4400"/>
+            <a:lvl1pPr>
+              <a:defRPr spc="-1" sz="5600"/>
             </a:lvl1pPr>
           </a:lstStyle>
           <a:p>
@@ -6066,14 +5558,14 @@
       </p:sp>
       <p:sp>
         <p:nvSpPr>
-          <p:cNvPr id="150" name="TextShape 2"/>
+          <p:cNvPr id="136" name="TextShape 2"/>
           <p:cNvSpPr txBox="1"/>
           <p:nvPr/>
         </p:nvSpPr>
         <p:spPr>
           <a:xfrm>
-            <a:off x="503999" y="1769040"/>
-            <a:ext cx="9071642" cy="4384441"/>
+            <a:off x="653273" y="2283399"/>
+            <a:ext cx="11709278" cy="5659245"/>
           </a:xfrm>
           <a:prstGeom prst="rect">
             <a:avLst/>
@@ -6088,21 +5580,18 @@
           </a:extLst>
         </p:spPr>
         <p:txBody>
-          <a:bodyPr lIns="0" tIns="0" rIns="0" bIns="0">
+          <a:bodyPr lIns="0" tIns="0" rIns="0" bIns="0" anchor="ctr">
             <a:normAutofit fontScale="100000" lnSpcReduction="0"/>
           </a:bodyPr>
           <a:lstStyle/>
           <a:p>
-            <a:pPr marL="431999" indent="-323999">
+            <a:pPr marL="481263" indent="-481263" algn="l">
               <a:spcBef>
-                <a:spcPts val="1400"/>
+                <a:spcPts val="1800"/>
               </a:spcBef>
-              <a:buClr>
-                <a:srgbClr val="000000"/>
-              </a:buClr>
-              <a:buSzPct val="45000"/>
-              <a:buChar char="●"/>
-              <a:defRPr spc="-100" sz="3200"/>
+              <a:buSzPct val="75000"/>
+              <a:buChar char="•"/>
+              <a:defRPr spc="-125" sz="4000"/>
             </a:pPr>
             <a:r>
               <a:t>Open Science and Engineering (Open – Access to Data, Open – Access to Source Code, Collaboration oriented)</a:t>
@@ -6110,16 +5599,13 @@
             <a:endParaRPr spc="-1"/>
           </a:p>
           <a:p>
-            <a:pPr marL="431999" indent="-323999">
+            <a:pPr marL="481263" indent="-481263" algn="l">
               <a:spcBef>
-                <a:spcPts val="1400"/>
+                <a:spcPts val="1800"/>
               </a:spcBef>
-              <a:buClr>
-                <a:srgbClr val="000000"/>
-              </a:buClr>
-              <a:buSzPct val="45000"/>
-              <a:buChar char="●"/>
-              <a:defRPr spc="-100" sz="3200"/>
+              <a:buSzPct val="75000"/>
+              <a:buChar char="•"/>
+              <a:defRPr spc="-125" sz="4000"/>
             </a:pPr>
             <a:r>
               <a:t>Intellectual Freedom (idea is a property – if and when that gets patented, you no longer have the freedom)</a:t>
@@ -6127,19 +5613,16 @@
             <a:endParaRPr spc="-1"/>
           </a:p>
           <a:p>
-            <a:pPr marL="431999" indent="-323999">
+            <a:pPr marL="481263" indent="-481263" algn="l">
               <a:spcBef>
-                <a:spcPts val="1400"/>
+                <a:spcPts val="1800"/>
               </a:spcBef>
-              <a:buClr>
-                <a:srgbClr val="000000"/>
-              </a:buClr>
-              <a:buSzPct val="45000"/>
-              <a:buChar char="●"/>
-              <a:defRPr spc="-100" sz="3200"/>
+              <a:buSzPct val="75000"/>
+              <a:buChar char="•"/>
+              <a:defRPr spc="-125" sz="4000"/>
             </a:pPr>
             <a:r>
-              <a:t>Open Medicine (data, Chemical Compound, Effectiveness of Treatment)</a:t>
+              <a:t>Open Medicine (Data, Chemical Compound, Effectiveness of Treatment)</a:t>
             </a:r>
           </a:p>
         </p:txBody>
@@ -6154,7 +5637,7 @@
 </file>
 
 <file path=ppt/slides/slide7.xml><?xml version="1.0" encoding="utf-8"?>
-<p:sld xmlns:a="http://schemas.openxmlformats.org/drawingml/2006/main" xmlns:r="http://schemas.openxmlformats.org/officeDocument/2006/relationships" xmlns:p="http://schemas.openxmlformats.org/presentationml/2006/main" showMasterSp="1" showMasterPhAnim="1">
+<p:sld xmlns:a="http://schemas.openxmlformats.org/drawingml/2006/main" xmlns:r="http://schemas.openxmlformats.org/officeDocument/2006/relationships" xmlns:p="http://schemas.openxmlformats.org/presentationml/2006/main" xmlns:m="http://schemas.openxmlformats.org/officeDocument/2006/math" xmlns:a14="http://schemas.microsoft.com/office/drawing/2010/main" showMasterSp="1" showMasterPhAnim="1">
   <p:cSld>
     <p:spTree>
       <p:nvGrpSpPr>
@@ -6172,14 +5655,14 @@
       </p:grpSpPr>
       <p:sp>
         <p:nvSpPr>
-          <p:cNvPr id="152" name="TextShape 1"/>
+          <p:cNvPr id="138" name="TextShape 1"/>
           <p:cNvSpPr txBox="1"/>
           <p:nvPr/>
         </p:nvSpPr>
         <p:spPr>
           <a:xfrm>
-            <a:off x="503999" y="624040"/>
-            <a:ext cx="9071642" cy="616720"/>
+            <a:off x="653273" y="778050"/>
+            <a:ext cx="11709278" cy="850901"/>
           </a:xfrm>
           <a:prstGeom prst="rect">
             <a:avLst/>
@@ -6198,8 +5681,8 @@
             <a:spAutoFit/>
           </a:bodyPr>
           <a:lstStyle>
-            <a:lvl1pPr algn="ctr">
-              <a:defRPr spc="-1" sz="4400"/>
+            <a:lvl1pPr>
+              <a:defRPr spc="-1" sz="5600"/>
             </a:lvl1pPr>
           </a:lstStyle>
           <a:p>
@@ -6212,14 +5695,14 @@
       </p:sp>
       <p:sp>
         <p:nvSpPr>
-          <p:cNvPr id="153" name="TextShape 2"/>
+          <p:cNvPr id="139" name="TextShape 2"/>
           <p:cNvSpPr txBox="1"/>
           <p:nvPr/>
         </p:nvSpPr>
         <p:spPr>
           <a:xfrm>
-            <a:off x="503999" y="1769040"/>
-            <a:ext cx="9071642" cy="4384441"/>
+            <a:off x="653273" y="2283399"/>
+            <a:ext cx="11709278" cy="5659245"/>
           </a:xfrm>
           <a:prstGeom prst="rect">
             <a:avLst/>
@@ -6234,69 +5717,51 @@
           </a:extLst>
         </p:spPr>
         <p:txBody>
-          <a:bodyPr lIns="0" tIns="0" rIns="0" bIns="0">
+          <a:bodyPr lIns="0" tIns="0" rIns="0" bIns="0" anchor="ctr">
             <a:normAutofit fontScale="100000" lnSpcReduction="0"/>
           </a:bodyPr>
-          <a:lstStyle/>
-          <a:p>
-            <a:pPr marL="431999" indent="-323999">
+          <a:lstStyle>
+            <a:lvl1pPr marL="481263" indent="-481263" algn="l">
               <a:spcBef>
-                <a:spcPts val="1400"/>
+                <a:spcPts val="1800"/>
               </a:spcBef>
-              <a:buClr>
-                <a:srgbClr val="000000"/>
-              </a:buClr>
-              <a:buSzPct val="45000"/>
-              <a:buChar char="●"/>
-              <a:defRPr spc="-100" sz="3200"/>
-            </a:pPr>
+              <a:buSzPct val="75000"/>
+              <a:buChar char="•"/>
+              <a:defRPr spc="-125" sz="4000"/>
+            </a:lvl1pPr>
+            <a:lvl2pPr marL="938463" indent="-481263" algn="l">
+              <a:spcBef>
+                <a:spcPts val="1800"/>
+              </a:spcBef>
+              <a:buSzPct val="75000"/>
+              <a:buChar char="•"/>
+              <a:defRPr spc="-125" sz="4000"/>
+            </a:lvl2pPr>
+            <a:lvl3pPr marL="1395663" indent="-481263" algn="l">
+              <a:spcBef>
+                <a:spcPts val="1800"/>
+              </a:spcBef>
+              <a:buSzPct val="75000"/>
+              <a:buChar char="•"/>
+              <a:defRPr spc="-125" sz="4000"/>
+            </a:lvl3pPr>
+          </a:lstStyle>
+          <a:p>
+            <a:pPr/>
             <a:r>
               <a:t>Scalable Software Development </a:t>
             </a:r>
             <a:endParaRPr spc="-1"/>
           </a:p>
           <a:p>
-            <a:pPr marL="431999" indent="-323999">
-              <a:spcBef>
-                <a:spcPts val="1400"/>
-              </a:spcBef>
-              <a:buClr>
-                <a:srgbClr val="000000"/>
-              </a:buClr>
-              <a:buSzPct val="45000"/>
-              <a:buChar char="●"/>
-              <a:defRPr spc="-1" sz="3200"/>
-            </a:pPr>
-          </a:p>
-          <a:p>
-            <a:pPr marL="431999" indent="-323999">
-              <a:spcBef>
-                <a:spcPts val="1400"/>
-              </a:spcBef>
-              <a:buClr>
-                <a:srgbClr val="000000"/>
-              </a:buClr>
-              <a:buSzPct val="45000"/>
-              <a:buChar char="●"/>
-              <a:defRPr spc="-100" sz="3200"/>
-            </a:pPr>
+            <a:pPr lvl="1"/>
             <a:r>
               <a:t>Eric Raymond's The Cathedral and The Bazaar</a:t>
             </a:r>
             <a:endParaRPr spc="-1"/>
           </a:p>
           <a:p>
-            <a:pPr marL="431999" indent="-323999">
-              <a:spcBef>
-                <a:spcPts val="1400"/>
-              </a:spcBef>
-              <a:buClr>
-                <a:srgbClr val="000000"/>
-              </a:buClr>
-              <a:buSzPct val="45000"/>
-              <a:buChar char="●"/>
-              <a:defRPr spc="-100" sz="3200"/>
-            </a:pPr>
+            <a:pPr lvl="2"/>
             <a:r>
               <a:t> “ Open source peer review is the only scalable method for achieving high reliability and quality”</a:t>
             </a:r>
@@ -6313,7 +5778,7 @@
 </file>
 
 <file path=ppt/slides/slide8.xml><?xml version="1.0" encoding="utf-8"?>
-<p:sld xmlns:a="http://schemas.openxmlformats.org/drawingml/2006/main" xmlns:r="http://schemas.openxmlformats.org/officeDocument/2006/relationships" xmlns:p="http://schemas.openxmlformats.org/presentationml/2006/main" showMasterSp="1" showMasterPhAnim="1">
+<p:sld xmlns:a="http://schemas.openxmlformats.org/drawingml/2006/main" xmlns:r="http://schemas.openxmlformats.org/officeDocument/2006/relationships" xmlns:p="http://schemas.openxmlformats.org/presentationml/2006/main" xmlns:m="http://schemas.openxmlformats.org/officeDocument/2006/math" xmlns:a14="http://schemas.microsoft.com/office/drawing/2010/main" showMasterSp="1" showMasterPhAnim="1">
   <p:cSld>
     <p:spTree>
       <p:nvGrpSpPr>
@@ -6331,14 +5796,14 @@
       </p:grpSpPr>
       <p:sp>
         <p:nvSpPr>
-          <p:cNvPr id="155" name="TextShape 1"/>
+          <p:cNvPr id="141" name="TextShape 1"/>
           <p:cNvSpPr txBox="1"/>
           <p:nvPr/>
         </p:nvSpPr>
         <p:spPr>
           <a:xfrm>
-            <a:off x="503999" y="624040"/>
-            <a:ext cx="9071642" cy="616720"/>
+            <a:off x="653273" y="778050"/>
+            <a:ext cx="11709278" cy="850901"/>
           </a:xfrm>
           <a:prstGeom prst="rect">
             <a:avLst/>
@@ -6357,8 +5822,8 @@
             <a:spAutoFit/>
           </a:bodyPr>
           <a:lstStyle>
-            <a:lvl1pPr algn="ctr">
-              <a:defRPr spc="-1" sz="4400"/>
+            <a:lvl1pPr>
+              <a:defRPr spc="-1" sz="5600"/>
             </a:lvl1pPr>
           </a:lstStyle>
           <a:p>
@@ -6371,14 +5836,14 @@
       </p:sp>
       <p:sp>
         <p:nvSpPr>
-          <p:cNvPr id="156" name="TextShape 2"/>
+          <p:cNvPr id="142" name="TextShape 2"/>
           <p:cNvSpPr txBox="1"/>
           <p:nvPr/>
         </p:nvSpPr>
         <p:spPr>
           <a:xfrm>
-            <a:off x="503999" y="1769040"/>
-            <a:ext cx="9071642" cy="4384441"/>
+            <a:off x="653273" y="2283399"/>
+            <a:ext cx="11709278" cy="5659245"/>
           </a:xfrm>
           <a:prstGeom prst="rect">
             <a:avLst/>
@@ -6393,21 +5858,18 @@
           </a:extLst>
         </p:spPr>
         <p:txBody>
-          <a:bodyPr lIns="0" tIns="0" rIns="0" bIns="0">
+          <a:bodyPr lIns="0" tIns="0" rIns="0" bIns="0" anchor="ctr">
             <a:normAutofit fontScale="100000" lnSpcReduction="0"/>
           </a:bodyPr>
           <a:lstStyle/>
           <a:p>
-            <a:pPr marL="431999" indent="-323999">
+            <a:pPr marL="481263" indent="-481263" algn="l">
               <a:spcBef>
-                <a:spcPts val="1400"/>
+                <a:spcPts val="1800"/>
               </a:spcBef>
-              <a:buClr>
-                <a:srgbClr val="000000"/>
-              </a:buClr>
-              <a:buSzPct val="45000"/>
-              <a:buChar char="●"/>
-              <a:defRPr spc="-100" sz="3200"/>
+              <a:buSzPct val="75000"/>
+              <a:buChar char="•"/>
+              <a:defRPr spc="-125" sz="4000"/>
             </a:pPr>
             <a:r>
               <a:t>Cathedral Model (commercial world ) - done by a single person or by a chosen committee</a:t>
@@ -6415,16 +5877,13 @@
             <a:endParaRPr spc="-1"/>
           </a:p>
           <a:p>
-            <a:pPr marL="431999" indent="-323999">
+            <a:pPr marL="481263" indent="-481263" algn="l">
               <a:spcBef>
-                <a:spcPts val="1400"/>
+                <a:spcPts val="1800"/>
               </a:spcBef>
-              <a:buClr>
-                <a:srgbClr val="000000"/>
-              </a:buClr>
-              <a:buSzPct val="45000"/>
-              <a:buChar char="●"/>
-              <a:defRPr spc="-100" sz="3200"/>
+              <a:buSzPct val="75000"/>
+              <a:buChar char="•"/>
+              <a:defRPr spc="-125" sz="4000"/>
             </a:pPr>
             <a:r>
               <a:t>Bazaar Model (linux world) – contribution by people – but used in alpha, pre alpha stage by a lot of people – Release early and release often</a:t>
@@ -6442,7 +5901,7 @@
 </file>
 
 <file path=ppt/slides/slide9.xml><?xml version="1.0" encoding="utf-8"?>
-<p:sld xmlns:a="http://schemas.openxmlformats.org/drawingml/2006/main" xmlns:r="http://schemas.openxmlformats.org/officeDocument/2006/relationships" xmlns:p="http://schemas.openxmlformats.org/presentationml/2006/main" showMasterSp="1" showMasterPhAnim="1">
+<p:sld xmlns:a="http://schemas.openxmlformats.org/drawingml/2006/main" xmlns:r="http://schemas.openxmlformats.org/officeDocument/2006/relationships" xmlns:p="http://schemas.openxmlformats.org/presentationml/2006/main" xmlns:m="http://schemas.openxmlformats.org/officeDocument/2006/math" xmlns:a14="http://schemas.microsoft.com/office/drawing/2010/main" showMasterSp="1" showMasterPhAnim="1">
   <p:cSld>
     <p:spTree>
       <p:nvGrpSpPr>
@@ -6460,14 +5919,14 @@
       </p:grpSpPr>
       <p:sp>
         <p:nvSpPr>
-          <p:cNvPr id="158" name="TextShape 1"/>
+          <p:cNvPr id="144" name="TextShape 1"/>
           <p:cNvSpPr txBox="1"/>
           <p:nvPr/>
         </p:nvSpPr>
         <p:spPr>
           <a:xfrm>
-            <a:off x="503999" y="624040"/>
-            <a:ext cx="9071642" cy="616720"/>
+            <a:off x="653273" y="778050"/>
+            <a:ext cx="11709278" cy="850901"/>
           </a:xfrm>
           <a:prstGeom prst="rect">
             <a:avLst/>
@@ -6486,8 +5945,8 @@
             <a:spAutoFit/>
           </a:bodyPr>
           <a:lstStyle>
-            <a:lvl1pPr algn="ctr">
-              <a:defRPr spc="-1" sz="4400"/>
+            <a:lvl1pPr>
+              <a:defRPr spc="-1" sz="5600"/>
             </a:lvl1pPr>
           </a:lstStyle>
           <a:p>
@@ -6500,14 +5959,14 @@
       </p:sp>
       <p:sp>
         <p:nvSpPr>
-          <p:cNvPr id="159" name="TextShape 2"/>
+          <p:cNvPr id="145" name="TextShape 2"/>
           <p:cNvSpPr txBox="1"/>
           <p:nvPr/>
         </p:nvSpPr>
         <p:spPr>
           <a:xfrm>
-            <a:off x="503999" y="1769040"/>
-            <a:ext cx="9071642" cy="4384441"/>
+            <a:off x="653273" y="2283399"/>
+            <a:ext cx="11709278" cy="5659245"/>
           </a:xfrm>
           <a:prstGeom prst="rect">
             <a:avLst/>
@@ -6522,21 +5981,18 @@
           </a:extLst>
         </p:spPr>
         <p:txBody>
-          <a:bodyPr lIns="0" tIns="0" rIns="0" bIns="0">
+          <a:bodyPr lIns="0" tIns="0" rIns="0" bIns="0" anchor="ctr">
             <a:normAutofit fontScale="100000" lnSpcReduction="0"/>
           </a:bodyPr>
           <a:lstStyle/>
           <a:p>
-            <a:pPr marL="431999" indent="-323999">
+            <a:pPr marL="481263" indent="-481263" algn="l">
               <a:spcBef>
-                <a:spcPts val="1400"/>
+                <a:spcPts val="1800"/>
               </a:spcBef>
-              <a:buClr>
-                <a:srgbClr val="000000"/>
-              </a:buClr>
-              <a:buSzPct val="45000"/>
-              <a:buChar char="●"/>
-              <a:defRPr spc="-100" sz="3200"/>
+              <a:buSzPct val="75000"/>
+              <a:buChar char="•"/>
+              <a:defRPr spc="-125" sz="4000"/>
             </a:pPr>
             <a:r>
               <a:t>Every Good Work of Software starts by scratching a developer's itch. - Most students projects tend to be on games!</a:t>
@@ -6544,16 +6000,13 @@
             <a:endParaRPr spc="-1"/>
           </a:p>
           <a:p>
-            <a:pPr marL="431999" indent="-323999">
+            <a:pPr marL="481263" indent="-481263" algn="l">
               <a:spcBef>
-                <a:spcPts val="1400"/>
+                <a:spcPts val="1800"/>
               </a:spcBef>
-              <a:buClr>
-                <a:srgbClr val="000000"/>
-              </a:buClr>
-              <a:buSzPct val="45000"/>
-              <a:buChar char="●"/>
-              <a:defRPr spc="-100" sz="3200"/>
+              <a:buSzPct val="75000"/>
+              <a:buChar char="•"/>
+              <a:defRPr spc="-125" sz="4000"/>
             </a:pPr>
             <a:r>
               <a:t>Good Programmers know what to write; Great ones know what to rewrite and reuse!</a:t>
@@ -6561,16 +6014,13 @@
             <a:endParaRPr spc="-1"/>
           </a:p>
           <a:p>
-            <a:pPr marL="431999" indent="-323999">
+            <a:pPr marL="481263" indent="-481263" algn="l">
               <a:spcBef>
-                <a:spcPts val="1400"/>
+                <a:spcPts val="1800"/>
               </a:spcBef>
-              <a:buClr>
-                <a:srgbClr val="000000"/>
-              </a:buClr>
-              <a:buSzPct val="45000"/>
-              <a:buChar char="●"/>
-              <a:defRPr spc="-100" sz="3200"/>
+              <a:buSzPct val="75000"/>
+              <a:buChar char="•"/>
+              <a:defRPr spc="-125" sz="4000"/>
             </a:pPr>
             <a:r>
               <a:t>Plan to throw one away; you will anyhow (Fred Brooks, “The Mythical Man Month”)</a:t>
@@ -6588,38 +6038,38 @@
 </file>
 
 <file path=ppt/theme/theme1.xml><?xml version="1.0" encoding="utf-8"?>
-<a:theme xmlns:a="http://schemas.openxmlformats.org/drawingml/2006/main" xmlns:r="http://schemas.openxmlformats.org/officeDocument/2006/relationships" name="Office Theme">
+<a:theme xmlns:a="http://schemas.openxmlformats.org/drawingml/2006/main" xmlns:r="http://schemas.openxmlformats.org/officeDocument/2006/relationships" name="Gradient">
   <a:themeElements>
-    <a:clrScheme name="Office Theme">
+    <a:clrScheme name="Gradient">
       <a:dk1>
-        <a:srgbClr val="000000"/>
+        <a:srgbClr val="FF0000"/>
       </a:dk1>
       <a:lt1>
-        <a:srgbClr val="000000"/>
+        <a:srgbClr val="FFFFFF"/>
       </a:lt1>
       <a:dk2>
-        <a:srgbClr val="A7A7A7"/>
+        <a:srgbClr val="53585F"/>
       </a:dk2>
       <a:lt2>
-        <a:srgbClr val="535353"/>
+        <a:srgbClr val="DCDEE0"/>
       </a:lt2>
       <a:accent1>
-        <a:srgbClr val="4F81BD"/>
+        <a:srgbClr val="0065C1"/>
       </a:accent1>
       <a:accent2>
-        <a:srgbClr val="C0504D"/>
+        <a:srgbClr val="189B1A"/>
       </a:accent2>
       <a:accent3>
-        <a:srgbClr val="9BBB59"/>
+        <a:srgbClr val="008C91"/>
       </a:accent3>
       <a:accent4>
-        <a:srgbClr val="8064A2"/>
+        <a:srgbClr val="5747C1"/>
       </a:accent4>
       <a:accent5>
-        <a:srgbClr val="4BACC6"/>
+        <a:srgbClr val="971817"/>
       </a:accent5>
       <a:accent6>
-        <a:srgbClr val="F79646"/>
+        <a:srgbClr val="BC8027"/>
       </a:accent6>
       <a:hlink>
         <a:srgbClr val="0000FF"/>
@@ -6628,19 +6078,19 @@
         <a:srgbClr val="FF00FF"/>
       </a:folHlink>
     </a:clrScheme>
-    <a:fontScheme name="Office Theme">
+    <a:fontScheme name="Gradient">
       <a:majorFont>
-        <a:latin typeface="Helvetica Neue"/>
-        <a:ea typeface="Helvetica Neue"/>
-        <a:cs typeface="Helvetica Neue"/>
+        <a:latin typeface="Helvetica Light"/>
+        <a:ea typeface="Helvetica Light"/>
+        <a:cs typeface="Helvetica Light"/>
       </a:majorFont>
       <a:minorFont>
-        <a:latin typeface="Helvetica"/>
-        <a:ea typeface="Helvetica"/>
-        <a:cs typeface="Helvetica"/>
+        <a:latin typeface="Helvetica Light"/>
+        <a:ea typeface="Helvetica Light"/>
+        <a:cs typeface="Helvetica Light"/>
       </a:minorFont>
     </a:fontScheme>
-    <a:fmtScheme name="Office Theme">
+    <a:fmtScheme name="Gradient">
       <a:fillStyleLst>
         <a:solidFill>
           <a:schemeClr val="phClr"/>
@@ -6714,27 +6164,27 @@
       <a:effectStyleLst>
         <a:effectStyle>
           <a:effectLst>
-            <a:outerShdw sx="100000" sy="100000" kx="0" ky="0" algn="b" rotWithShape="0" blurRad="38100" dist="23000" dir="5400000">
+            <a:outerShdw sx="100000" sy="100000" kx="0" ky="0" algn="b" rotWithShape="0" blurRad="76200" dist="0" dir="18900000">
               <a:srgbClr val="000000">
-                <a:alpha val="35000"/>
+                <a:alpha val="80000"/>
               </a:srgbClr>
             </a:outerShdw>
           </a:effectLst>
         </a:effectStyle>
         <a:effectStyle>
           <a:effectLst>
-            <a:outerShdw sx="100000" sy="100000" kx="0" ky="0" algn="b" rotWithShape="0" blurRad="38100" dist="23000" dir="5400000">
+            <a:outerShdw sx="100000" sy="100000" kx="0" ky="0" algn="b" rotWithShape="0" blurRad="76200" dist="0" dir="18900000">
               <a:srgbClr val="000000">
-                <a:alpha val="35000"/>
+                <a:alpha val="80000"/>
               </a:srgbClr>
             </a:outerShdw>
           </a:effectLst>
         </a:effectStyle>
         <a:effectStyle>
           <a:effectLst>
-            <a:outerShdw sx="100000" sy="100000" kx="0" ky="0" algn="b" rotWithShape="0" blurRad="38100" dist="20000" dir="5400000">
+            <a:outerShdw sx="100000" sy="100000" kx="0" ky="0" algn="b" rotWithShape="0" blurRad="76200" dist="0" dir="18900000">
               <a:srgbClr val="000000">
-                <a:alpha val="38000"/>
+                <a:alpha val="80000"/>
               </a:srgbClr>
             </a:outerShdw>
           </a:effectLst>
@@ -6795,30 +6245,39 @@
   <a:objectDefaults>
     <a:spDef>
       <a:spPr>
-        <a:solidFill>
-          <a:srgbClr val="FFFFFF"/>
-        </a:solidFill>
-        <a:ln w="25400" cap="flat">
-          <a:solidFill>
-            <a:schemeClr val="accent1"/>
-          </a:solidFill>
-          <a:prstDash val="solid"/>
-          <a:round/>
+        <a:gradFill flip="none" rotWithShape="1">
+          <a:gsLst>
+            <a:gs pos="0">
+              <a:schemeClr val="accent1"/>
+            </a:gs>
+            <a:gs pos="100000">
+              <a:schemeClr val="accent1">
+                <a:hueOff val="321133"/>
+                <a:satOff val="-12043"/>
+                <a:lumOff val="-7113"/>
+              </a:schemeClr>
+            </a:gs>
+          </a:gsLst>
+          <a:lin ang="5400000" scaled="0"/>
+        </a:gradFill>
+        <a:ln w="12700" cap="flat">
+          <a:noFill/>
+          <a:miter lim="400000"/>
         </a:ln>
         <a:effectLst>
-          <a:outerShdw sx="100000" sy="100000" kx="0" ky="0" algn="b" rotWithShape="0" blurRad="38100" dist="23000" dir="5400000">
+          <a:outerShdw sx="100000" sy="100000" kx="0" ky="0" algn="b" rotWithShape="0" blurRad="76200" dist="0" dir="18900000">
             <a:srgbClr val="000000">
-              <a:alpha val="35000"/>
+              <a:alpha val="80000"/>
             </a:srgbClr>
           </a:outerShdw>
         </a:effectLst>
         <a:sp3d/>
       </a:spPr>
-      <a:bodyPr rot="0" spcFirstLastPara="1" vertOverflow="overflow" horzOverflow="overflow" vert="horz" wrap="square" lIns="45719" tIns="45719" rIns="45719" bIns="45719" numCol="1" spcCol="38100" rtlCol="0" anchor="ctr" upright="0">
+      <a:bodyPr rot="0" spcFirstLastPara="1" vertOverflow="overflow" horzOverflow="overflow" vert="horz" wrap="square" lIns="50800" tIns="50800" rIns="50800" bIns="50800" numCol="1" spcCol="38100" rtlCol="0" anchor="ctr" upright="0">
         <a:spAutoFit/>
       </a:bodyPr>
       <a:lstStyle>
-        <a:defPPr marL="0" marR="0" indent="0" algn="l" defTabSz="914400" rtl="0" fontAlgn="auto" latinLnBrk="0" hangingPunct="0">
+        <a:defPPr marL="0" marR="0" indent="0" algn="ctr" defTabSz="584200" rtl="0" fontAlgn="auto" latinLnBrk="0" hangingPunct="0">
           <a:lnSpc>
             <a:spcPct val="100000"/>
           </a:lnSpc>
@@ -6833,19 +6292,25 @@
           <a:buFontTx/>
           <a:buNone/>
           <a:tabLst/>
-          <a:defRPr b="0" baseline="0" cap="none" i="0" spc="0" strike="noStrike" sz="1800" u="none" kumimoji="0" normalizeH="0">
+          <a:defRPr b="0" baseline="0" cap="none" i="0" spc="0" strike="noStrike" sz="2400" u="none" kumimoji="0" normalizeH="0">
             <a:ln>
               <a:noFill/>
             </a:ln>
             <a:solidFill>
-              <a:srgbClr val="000000"/>
+              <a:srgbClr val="FFFFFF"/>
             </a:solidFill>
-            <a:effectLst/>
+            <a:effectLst>
+              <a:outerShdw sx="100000" sy="100000" kx="0" ky="0" algn="b" rotWithShape="0" blurRad="25400" dist="23998" dir="2700000">
+                <a:srgbClr val="000000">
+                  <a:alpha val="31034"/>
+                </a:srgbClr>
+              </a:outerShdw>
+            </a:effectLst>
             <a:uFillTx/>
-            <a:latin typeface="Arial"/>
-            <a:ea typeface="Arial"/>
-            <a:cs typeface="Arial"/>
-            <a:sym typeface="Arial"/>
+            <a:latin typeface="+mn-lt"/>
+            <a:ea typeface="+mn-ea"/>
+            <a:cs typeface="+mn-cs"/>
+            <a:sym typeface="Helvetica Light"/>
           </a:defRPr>
         </a:defPPr>
         <a:lvl1pPr marL="0" marR="0" indent="0" algn="l" defTabSz="914400" rtl="0" fontAlgn="auto" latinLnBrk="1" hangingPunct="0">
@@ -7095,18 +6560,12 @@
         <a:noFill/>
         <a:ln w="25400" cap="flat">
           <a:solidFill>
-            <a:schemeClr val="accent1"/>
+            <a:srgbClr val="FFFFFF"/>
           </a:solidFill>
           <a:prstDash val="solid"/>
-          <a:round/>
+          <a:miter lim="400000"/>
         </a:ln>
-        <a:effectLst>
-          <a:outerShdw sx="100000" sy="100000" kx="0" ky="0" algn="b" rotWithShape="0" blurRad="38100" dist="20000" dir="5400000">
-            <a:srgbClr val="000000">
-              <a:alpha val="38000"/>
-            </a:srgbClr>
-          </a:outerShdw>
-        </a:effectLst>
+        <a:effectLst/>
         <a:sp3d/>
       </a:spPr>
       <a:bodyPr rot="0" spcFirstLastPara="1" vertOverflow="overflow" horzOverflow="overflow" vert="horz" wrap="square" lIns="91439" tIns="45719" rIns="91439" bIns="45719" numCol="1" spcCol="38100" rtlCol="0" anchor="t" upright="0">
@@ -7391,11 +6850,11 @@
         <a:effectLst/>
         <a:sp3d/>
       </a:spPr>
-      <a:bodyPr rot="0" spcFirstLastPara="1" vertOverflow="overflow" horzOverflow="overflow" vert="horz" wrap="square" lIns="45719" tIns="45719" rIns="45719" bIns="45719" numCol="1" spcCol="38100" rtlCol="0" anchor="t" upright="0">
+      <a:bodyPr rot="0" spcFirstLastPara="1" vertOverflow="overflow" horzOverflow="overflow" vert="horz" wrap="square" lIns="50800" tIns="50800" rIns="50800" bIns="50800" numCol="1" spcCol="38100" rtlCol="0" anchor="ctr" upright="0">
         <a:spAutoFit/>
       </a:bodyPr>
       <a:lstStyle>
-        <a:defPPr marL="0" marR="0" indent="0" algn="l" defTabSz="914400" rtl="0" fontAlgn="auto" latinLnBrk="0" hangingPunct="0">
+        <a:defPPr marL="0" marR="0" indent="0" algn="ctr" defTabSz="584200" rtl="0" fontAlgn="auto" latinLnBrk="0" hangingPunct="0">
           <a:lnSpc>
             <a:spcPct val="100000"/>
           </a:lnSpc>
@@ -7410,19 +6869,19 @@
           <a:buFontTx/>
           <a:buNone/>
           <a:tabLst/>
-          <a:defRPr b="0" baseline="0" cap="none" i="0" spc="0" strike="noStrike" sz="1800" u="none" kumimoji="0" normalizeH="0">
+          <a:defRPr b="0" baseline="0" cap="none" i="0" spc="0" strike="noStrike" sz="3800" u="none" kumimoji="0" normalizeH="0">
             <a:ln>
               <a:noFill/>
             </a:ln>
             <a:solidFill>
-              <a:srgbClr val="000000"/>
+              <a:srgbClr val="FFFFFF"/>
             </a:solidFill>
             <a:effectLst/>
             <a:uFillTx/>
-            <a:latin typeface="Arial"/>
-            <a:ea typeface="Arial"/>
-            <a:cs typeface="Arial"/>
-            <a:sym typeface="Arial"/>
+            <a:latin typeface="+mn-lt"/>
+            <a:ea typeface="+mn-ea"/>
+            <a:cs typeface="+mn-cs"/>
+            <a:sym typeface="Helvetica Light"/>
           </a:defRPr>
         </a:defPPr>
         <a:lvl1pPr marL="0" marR="0" indent="0" algn="l" defTabSz="914400" rtl="0" fontAlgn="auto" latinLnBrk="1" hangingPunct="0">
@@ -7672,9 +7131,9 @@
 </file>
 
 <file path=ppt/theme/theme2.xml><?xml version="1.0" encoding="utf-8"?>
-<a:theme xmlns:a="http://schemas.openxmlformats.org/drawingml/2006/main" xmlns:r="http://schemas.openxmlformats.org/officeDocument/2006/relationships" name="Office Theme">
+<a:theme xmlns:a="http://schemas.openxmlformats.org/drawingml/2006/main" xmlns:r="http://schemas.openxmlformats.org/officeDocument/2006/relationships" name="Gradient">
   <a:themeElements>
-    <a:clrScheme name="Office Theme">
+    <a:clrScheme name="Gradient">
       <a:dk1>
         <a:srgbClr val="000000"/>
       </a:dk1>
@@ -7682,28 +7141,28 @@
         <a:srgbClr val="FFFFFF"/>
       </a:lt1>
       <a:dk2>
-        <a:srgbClr val="A7A7A7"/>
+        <a:srgbClr val="53585F"/>
       </a:dk2>
       <a:lt2>
-        <a:srgbClr val="535353"/>
+        <a:srgbClr val="DCDEE0"/>
       </a:lt2>
       <a:accent1>
-        <a:srgbClr val="4F81BD"/>
+        <a:srgbClr val="0065C1"/>
       </a:accent1>
       <a:accent2>
-        <a:srgbClr val="C0504D"/>
+        <a:srgbClr val="189B1A"/>
       </a:accent2>
       <a:accent3>
-        <a:srgbClr val="9BBB59"/>
+        <a:srgbClr val="008C91"/>
       </a:accent3>
       <a:accent4>
-        <a:srgbClr val="8064A2"/>
+        <a:srgbClr val="5747C1"/>
       </a:accent4>
       <a:accent5>
-        <a:srgbClr val="4BACC6"/>
+        <a:srgbClr val="971817"/>
       </a:accent5>
       <a:accent6>
-        <a:srgbClr val="F79646"/>
+        <a:srgbClr val="BC8027"/>
       </a:accent6>
       <a:hlink>
         <a:srgbClr val="0000FF"/>
@@ -7712,19 +7171,19 @@
         <a:srgbClr val="FF00FF"/>
       </a:folHlink>
     </a:clrScheme>
-    <a:fontScheme name="Office Theme">
+    <a:fontScheme name="Gradient">
       <a:majorFont>
-        <a:latin typeface="Helvetica Neue"/>
-        <a:ea typeface="Helvetica Neue"/>
-        <a:cs typeface="Helvetica Neue"/>
+        <a:latin typeface="Helvetica Light"/>
+        <a:ea typeface="Helvetica Light"/>
+        <a:cs typeface="Helvetica Light"/>
       </a:majorFont>
       <a:minorFont>
-        <a:latin typeface="Helvetica"/>
-        <a:ea typeface="Helvetica"/>
-        <a:cs typeface="Helvetica"/>
+        <a:latin typeface="Helvetica Light"/>
+        <a:ea typeface="Helvetica Light"/>
+        <a:cs typeface="Helvetica Light"/>
       </a:minorFont>
     </a:fontScheme>
-    <a:fmtScheme name="Office Theme">
+    <a:fmtScheme name="Gradient">
       <a:fillStyleLst>
         <a:solidFill>
           <a:schemeClr val="phClr"/>
@@ -7798,27 +7257,27 @@
       <a:effectStyleLst>
         <a:effectStyle>
           <a:effectLst>
-            <a:outerShdw sx="100000" sy="100000" kx="0" ky="0" algn="b" rotWithShape="0" blurRad="38100" dist="23000" dir="5400000">
+            <a:outerShdw sx="100000" sy="100000" kx="0" ky="0" algn="b" rotWithShape="0" blurRad="76200" dist="0" dir="18900000">
               <a:srgbClr val="000000">
-                <a:alpha val="35000"/>
+                <a:alpha val="80000"/>
               </a:srgbClr>
             </a:outerShdw>
           </a:effectLst>
         </a:effectStyle>
         <a:effectStyle>
           <a:effectLst>
-            <a:outerShdw sx="100000" sy="100000" kx="0" ky="0" algn="b" rotWithShape="0" blurRad="38100" dist="23000" dir="5400000">
+            <a:outerShdw sx="100000" sy="100000" kx="0" ky="0" algn="b" rotWithShape="0" blurRad="76200" dist="0" dir="18900000">
               <a:srgbClr val="000000">
-                <a:alpha val="35000"/>
+                <a:alpha val="80000"/>
               </a:srgbClr>
             </a:outerShdw>
           </a:effectLst>
         </a:effectStyle>
         <a:effectStyle>
           <a:effectLst>
-            <a:outerShdw sx="100000" sy="100000" kx="0" ky="0" algn="b" rotWithShape="0" blurRad="38100" dist="20000" dir="5400000">
+            <a:outerShdw sx="100000" sy="100000" kx="0" ky="0" algn="b" rotWithShape="0" blurRad="76200" dist="0" dir="18900000">
               <a:srgbClr val="000000">
-                <a:alpha val="38000"/>
+                <a:alpha val="80000"/>
               </a:srgbClr>
             </a:outerShdw>
           </a:effectLst>
@@ -7879,30 +7338,39 @@
   <a:objectDefaults>
     <a:spDef>
       <a:spPr>
-        <a:solidFill>
-          <a:srgbClr val="FFFFFF"/>
-        </a:solidFill>
-        <a:ln w="25400" cap="flat">
-          <a:solidFill>
-            <a:schemeClr val="accent1"/>
-          </a:solidFill>
-          <a:prstDash val="solid"/>
-          <a:round/>
+        <a:gradFill flip="none" rotWithShape="1">
+          <a:gsLst>
+            <a:gs pos="0">
+              <a:schemeClr val="accent1"/>
+            </a:gs>
+            <a:gs pos="100000">
+              <a:schemeClr val="accent1">
+                <a:hueOff val="321133"/>
+                <a:satOff val="-12043"/>
+                <a:lumOff val="-7113"/>
+              </a:schemeClr>
+            </a:gs>
+          </a:gsLst>
+          <a:lin ang="5400000" scaled="0"/>
+        </a:gradFill>
+        <a:ln w="12700" cap="flat">
+          <a:noFill/>
+          <a:miter lim="400000"/>
         </a:ln>
         <a:effectLst>
-          <a:outerShdw sx="100000" sy="100000" kx="0" ky="0" algn="b" rotWithShape="0" blurRad="38100" dist="23000" dir="5400000">
+          <a:outerShdw sx="100000" sy="100000" kx="0" ky="0" algn="b" rotWithShape="0" blurRad="76200" dist="0" dir="18900000">
             <a:srgbClr val="000000">
-              <a:alpha val="35000"/>
+              <a:alpha val="80000"/>
             </a:srgbClr>
           </a:outerShdw>
         </a:effectLst>
         <a:sp3d/>
       </a:spPr>
-      <a:bodyPr rot="0" spcFirstLastPara="1" vertOverflow="overflow" horzOverflow="overflow" vert="horz" wrap="square" lIns="45719" tIns="45719" rIns="45719" bIns="45719" numCol="1" spcCol="38100" rtlCol="0" anchor="ctr" upright="0">
+      <a:bodyPr rot="0" spcFirstLastPara="1" vertOverflow="overflow" horzOverflow="overflow" vert="horz" wrap="square" lIns="50800" tIns="50800" rIns="50800" bIns="50800" numCol="1" spcCol="38100" rtlCol="0" anchor="ctr" upright="0">
         <a:spAutoFit/>
       </a:bodyPr>
       <a:lstStyle>
-        <a:defPPr marL="0" marR="0" indent="0" algn="l" defTabSz="914400" rtl="0" fontAlgn="auto" latinLnBrk="0" hangingPunct="0">
+        <a:defPPr marL="0" marR="0" indent="0" algn="ctr" defTabSz="584200" rtl="0" fontAlgn="auto" latinLnBrk="0" hangingPunct="0">
           <a:lnSpc>
             <a:spcPct val="100000"/>
           </a:lnSpc>
@@ -7917,19 +7385,25 @@
           <a:buFontTx/>
           <a:buNone/>
           <a:tabLst/>
-          <a:defRPr b="0" baseline="0" cap="none" i="0" spc="0" strike="noStrike" sz="1800" u="none" kumimoji="0" normalizeH="0">
+          <a:defRPr b="0" baseline="0" cap="none" i="0" spc="0" strike="noStrike" sz="2400" u="none" kumimoji="0" normalizeH="0">
             <a:ln>
               <a:noFill/>
             </a:ln>
             <a:solidFill>
-              <a:srgbClr val="000000"/>
+              <a:srgbClr val="FFFFFF"/>
             </a:solidFill>
-            <a:effectLst/>
+            <a:effectLst>
+              <a:outerShdw sx="100000" sy="100000" kx="0" ky="0" algn="b" rotWithShape="0" blurRad="25400" dist="23998" dir="2700000">
+                <a:srgbClr val="000000">
+                  <a:alpha val="31034"/>
+                </a:srgbClr>
+              </a:outerShdw>
+            </a:effectLst>
             <a:uFillTx/>
-            <a:latin typeface="Arial"/>
-            <a:ea typeface="Arial"/>
-            <a:cs typeface="Arial"/>
-            <a:sym typeface="Arial"/>
+            <a:latin typeface="+mn-lt"/>
+            <a:ea typeface="+mn-ea"/>
+            <a:cs typeface="+mn-cs"/>
+            <a:sym typeface="Helvetica Light"/>
           </a:defRPr>
         </a:defPPr>
         <a:lvl1pPr marL="0" marR="0" indent="0" algn="l" defTabSz="914400" rtl="0" fontAlgn="auto" latinLnBrk="1" hangingPunct="0">
@@ -8179,18 +7653,12 @@
         <a:noFill/>
         <a:ln w="25400" cap="flat">
           <a:solidFill>
-            <a:schemeClr val="accent1"/>
+            <a:srgbClr val="FFFFFF"/>
           </a:solidFill>
           <a:prstDash val="solid"/>
-          <a:round/>
+          <a:miter lim="400000"/>
         </a:ln>
-        <a:effectLst>
-          <a:outerShdw sx="100000" sy="100000" kx="0" ky="0" algn="b" rotWithShape="0" blurRad="38100" dist="20000" dir="5400000">
-            <a:srgbClr val="000000">
-              <a:alpha val="38000"/>
-            </a:srgbClr>
-          </a:outerShdw>
-        </a:effectLst>
+        <a:effectLst/>
         <a:sp3d/>
       </a:spPr>
       <a:bodyPr rot="0" spcFirstLastPara="1" vertOverflow="overflow" horzOverflow="overflow" vert="horz" wrap="square" lIns="91439" tIns="45719" rIns="91439" bIns="45719" numCol="1" spcCol="38100" rtlCol="0" anchor="t" upright="0">
@@ -8475,11 +7943,11 @@
         <a:effectLst/>
         <a:sp3d/>
       </a:spPr>
-      <a:bodyPr rot="0" spcFirstLastPara="1" vertOverflow="overflow" horzOverflow="overflow" vert="horz" wrap="square" lIns="45719" tIns="45719" rIns="45719" bIns="45719" numCol="1" spcCol="38100" rtlCol="0" anchor="t" upright="0">
+      <a:bodyPr rot="0" spcFirstLastPara="1" vertOverflow="overflow" horzOverflow="overflow" vert="horz" wrap="square" lIns="50800" tIns="50800" rIns="50800" bIns="50800" numCol="1" spcCol="38100" rtlCol="0" anchor="ctr" upright="0">
         <a:spAutoFit/>
       </a:bodyPr>
       <a:lstStyle>
-        <a:defPPr marL="0" marR="0" indent="0" algn="l" defTabSz="914400" rtl="0" fontAlgn="auto" latinLnBrk="0" hangingPunct="0">
+        <a:defPPr marL="0" marR="0" indent="0" algn="ctr" defTabSz="584200" rtl="0" fontAlgn="auto" latinLnBrk="0" hangingPunct="0">
           <a:lnSpc>
             <a:spcPct val="100000"/>
           </a:lnSpc>
@@ -8494,19 +7962,19 @@
           <a:buFontTx/>
           <a:buNone/>
           <a:tabLst/>
-          <a:defRPr b="0" baseline="0" cap="none" i="0" spc="0" strike="noStrike" sz="1800" u="none" kumimoji="0" normalizeH="0">
+          <a:defRPr b="0" baseline="0" cap="none" i="0" spc="0" strike="noStrike" sz="3800" u="none" kumimoji="0" normalizeH="0">
             <a:ln>
               <a:noFill/>
             </a:ln>
             <a:solidFill>
-              <a:srgbClr val="000000"/>
+              <a:srgbClr val="FFFFFF"/>
             </a:solidFill>
             <a:effectLst/>
             <a:uFillTx/>
-            <a:latin typeface="Arial"/>
-            <a:ea typeface="Arial"/>
-            <a:cs typeface="Arial"/>
-            <a:sym typeface="Arial"/>
+            <a:latin typeface="+mn-lt"/>
+            <a:ea typeface="+mn-ea"/>
+            <a:cs typeface="+mn-cs"/>
+            <a:sym typeface="Helvetica Light"/>
           </a:defRPr>
         </a:defPPr>
         <a:lvl1pPr marL="0" marR="0" indent="0" algn="l" defTabSz="914400" rtl="0" fontAlgn="auto" latinLnBrk="1" hangingPunct="0">
